--- a/Documents/Let the music speak.pptx
+++ b/Documents/Let the music speak.pptx
@@ -5,10 +5,10 @@
     <p:sldMasterId id="2147483648" r:id="rId4"/>
   </p:sldMasterIdLst>
   <p:notesMasterIdLst>
-    <p:notesMasterId r:id="rId22"/>
+    <p:notesMasterId r:id="rId21"/>
   </p:notesMasterIdLst>
   <p:handoutMasterIdLst>
-    <p:handoutMasterId r:id="rId23"/>
+    <p:handoutMasterId r:id="rId22"/>
   </p:handoutMasterIdLst>
   <p:sldIdLst>
     <p:sldId id="256" r:id="rId5"/>
@@ -19,15 +19,14 @@
     <p:sldId id="297" r:id="rId10"/>
     <p:sldId id="299" r:id="rId11"/>
     <p:sldId id="300" r:id="rId12"/>
-    <p:sldId id="298" r:id="rId13"/>
-    <p:sldId id="301" r:id="rId14"/>
-    <p:sldId id="282" r:id="rId15"/>
-    <p:sldId id="294" r:id="rId16"/>
-    <p:sldId id="293" r:id="rId17"/>
-    <p:sldId id="295" r:id="rId18"/>
-    <p:sldId id="277" r:id="rId19"/>
-    <p:sldId id="296" r:id="rId20"/>
-    <p:sldId id="285" r:id="rId21"/>
+    <p:sldId id="301" r:id="rId13"/>
+    <p:sldId id="282" r:id="rId14"/>
+    <p:sldId id="294" r:id="rId15"/>
+    <p:sldId id="293" r:id="rId16"/>
+    <p:sldId id="295" r:id="rId17"/>
+    <p:sldId id="277" r:id="rId18"/>
+    <p:sldId id="296" r:id="rId19"/>
+    <p:sldId id="285" r:id="rId20"/>
   </p:sldIdLst>
   <p:sldSz cx="12192000" cy="6858000"/>
   <p:notesSz cx="6858000" cy="9144000"/>
@@ -129,7 +128,7 @@
   <p:extLst>
     <p:ext uri="{EFAFB233-063F-42B5-8137-9DF3F51BA10A}">
       <p15:sldGuideLst xmlns:p15="http://schemas.microsoft.com/office/powerpoint/2012/main">
-        <p15:guide id="1" orient="horz" pos="2328" userDrawn="1">
+        <p15:guide id="1" orient="horz" pos="2296" userDrawn="1">
           <p15:clr>
             <a:srgbClr val="A4A3A4"/>
           </p15:clr>
@@ -149,7 +148,7 @@
             <a:srgbClr val="A4A3A4"/>
           </p15:clr>
         </p15:guide>
-        <p15:guide id="5" orient="horz" pos="624" userDrawn="1">
+        <p15:guide id="5" orient="horz" pos="618" userDrawn="1">
           <p15:clr>
             <a:srgbClr val="A4A3A4"/>
           </p15:clr>
@@ -776,15 +775,6 @@
           </a:p>
           <a:p>
             <a:r>
-              <a:rPr lang="en-US" dirty="0"/>
-              <a:t>Ideas for new title?!</a:t>
-            </a:r>
-          </a:p>
-          <a:p>
-            <a:endParaRPr lang="en-US" dirty="0"/>
-          </a:p>
-          <a:p>
-            <a:r>
               <a:rPr lang="en-US" b="1" dirty="0"/>
               <a:t>Title Slide</a:t>
             </a:r>
@@ -884,7 +874,83 @@
           <a:bodyPr/>
           <a:lstStyle/>
           <a:p>
-            <a:endParaRPr lang="en-AU" dirty="0"/>
+            <a:r>
+              <a:rPr lang="en-US" dirty="0"/>
+              <a:t>1 minute - </a:t>
+            </a:r>
+            <a:r>
+              <a:rPr lang="en-US" b="1" dirty="0"/>
+              <a:t>Darren</a:t>
+            </a:r>
+            <a:r>
+              <a:rPr lang="en-US" dirty="0"/>
+              <a:t> </a:t>
+            </a:r>
+          </a:p>
+          <a:p>
+            <a:r>
+              <a:rPr lang="en-US" b="1" dirty="0"/>
+              <a:t>Data Analysis</a:t>
+            </a:r>
+          </a:p>
+          <a:p>
+            <a:pPr>
+              <a:buFont typeface="Arial" panose="020B0604020202020204" pitchFamily="34" charset="0"/>
+              <a:buChar char="•"/>
+            </a:pPr>
+            <a:r>
+              <a:rPr lang="en-US" b="1" dirty="0"/>
+              <a:t>Discuss the steps you took to analyze the data and answer each question you asked in your proposal</a:t>
+            </a:r>
+          </a:p>
+          <a:p>
+            <a:pPr>
+              <a:buFont typeface="Arial" panose="020B0604020202020204" pitchFamily="34" charset="0"/>
+              <a:buChar char="•"/>
+            </a:pPr>
+            <a:r>
+              <a:rPr lang="en-US" b="1" dirty="0"/>
+              <a:t>Present and discuss interesting figures developed during </a:t>
+            </a:r>
+            <a:r>
+              <a:rPr lang="en-US" sz="1200" b="1" kern="1200" dirty="0">
+                <a:solidFill>
+                  <a:schemeClr val="tx1"/>
+                </a:solidFill>
+                <a:latin typeface="+mn-lt"/>
+                <a:ea typeface="+mn-ea"/>
+                <a:cs typeface="+mn-cs"/>
+              </a:rPr>
+              <a:t>analysis (accompanied by your </a:t>
+            </a:r>
+            <a:r>
+              <a:rPr lang="en-US" sz="1200" b="1" kern="1200" dirty="0" err="1">
+                <a:solidFill>
+                  <a:schemeClr val="tx1"/>
+                </a:solidFill>
+                <a:latin typeface="+mn-lt"/>
+                <a:ea typeface="+mn-ea"/>
+                <a:cs typeface="+mn-cs"/>
+              </a:rPr>
+              <a:t>Jupyter</a:t>
+            </a:r>
+            <a:r>
+              <a:rPr lang="en-US" sz="1200" b="1" kern="1200" dirty="0">
+                <a:solidFill>
+                  <a:schemeClr val="tx1"/>
+                </a:solidFill>
+                <a:latin typeface="+mn-lt"/>
+                <a:ea typeface="+mn-ea"/>
+                <a:cs typeface="+mn-cs"/>
+              </a:rPr>
+              <a:t> Notebook)</a:t>
+            </a:r>
+          </a:p>
+          <a:p>
+            <a:endParaRPr lang="en-US" b="1" dirty="0"/>
+          </a:p>
+          <a:p>
+            <a:endParaRPr lang="en-US" dirty="0"/>
           </a:p>
         </p:txBody>
       </p:sp>
@@ -914,7 +980,7 @@
     </p:spTree>
     <p:extLst>
       <p:ext uri="{BB962C8B-B14F-4D97-AF65-F5344CB8AC3E}">
-        <p14:creationId xmlns:p14="http://schemas.microsoft.com/office/powerpoint/2010/main" val="1360361912"/>
+        <p14:creationId xmlns:p14="http://schemas.microsoft.com/office/powerpoint/2010/main" val="3688625406"/>
       </p:ext>
     </p:extLst>
   </p:cSld>
@@ -974,12 +1040,9 @@
             </a:r>
             <a:r>
               <a:rPr lang="en-US" b="1" dirty="0"/>
-              <a:t>Darren</a:t>
-            </a:r>
-            <a:r>
-              <a:rPr lang="en-US" dirty="0"/>
-              <a:t> </a:t>
-            </a:r>
+              <a:t>Brett</a:t>
+            </a:r>
+            <a:endParaRPr lang="en-US" dirty="0"/>
           </a:p>
           <a:p>
             <a:r>
@@ -1041,9 +1104,6 @@
             </a:r>
           </a:p>
           <a:p>
-            <a:endParaRPr lang="en-US" b="1" dirty="0"/>
-          </a:p>
-          <a:p>
             <a:endParaRPr lang="en-US" dirty="0"/>
           </a:p>
         </p:txBody>
@@ -1074,7 +1134,7 @@
     </p:spTree>
     <p:extLst>
       <p:ext uri="{BB962C8B-B14F-4D97-AF65-F5344CB8AC3E}">
-        <p14:creationId xmlns:p14="http://schemas.microsoft.com/office/powerpoint/2010/main" val="3688625406"/>
+        <p14:creationId xmlns:p14="http://schemas.microsoft.com/office/powerpoint/2010/main" val="3525409121"/>
       </p:ext>
     </p:extLst>
   </p:cSld>
@@ -1134,7 +1194,7 @@
             </a:r>
             <a:r>
               <a:rPr lang="en-US" b="1" dirty="0"/>
-              <a:t>Brett</a:t>
+              <a:t>Darren</a:t>
             </a:r>
             <a:endParaRPr lang="en-US" dirty="0"/>
           </a:p>
@@ -1228,7 +1288,7 @@
     </p:spTree>
     <p:extLst>
       <p:ext uri="{BB962C8B-B14F-4D97-AF65-F5344CB8AC3E}">
-        <p14:creationId xmlns:p14="http://schemas.microsoft.com/office/powerpoint/2010/main" val="3525409121"/>
+        <p14:creationId xmlns:p14="http://schemas.microsoft.com/office/powerpoint/2010/main" val="1178366244"/>
       </p:ext>
     </p:extLst>
   </p:cSld>
@@ -1288,9 +1348,8 @@
             </a:r>
             <a:r>
               <a:rPr lang="en-US" b="1" dirty="0"/>
-              <a:t>Darren</a:t>
-            </a:r>
-            <a:endParaRPr lang="en-US" dirty="0"/>
+              <a:t>Brett</a:t>
+            </a:r>
           </a:p>
           <a:p>
             <a:r>
@@ -1382,7 +1441,7 @@
     </p:spTree>
     <p:extLst>
       <p:ext uri="{BB962C8B-B14F-4D97-AF65-F5344CB8AC3E}">
-        <p14:creationId xmlns:p14="http://schemas.microsoft.com/office/powerpoint/2010/main" val="1178366244"/>
+        <p14:creationId xmlns:p14="http://schemas.microsoft.com/office/powerpoint/2010/main" val="1417132906"/>
       </p:ext>
     </p:extLst>
   </p:cSld>
@@ -1437,18 +1496,19 @@
           <a:lstStyle/>
           <a:p>
             <a:r>
-              <a:rPr lang="en-US" dirty="0"/>
-              <a:t>1 minute - </a:t>
+              <a:rPr lang="en-US" b="0" dirty="0"/>
+              <a:t>30 seconds - </a:t>
             </a:r>
             <a:r>
               <a:rPr lang="en-US" b="1" dirty="0"/>
-              <a:t>Brett</a:t>
-            </a:r>
+              <a:t>Will</a:t>
+            </a:r>
+            <a:endParaRPr lang="en-US" b="0" dirty="0"/>
           </a:p>
           <a:p>
             <a:r>
               <a:rPr lang="en-US" b="1" dirty="0"/>
-              <a:t>Data Analysis</a:t>
+              <a:t>Post Mortem</a:t>
             </a:r>
           </a:p>
           <a:p>
@@ -1458,7 +1518,7 @@
             </a:pPr>
             <a:r>
               <a:rPr lang="en-US" b="1" dirty="0"/>
-              <a:t>Discuss the steps you took to analyze the data and answer each question you asked in your proposal</a:t>
+              <a:t>Discuss any difficulties that arose, and how you dealt with them</a:t>
             </a:r>
           </a:p>
           <a:p>
@@ -1468,40 +1528,7 @@
             </a:pPr>
             <a:r>
               <a:rPr lang="en-US" b="1" dirty="0"/>
-              <a:t>Present and discuss interesting figures developed during </a:t>
-            </a:r>
-            <a:r>
-              <a:rPr lang="en-US" sz="1200" b="1" kern="1200" dirty="0">
-                <a:solidFill>
-                  <a:schemeClr val="tx1"/>
-                </a:solidFill>
-                <a:latin typeface="+mn-lt"/>
-                <a:ea typeface="+mn-ea"/>
-                <a:cs typeface="+mn-cs"/>
-              </a:rPr>
-              <a:t>analysis (accompanied by your </a:t>
-            </a:r>
-            <a:r>
-              <a:rPr lang="en-US" sz="1200" b="1" kern="1200" dirty="0" err="1">
-                <a:solidFill>
-                  <a:schemeClr val="tx1"/>
-                </a:solidFill>
-                <a:latin typeface="+mn-lt"/>
-                <a:ea typeface="+mn-ea"/>
-                <a:cs typeface="+mn-cs"/>
-              </a:rPr>
-              <a:t>Jupyter</a:t>
-            </a:r>
-            <a:r>
-              <a:rPr lang="en-US" sz="1200" b="1" kern="1200" dirty="0">
-                <a:solidFill>
-                  <a:schemeClr val="tx1"/>
-                </a:solidFill>
-                <a:latin typeface="+mn-lt"/>
-                <a:ea typeface="+mn-ea"/>
-                <a:cs typeface="+mn-cs"/>
-              </a:rPr>
-              <a:t> Notebook)</a:t>
+              <a:t>Discuss any additional questions that came up, but which you didn't have time to answer: What would you research next, if you had two more weeks?</a:t>
             </a:r>
           </a:p>
           <a:p>
@@ -1535,7 +1562,7 @@
     </p:spTree>
     <p:extLst>
       <p:ext uri="{BB962C8B-B14F-4D97-AF65-F5344CB8AC3E}">
-        <p14:creationId xmlns:p14="http://schemas.microsoft.com/office/powerpoint/2010/main" val="1417132906"/>
+        <p14:creationId xmlns:p14="http://schemas.microsoft.com/office/powerpoint/2010/main" val="2200471060"/>
       </p:ext>
     </p:extLst>
   </p:cSld>
@@ -1589,43 +1616,6 @@
           <a:bodyPr/>
           <a:lstStyle/>
           <a:p>
-            <a:r>
-              <a:rPr lang="en-US" b="0" dirty="0"/>
-              <a:t>30 seconds - </a:t>
-            </a:r>
-            <a:r>
-              <a:rPr lang="en-US" b="1" dirty="0"/>
-              <a:t>Will</a:t>
-            </a:r>
-            <a:endParaRPr lang="en-US" b="0" dirty="0"/>
-          </a:p>
-          <a:p>
-            <a:r>
-              <a:rPr lang="en-US" b="1" dirty="0"/>
-              <a:t>Post Mortem</a:t>
-            </a:r>
-          </a:p>
-          <a:p>
-            <a:pPr>
-              <a:buFont typeface="Arial" panose="020B0604020202020204" pitchFamily="34" charset="0"/>
-              <a:buChar char="•"/>
-            </a:pPr>
-            <a:r>
-              <a:rPr lang="en-US" b="1" dirty="0"/>
-              <a:t>Discuss any difficulties that arose, and how you dealt with them</a:t>
-            </a:r>
-          </a:p>
-          <a:p>
-            <a:pPr>
-              <a:buFont typeface="Arial" panose="020B0604020202020204" pitchFamily="34" charset="0"/>
-              <a:buChar char="•"/>
-            </a:pPr>
-            <a:r>
-              <a:rPr lang="en-US" b="1" dirty="0"/>
-              <a:t>Discuss any additional questions that came up, but which you didn't have time to answer: What would you research next, if you had two more weeks?</a:t>
-            </a:r>
-          </a:p>
-          <a:p>
             <a:endParaRPr lang="en-US" dirty="0"/>
           </a:p>
         </p:txBody>
@@ -1656,7 +1646,7 @@
     </p:spTree>
     <p:extLst>
       <p:ext uri="{BB962C8B-B14F-4D97-AF65-F5344CB8AC3E}">
-        <p14:creationId xmlns:p14="http://schemas.microsoft.com/office/powerpoint/2010/main" val="2200471060"/>
+        <p14:creationId xmlns:p14="http://schemas.microsoft.com/office/powerpoint/2010/main" val="946538123"/>
       </p:ext>
     </p:extLst>
   </p:cSld>
@@ -1710,6 +1700,22 @@
           <a:bodyPr/>
           <a:lstStyle/>
           <a:p>
+            <a:r>
+              <a:rPr lang="en-US" b="1" dirty="0"/>
+              <a:t>Questions</a:t>
+            </a:r>
+          </a:p>
+          <a:p>
+            <a:pPr>
+              <a:buFont typeface="Arial" panose="020B0604020202020204" pitchFamily="34" charset="0"/>
+              <a:buChar char="•"/>
+            </a:pPr>
+            <a:r>
+              <a:rPr lang="en-US" b="1" dirty="0"/>
+              <a:t>Open-floor Q&amp;A with the audience</a:t>
+            </a:r>
+          </a:p>
+          <a:p>
             <a:endParaRPr lang="en-US" dirty="0"/>
           </a:p>
         </p:txBody>
@@ -1732,106 +1738,6 @@
             <a:fld id="{BE60DC36-8EFA-4378-9855-E019C55AC472}" type="slidenum">
               <a:rPr lang="en-US" smtClean="0"/>
               <a:t>16</a:t>
-            </a:fld>
-            <a:endParaRPr lang="en-US" dirty="0"/>
-          </a:p>
-        </p:txBody>
-      </p:sp>
-    </p:spTree>
-    <p:extLst>
-      <p:ext uri="{BB962C8B-B14F-4D97-AF65-F5344CB8AC3E}">
-        <p14:creationId xmlns:p14="http://schemas.microsoft.com/office/powerpoint/2010/main" val="946538123"/>
-      </p:ext>
-    </p:extLst>
-  </p:cSld>
-  <p:clrMapOvr>
-    <a:masterClrMapping/>
-  </p:clrMapOvr>
-</p:notes>
-</file>
-
-<file path=ppt/notesSlides/notesSlide17.xml><?xml version="1.0" encoding="utf-8"?>
-<p:notes xmlns:a="http://schemas.openxmlformats.org/drawingml/2006/main" xmlns:r="http://schemas.openxmlformats.org/officeDocument/2006/relationships" xmlns:p="http://schemas.openxmlformats.org/presentationml/2006/main">
-  <p:cSld>
-    <p:spTree>
-      <p:nvGrpSpPr>
-        <p:cNvPr id="1" name=""/>
-        <p:cNvGrpSpPr/>
-        <p:nvPr/>
-      </p:nvGrpSpPr>
-      <p:grpSpPr>
-        <a:xfrm>
-          <a:off x="0" y="0"/>
-          <a:ext cx="0" cy="0"/>
-          <a:chOff x="0" y="0"/>
-          <a:chExt cx="0" cy="0"/>
-        </a:xfrm>
-      </p:grpSpPr>
-      <p:sp>
-        <p:nvSpPr>
-          <p:cNvPr id="2" name="Slide Image Placeholder 1"/>
-          <p:cNvSpPr>
-            <a:spLocks noGrp="1" noRot="1" noChangeAspect="1"/>
-          </p:cNvSpPr>
-          <p:nvPr>
-            <p:ph type="sldImg"/>
-          </p:nvPr>
-        </p:nvSpPr>
-        <p:spPr/>
-      </p:sp>
-      <p:sp>
-        <p:nvSpPr>
-          <p:cNvPr id="3" name="Notes Placeholder 2"/>
-          <p:cNvSpPr>
-            <a:spLocks noGrp="1"/>
-          </p:cNvSpPr>
-          <p:nvPr>
-            <p:ph type="body" idx="1"/>
-          </p:nvPr>
-        </p:nvSpPr>
-        <p:spPr/>
-        <p:txBody>
-          <a:bodyPr/>
-          <a:lstStyle/>
-          <a:p>
-            <a:r>
-              <a:rPr lang="en-US" b="1" dirty="0"/>
-              <a:t>Questions</a:t>
-            </a:r>
-          </a:p>
-          <a:p>
-            <a:pPr>
-              <a:buFont typeface="Arial" panose="020B0604020202020204" pitchFamily="34" charset="0"/>
-              <a:buChar char="•"/>
-            </a:pPr>
-            <a:r>
-              <a:rPr lang="en-US" b="1" dirty="0"/>
-              <a:t>Open-floor Q&amp;A with the audience</a:t>
-            </a:r>
-          </a:p>
-          <a:p>
-            <a:endParaRPr lang="en-US" dirty="0"/>
-          </a:p>
-        </p:txBody>
-      </p:sp>
-      <p:sp>
-        <p:nvSpPr>
-          <p:cNvPr id="4" name="Slide Number Placeholder 3"/>
-          <p:cNvSpPr>
-            <a:spLocks noGrp="1"/>
-          </p:cNvSpPr>
-          <p:nvPr>
-            <p:ph type="sldNum" sz="quarter" idx="5"/>
-          </p:nvPr>
-        </p:nvSpPr>
-        <p:spPr/>
-        <p:txBody>
-          <a:bodyPr/>
-          <a:lstStyle/>
-          <a:p>
-            <a:fld id="{BE60DC36-8EFA-4378-9855-E019C55AC472}" type="slidenum">
-              <a:rPr lang="en-US" smtClean="0"/>
-              <a:t>17</a:t>
             </a:fld>
             <a:endParaRPr lang="en-US" dirty="0"/>
           </a:p>
@@ -2777,80 +2683,6 @@
           <a:bodyPr/>
           <a:lstStyle/>
           <a:p>
-            <a:r>
-              <a:rPr lang="en-US" dirty="0"/>
-              <a:t>Slide 4B – Data Merging – 4 Hypothesis</a:t>
-            </a:r>
-          </a:p>
-          <a:p>
-            <a:r>
-              <a:rPr lang="en-US" dirty="0"/>
-              <a:t>-Data has been presented, so focus on execution (how did we achieve this?)</a:t>
-            </a:r>
-          </a:p>
-          <a:p>
-            <a:endParaRPr lang="en-US" dirty="0"/>
-          </a:p>
-          <a:p>
-            <a:r>
-              <a:rPr lang="en-US" b="1" dirty="0"/>
-              <a:t>Data Analysis</a:t>
-            </a:r>
-          </a:p>
-          <a:p>
-            <a:pPr>
-              <a:buFont typeface="Arial" panose="020B0604020202020204" pitchFamily="34" charset="0"/>
-              <a:buChar char="•"/>
-            </a:pPr>
-            <a:r>
-              <a:rPr lang="en-US" b="1" dirty="0"/>
-              <a:t>Discuss the steps you took to analyze the data and answer each question you asked in your proposal</a:t>
-            </a:r>
-          </a:p>
-          <a:p>
-            <a:pPr>
-              <a:buFont typeface="Arial" panose="020B0604020202020204" pitchFamily="34" charset="0"/>
-              <a:buChar char="•"/>
-            </a:pPr>
-            <a:r>
-              <a:rPr lang="en-US" b="1" dirty="0"/>
-              <a:t>Present and discuss interesting figures developed during </a:t>
-            </a:r>
-            <a:r>
-              <a:rPr lang="en-US" sz="1200" b="1" kern="1200" dirty="0">
-                <a:solidFill>
-                  <a:schemeClr val="tx1"/>
-                </a:solidFill>
-                <a:latin typeface="+mn-lt"/>
-                <a:ea typeface="+mn-ea"/>
-                <a:cs typeface="+mn-cs"/>
-              </a:rPr>
-              <a:t>analysis (accompanied by your </a:t>
-            </a:r>
-            <a:r>
-              <a:rPr lang="en-US" sz="1200" b="1" kern="1200" dirty="0" err="1">
-                <a:solidFill>
-                  <a:schemeClr val="tx1"/>
-                </a:solidFill>
-                <a:latin typeface="+mn-lt"/>
-                <a:ea typeface="+mn-ea"/>
-                <a:cs typeface="+mn-cs"/>
-              </a:rPr>
-              <a:t>Jupyter</a:t>
-            </a:r>
-            <a:r>
-              <a:rPr lang="en-US" sz="1200" b="1" kern="1200" dirty="0">
-                <a:solidFill>
-                  <a:schemeClr val="tx1"/>
-                </a:solidFill>
-                <a:latin typeface="+mn-lt"/>
-                <a:ea typeface="+mn-ea"/>
-                <a:cs typeface="+mn-cs"/>
-              </a:rPr>
-              <a:t> Notebook)</a:t>
-            </a:r>
-          </a:p>
-          <a:p>
             <a:endParaRPr lang="en-US" dirty="0"/>
           </a:p>
         </p:txBody>
@@ -2935,66 +2767,7 @@
           <a:bodyPr/>
           <a:lstStyle/>
           <a:p>
-            <a:r>
-              <a:rPr lang="en-US" b="1" dirty="0"/>
-              <a:t>Data Analysis</a:t>
-            </a:r>
-          </a:p>
-          <a:p>
-            <a:pPr>
-              <a:buFont typeface="Arial" panose="020B0604020202020204" pitchFamily="34" charset="0"/>
-              <a:buChar char="•"/>
-            </a:pPr>
-            <a:r>
-              <a:rPr lang="en-US" b="1" dirty="0"/>
-              <a:t>Discuss the steps you took to analyze the data and answer each question you asked in your proposal</a:t>
-            </a:r>
-          </a:p>
-          <a:p>
-            <a:pPr>
-              <a:buFont typeface="Arial" panose="020B0604020202020204" pitchFamily="34" charset="0"/>
-              <a:buChar char="•"/>
-            </a:pPr>
-            <a:r>
-              <a:rPr lang="en-US" b="1" dirty="0"/>
-              <a:t>Present and discuss interesting figures developed during </a:t>
-            </a:r>
-            <a:r>
-              <a:rPr lang="en-US" sz="1200" b="1" kern="1200" dirty="0">
-                <a:solidFill>
-                  <a:schemeClr val="tx1"/>
-                </a:solidFill>
-                <a:latin typeface="+mn-lt"/>
-                <a:ea typeface="+mn-ea"/>
-                <a:cs typeface="+mn-cs"/>
-              </a:rPr>
-              <a:t>analysis (accompanied by your </a:t>
-            </a:r>
-            <a:r>
-              <a:rPr lang="en-US" sz="1200" b="1" kern="1200" dirty="0" err="1">
-                <a:solidFill>
-                  <a:schemeClr val="tx1"/>
-                </a:solidFill>
-                <a:latin typeface="+mn-lt"/>
-                <a:ea typeface="+mn-ea"/>
-                <a:cs typeface="+mn-cs"/>
-              </a:rPr>
-              <a:t>Jupyter</a:t>
-            </a:r>
-            <a:r>
-              <a:rPr lang="en-US" sz="1200" b="1" kern="1200" dirty="0">
-                <a:solidFill>
-                  <a:schemeClr val="tx1"/>
-                </a:solidFill>
-                <a:latin typeface="+mn-lt"/>
-                <a:ea typeface="+mn-ea"/>
-                <a:cs typeface="+mn-cs"/>
-              </a:rPr>
-              <a:t> Notebook)</a:t>
-            </a:r>
-          </a:p>
-          <a:p>
-            <a:endParaRPr lang="en-US" dirty="0"/>
+            <a:endParaRPr lang="en-AU" dirty="0"/>
           </a:p>
         </p:txBody>
       </p:sp>
@@ -3024,7 +2797,7 @@
     </p:spTree>
     <p:extLst>
       <p:ext uri="{BB962C8B-B14F-4D97-AF65-F5344CB8AC3E}">
-        <p14:creationId xmlns:p14="http://schemas.microsoft.com/office/powerpoint/2010/main" val="3278992098"/>
+        <p14:creationId xmlns:p14="http://schemas.microsoft.com/office/powerpoint/2010/main" val="1360361912"/>
       </p:ext>
     </p:extLst>
   </p:cSld>
@@ -6271,220 +6044,6 @@
       </p:grpSpPr>
       <p:sp>
         <p:nvSpPr>
-          <p:cNvPr id="2" name="Title 1">
-            <a:extLst>
-              <a:ext uri="{FF2B5EF4-FFF2-40B4-BE49-F238E27FC236}">
-                <a16:creationId xmlns:a16="http://schemas.microsoft.com/office/drawing/2014/main" id="{C4300AEF-1595-4419-801B-6E36A33BB8CF}"/>
-              </a:ext>
-            </a:extLst>
-          </p:cNvPr>
-          <p:cNvSpPr>
-            <a:spLocks noGrp="1"/>
-          </p:cNvSpPr>
-          <p:nvPr>
-            <p:ph type="ctrTitle"/>
-          </p:nvPr>
-        </p:nvSpPr>
-        <p:spPr>
-          <a:xfrm>
-            <a:off x="722704" y="2461246"/>
-            <a:ext cx="10697593" cy="4995085"/>
-          </a:xfrm>
-        </p:spPr>
-        <p:txBody>
-          <a:bodyPr wrap="square" lIns="0" tIns="0" rIns="0" bIns="0" anchor="t">
-            <a:spAutoFit/>
-          </a:bodyPr>
-          <a:lstStyle/>
-          <a:p>
-            <a:pPr indent="540385">
-              <a:lnSpc>
-                <a:spcPct val="107000"/>
-              </a:lnSpc>
-              <a:spcAft>
-                <a:spcPts val="800"/>
-              </a:spcAft>
-            </a:pPr>
-            <a:r>
-              <a:rPr lang="en-US" b="1" dirty="0">
-                <a:solidFill>
-                  <a:schemeClr val="bg1"/>
-                </a:solidFill>
-              </a:rPr>
-              <a:t>Let The Music Speak</a:t>
-            </a:r>
-            <a:br>
-              <a:rPr lang="en-AU" sz="1800" dirty="0">
-                <a:effectLst/>
-                <a:latin typeface="Calibri" panose="020F0502020204030204" pitchFamily="34" charset="0"/>
-                <a:ea typeface="Calibri" panose="020F0502020204030204" pitchFamily="34" charset="0"/>
-                <a:cs typeface="Times New Roman" panose="02020603050405020304" pitchFamily="18" charset="0"/>
-              </a:rPr>
-            </a:br>
-            <a:r>
-              <a:rPr lang="en-US" sz="4000" dirty="0">
-                <a:solidFill>
-                  <a:schemeClr val="accent4"/>
-                </a:solidFill>
-              </a:rPr>
-              <a:t>Unearthing Australian music trends</a:t>
-            </a:r>
-            <a:br>
-              <a:rPr lang="en-US" sz="4000" dirty="0">
-                <a:solidFill>
-                  <a:schemeClr val="accent4"/>
-                </a:solidFill>
-              </a:rPr>
-            </a:br>
-            <a:br>
-              <a:rPr lang="en-US" sz="4000" dirty="0">
-                <a:solidFill>
-                  <a:schemeClr val="accent4"/>
-                </a:solidFill>
-              </a:rPr>
-            </a:br>
-            <a:r>
-              <a:rPr lang="en-US" sz="1800" dirty="0">
-                <a:solidFill>
-                  <a:schemeClr val="accent4"/>
-                </a:solidFill>
-                <a:effectLst/>
-                <a:latin typeface="Calibri" panose="020F0502020204030204" pitchFamily="34" charset="0"/>
-                <a:ea typeface="Calibri" panose="020F0502020204030204" pitchFamily="34" charset="0"/>
-                <a:cs typeface="Times New Roman" panose="02020603050405020304" pitchFamily="18" charset="0"/>
-              </a:rPr>
-              <a:t>Brett Scotland</a:t>
-            </a:r>
-            <a:br>
-              <a:rPr lang="en-AU" sz="1800" dirty="0">
-                <a:solidFill>
-                  <a:schemeClr val="accent4"/>
-                </a:solidFill>
-                <a:effectLst/>
-                <a:latin typeface="Calibri" panose="020F0502020204030204" pitchFamily="34" charset="0"/>
-                <a:ea typeface="Calibri" panose="020F0502020204030204" pitchFamily="34" charset="0"/>
-                <a:cs typeface="Times New Roman" panose="02020603050405020304" pitchFamily="18" charset="0"/>
-              </a:rPr>
-            </a:br>
-            <a:r>
-              <a:rPr lang="en-US" sz="1800" dirty="0">
-                <a:solidFill>
-                  <a:schemeClr val="accent4"/>
-                </a:solidFill>
-                <a:effectLst/>
-                <a:latin typeface="Calibri" panose="020F0502020204030204" pitchFamily="34" charset="0"/>
-                <a:ea typeface="Calibri" panose="020F0502020204030204" pitchFamily="34" charset="0"/>
-                <a:cs typeface="Times New Roman" panose="02020603050405020304" pitchFamily="18" charset="0"/>
-              </a:rPr>
-              <a:t>Darren </a:t>
-            </a:r>
-            <a:r>
-              <a:rPr lang="en-US" sz="1800" dirty="0" err="1">
-                <a:solidFill>
-                  <a:schemeClr val="accent4"/>
-                </a:solidFill>
-                <a:effectLst/>
-                <a:latin typeface="Calibri" panose="020F0502020204030204" pitchFamily="34" charset="0"/>
-                <a:ea typeface="Calibri" panose="020F0502020204030204" pitchFamily="34" charset="0"/>
-                <a:cs typeface="Times New Roman" panose="02020603050405020304" pitchFamily="18" charset="0"/>
-              </a:rPr>
-              <a:t>McMurtrie</a:t>
-            </a:r>
-            <a:br>
-              <a:rPr lang="en-AU" sz="1800" dirty="0">
-                <a:solidFill>
-                  <a:schemeClr val="accent4"/>
-                </a:solidFill>
-                <a:effectLst/>
-                <a:latin typeface="Calibri" panose="020F0502020204030204" pitchFamily="34" charset="0"/>
-                <a:ea typeface="Calibri" panose="020F0502020204030204" pitchFamily="34" charset="0"/>
-                <a:cs typeface="Times New Roman" panose="02020603050405020304" pitchFamily="18" charset="0"/>
-              </a:rPr>
-            </a:br>
-            <a:r>
-              <a:rPr lang="en-US" sz="1800" dirty="0">
-                <a:solidFill>
-                  <a:schemeClr val="accent4"/>
-                </a:solidFill>
-                <a:effectLst/>
-                <a:latin typeface="Calibri" panose="020F0502020204030204" pitchFamily="34" charset="0"/>
-                <a:ea typeface="Calibri" panose="020F0502020204030204" pitchFamily="34" charset="0"/>
-                <a:cs typeface="Times New Roman" panose="02020603050405020304" pitchFamily="18" charset="0"/>
-              </a:rPr>
-              <a:t>Jesse Tan</a:t>
-            </a:r>
-            <a:br>
-              <a:rPr lang="en-AU" sz="1800" dirty="0">
-                <a:solidFill>
-                  <a:schemeClr val="accent4"/>
-                </a:solidFill>
-                <a:effectLst/>
-                <a:latin typeface="Calibri" panose="020F0502020204030204" pitchFamily="34" charset="0"/>
-                <a:ea typeface="Calibri" panose="020F0502020204030204" pitchFamily="34" charset="0"/>
-                <a:cs typeface="Times New Roman" panose="02020603050405020304" pitchFamily="18" charset="0"/>
-              </a:rPr>
-            </a:br>
-            <a:r>
-              <a:rPr lang="en-US" sz="1800" dirty="0">
-                <a:solidFill>
-                  <a:schemeClr val="accent4"/>
-                </a:solidFill>
-                <a:effectLst/>
-                <a:latin typeface="Calibri" panose="020F0502020204030204" pitchFamily="34" charset="0"/>
-                <a:ea typeface="Calibri" panose="020F0502020204030204" pitchFamily="34" charset="0"/>
-                <a:cs typeface="Times New Roman" panose="02020603050405020304" pitchFamily="18" charset="0"/>
-              </a:rPr>
-              <a:t>Kailyn Yong</a:t>
-            </a:r>
-            <a:br>
-              <a:rPr lang="en-AU" sz="1800" dirty="0">
-                <a:solidFill>
-                  <a:schemeClr val="accent4"/>
-                </a:solidFill>
-                <a:effectLst/>
-                <a:latin typeface="Calibri" panose="020F0502020204030204" pitchFamily="34" charset="0"/>
-                <a:ea typeface="Calibri" panose="020F0502020204030204" pitchFamily="34" charset="0"/>
-                <a:cs typeface="Times New Roman" panose="02020603050405020304" pitchFamily="18" charset="0"/>
-              </a:rPr>
-            </a:br>
-            <a:r>
-              <a:rPr lang="en-US" sz="1800" dirty="0">
-                <a:solidFill>
-                  <a:schemeClr val="accent4"/>
-                </a:solidFill>
-                <a:effectLst/>
-                <a:latin typeface="Calibri" panose="020F0502020204030204" pitchFamily="34" charset="0"/>
-                <a:ea typeface="Calibri" panose="020F0502020204030204" pitchFamily="34" charset="0"/>
-                <a:cs typeface="Times New Roman" panose="02020603050405020304" pitchFamily="18" charset="0"/>
-              </a:rPr>
-              <a:t>Will Bobzin</a:t>
-            </a:r>
-            <a:br>
-              <a:rPr lang="en-AU" sz="1800" dirty="0">
-                <a:effectLst/>
-                <a:latin typeface="Calibri" panose="020F0502020204030204" pitchFamily="34" charset="0"/>
-                <a:ea typeface="Calibri" panose="020F0502020204030204" pitchFamily="34" charset="0"/>
-                <a:cs typeface="Times New Roman" panose="02020603050405020304" pitchFamily="18" charset="0"/>
-              </a:rPr>
-            </a:br>
-            <a:br>
-              <a:rPr lang="en-AU" sz="1800" dirty="0">
-                <a:effectLst/>
-                <a:latin typeface="Calibri" panose="020F0502020204030204" pitchFamily="34" charset="0"/>
-                <a:ea typeface="Calibri" panose="020F0502020204030204" pitchFamily="34" charset="0"/>
-                <a:cs typeface="Times New Roman" panose="02020603050405020304" pitchFamily="18" charset="0"/>
-              </a:rPr>
-            </a:br>
-            <a:endParaRPr lang="en-US" dirty="0">
-              <a:solidFill>
-                <a:schemeClr val="accent4"/>
-              </a:solidFill>
-            </a:endParaRPr>
-          </a:p>
-        </p:txBody>
-      </p:sp>
-      <p:sp>
-        <p:nvSpPr>
           <p:cNvPr id="4" name="Diamond 3">
             <a:extLst>
               <a:ext uri="{FF2B5EF4-FFF2-40B4-BE49-F238E27FC236}">
@@ -6590,6 +6149,210 @@
           <a:p>
             <a:pPr algn="ctr"/>
             <a:endParaRPr lang="en-US" dirty="0"/>
+          </a:p>
+        </p:txBody>
+      </p:sp>
+      <p:sp>
+        <p:nvSpPr>
+          <p:cNvPr id="6" name="Title 1">
+            <a:extLst>
+              <a:ext uri="{FF2B5EF4-FFF2-40B4-BE49-F238E27FC236}">
+                <a16:creationId xmlns:a16="http://schemas.microsoft.com/office/drawing/2014/main" id="{BFC5C820-6123-46C6-81DE-652AD81636AC}"/>
+              </a:ext>
+            </a:extLst>
+          </p:cNvPr>
+          <p:cNvSpPr txBox="1">
+            <a:spLocks/>
+          </p:cNvSpPr>
+          <p:nvPr/>
+        </p:nvSpPr>
+        <p:spPr>
+          <a:xfrm>
+            <a:off x="993391" y="2590633"/>
+            <a:ext cx="10697593" cy="3185487"/>
+          </a:xfrm>
+          <a:prstGeom prst="rect">
+            <a:avLst/>
+          </a:prstGeom>
+        </p:spPr>
+        <p:txBody>
+          <a:bodyPr vert="horz" wrap="square" lIns="0" tIns="0" rIns="0" bIns="0" rtlCol="0" anchor="t">
+            <a:spAutoFit/>
+          </a:bodyPr>
+          <a:lstStyle>
+            <a:lvl1pPr algn="ctr" defTabSz="914400" rtl="0" eaLnBrk="1" latinLnBrk="0" hangingPunct="1">
+              <a:lnSpc>
+                <a:spcPct val="90000"/>
+              </a:lnSpc>
+              <a:spcBef>
+                <a:spcPct val="0"/>
+              </a:spcBef>
+              <a:buNone/>
+              <a:defRPr sz="6000" kern="1200">
+                <a:solidFill>
+                  <a:schemeClr val="tx1"/>
+                </a:solidFill>
+                <a:latin typeface="+mj-lt"/>
+                <a:ea typeface="+mj-ea"/>
+                <a:cs typeface="+mj-cs"/>
+              </a:defRPr>
+            </a:lvl1pPr>
+          </a:lstStyle>
+          <a:p>
+            <a:r>
+              <a:rPr lang="en-US" b="1" dirty="0">
+                <a:solidFill>
+                  <a:schemeClr val="bg1"/>
+                </a:solidFill>
+              </a:rPr>
+              <a:t>Let The Music Speak</a:t>
+            </a:r>
+            <a:br>
+              <a:rPr lang="en-AU" sz="1800" dirty="0">
+                <a:latin typeface="Calibri" panose="020F0502020204030204" pitchFamily="34" charset="0"/>
+                <a:ea typeface="Calibri" panose="020F0502020204030204" pitchFamily="34" charset="0"/>
+                <a:cs typeface="Times New Roman" panose="02020603050405020304" pitchFamily="18" charset="0"/>
+              </a:rPr>
+            </a:br>
+            <a:r>
+              <a:rPr lang="en-US" sz="4000" dirty="0">
+                <a:solidFill>
+                  <a:schemeClr val="accent4"/>
+                </a:solidFill>
+              </a:rPr>
+              <a:t>Unearthing Australian music trends</a:t>
+            </a:r>
+          </a:p>
+          <a:p>
+            <a:endParaRPr lang="en-US" sz="4000" dirty="0">
+              <a:solidFill>
+                <a:schemeClr val="accent4"/>
+              </a:solidFill>
+            </a:endParaRPr>
+          </a:p>
+          <a:p>
+            <a:r>
+              <a:rPr lang="en-US" sz="1800" dirty="0">
+                <a:solidFill>
+                  <a:schemeClr val="accent4"/>
+                </a:solidFill>
+                <a:effectLst/>
+                <a:ea typeface="Calibri" panose="020F0502020204030204" pitchFamily="34" charset="0"/>
+                <a:cs typeface="Times New Roman" panose="02020603050405020304" pitchFamily="18" charset="0"/>
+              </a:rPr>
+              <a:t>Brett Scotland</a:t>
+            </a:r>
+            <a:br>
+              <a:rPr lang="en-AU" sz="1800" dirty="0">
+                <a:solidFill>
+                  <a:schemeClr val="accent4"/>
+                </a:solidFill>
+                <a:effectLst/>
+                <a:ea typeface="Calibri" panose="020F0502020204030204" pitchFamily="34" charset="0"/>
+                <a:cs typeface="Times New Roman" panose="02020603050405020304" pitchFamily="18" charset="0"/>
+              </a:rPr>
+            </a:br>
+            <a:r>
+              <a:rPr lang="en-US" sz="1800" dirty="0">
+                <a:solidFill>
+                  <a:schemeClr val="accent4"/>
+                </a:solidFill>
+                <a:effectLst/>
+                <a:ea typeface="Calibri" panose="020F0502020204030204" pitchFamily="34" charset="0"/>
+                <a:cs typeface="Times New Roman" panose="02020603050405020304" pitchFamily="18" charset="0"/>
+              </a:rPr>
+              <a:t>Darren </a:t>
+            </a:r>
+            <a:r>
+              <a:rPr lang="en-US" sz="1800" dirty="0" err="1">
+                <a:solidFill>
+                  <a:schemeClr val="accent4"/>
+                </a:solidFill>
+                <a:effectLst/>
+                <a:ea typeface="Calibri" panose="020F0502020204030204" pitchFamily="34" charset="0"/>
+                <a:cs typeface="Times New Roman" panose="02020603050405020304" pitchFamily="18" charset="0"/>
+              </a:rPr>
+              <a:t>McMurtrie</a:t>
+            </a:r>
+            <a:br>
+              <a:rPr lang="en-AU" sz="1800" dirty="0">
+                <a:solidFill>
+                  <a:schemeClr val="accent4"/>
+                </a:solidFill>
+                <a:effectLst/>
+                <a:ea typeface="Calibri" panose="020F0502020204030204" pitchFamily="34" charset="0"/>
+                <a:cs typeface="Times New Roman" panose="02020603050405020304" pitchFamily="18" charset="0"/>
+              </a:rPr>
+            </a:br>
+            <a:r>
+              <a:rPr lang="en-US" sz="1800" dirty="0">
+                <a:solidFill>
+                  <a:schemeClr val="accent4"/>
+                </a:solidFill>
+                <a:effectLst/>
+                <a:ea typeface="Calibri" panose="020F0502020204030204" pitchFamily="34" charset="0"/>
+                <a:cs typeface="Times New Roman" panose="02020603050405020304" pitchFamily="18" charset="0"/>
+              </a:rPr>
+              <a:t>Jesse Tan</a:t>
+            </a:r>
+            <a:br>
+              <a:rPr lang="en-AU" sz="1800" dirty="0">
+                <a:solidFill>
+                  <a:schemeClr val="accent4"/>
+                </a:solidFill>
+                <a:effectLst/>
+                <a:ea typeface="Calibri" panose="020F0502020204030204" pitchFamily="34" charset="0"/>
+                <a:cs typeface="Times New Roman" panose="02020603050405020304" pitchFamily="18" charset="0"/>
+              </a:rPr>
+            </a:br>
+            <a:r>
+              <a:rPr lang="en-US" sz="1800" dirty="0">
+                <a:solidFill>
+                  <a:schemeClr val="accent4"/>
+                </a:solidFill>
+                <a:effectLst/>
+                <a:ea typeface="Calibri" panose="020F0502020204030204" pitchFamily="34" charset="0"/>
+                <a:cs typeface="Times New Roman" panose="02020603050405020304" pitchFamily="18" charset="0"/>
+              </a:rPr>
+              <a:t>Kailyn Yong</a:t>
+            </a:r>
+            <a:br>
+              <a:rPr lang="en-AU" sz="1800" dirty="0">
+                <a:solidFill>
+                  <a:schemeClr val="accent4"/>
+                </a:solidFill>
+                <a:effectLst/>
+                <a:ea typeface="Calibri" panose="020F0502020204030204" pitchFamily="34" charset="0"/>
+                <a:cs typeface="Times New Roman" panose="02020603050405020304" pitchFamily="18" charset="0"/>
+              </a:rPr>
+            </a:br>
+            <a:r>
+              <a:rPr lang="en-US" sz="1800" dirty="0">
+                <a:solidFill>
+                  <a:schemeClr val="accent4"/>
+                </a:solidFill>
+                <a:effectLst/>
+                <a:ea typeface="Calibri" panose="020F0502020204030204" pitchFamily="34" charset="0"/>
+                <a:cs typeface="Times New Roman" panose="02020603050405020304" pitchFamily="18" charset="0"/>
+              </a:rPr>
+              <a:t>Will </a:t>
+            </a:r>
+            <a:r>
+              <a:rPr lang="en-US" sz="1800" dirty="0" err="1">
+                <a:solidFill>
+                  <a:schemeClr val="accent4"/>
+                </a:solidFill>
+                <a:effectLst/>
+                <a:ea typeface="Calibri" panose="020F0502020204030204" pitchFamily="34" charset="0"/>
+                <a:cs typeface="Times New Roman" panose="02020603050405020304" pitchFamily="18" charset="0"/>
+              </a:rPr>
+              <a:t>Bobzin</a:t>
+            </a:r>
+            <a:endParaRPr lang="en-US" sz="1800" dirty="0">
+              <a:solidFill>
+                <a:schemeClr val="accent4"/>
+              </a:solidFill>
+            </a:endParaRPr>
           </a:p>
         </p:txBody>
       </p:sp>
@@ -6623,12 +6386,415 @@
           <a:chExt cx="0" cy="0"/>
         </a:xfrm>
       </p:grpSpPr>
+      <p:sp>
+        <p:nvSpPr>
+          <p:cNvPr id="7" name="Title 6" hidden="1">
+            <a:extLst>
+              <a:ext uri="{FF2B5EF4-FFF2-40B4-BE49-F238E27FC236}">
+                <a16:creationId xmlns:a16="http://schemas.microsoft.com/office/drawing/2014/main" id="{7C70995F-D8C5-410A-AA8B-1EE172A29454}"/>
+              </a:ext>
+            </a:extLst>
+          </p:cNvPr>
+          <p:cNvSpPr>
+            <a:spLocks noGrp="1"/>
+          </p:cNvSpPr>
+          <p:nvPr>
+            <p:ph type="title" idx="4294967295"/>
+          </p:nvPr>
+        </p:nvSpPr>
+        <p:spPr>
+          <a:xfrm>
+            <a:off x="0" y="365125"/>
+            <a:ext cx="10515600" cy="1325563"/>
+          </a:xfrm>
+        </p:spPr>
+        <p:txBody>
+          <a:bodyPr/>
+          <a:lstStyle/>
+          <a:p>
+            <a:r>
+              <a:rPr lang="en-US" dirty="0"/>
+              <a:t>Project analysis slide 10</a:t>
+            </a:r>
+          </a:p>
+        </p:txBody>
+      </p:sp>
+      <p:cxnSp>
+        <p:nvCxnSpPr>
+          <p:cNvPr id="8" name="Straight Connector 7">
+            <a:extLst>
+              <a:ext uri="{FF2B5EF4-FFF2-40B4-BE49-F238E27FC236}">
+                <a16:creationId xmlns:a16="http://schemas.microsoft.com/office/drawing/2014/main" id="{D0986099-F5F2-4E8B-BE17-81194861A00C}"/>
+              </a:ext>
+              <a:ext uri="{C183D7F6-B498-43B3-948B-1728B52AA6E4}">
+                <adec:decorative xmlns:adec="http://schemas.microsoft.com/office/drawing/2017/decorative" val="1"/>
+              </a:ext>
+            </a:extLst>
+          </p:cNvPr>
+          <p:cNvCxnSpPr>
+            <a:cxnSpLocks/>
+          </p:cNvCxnSpPr>
+          <p:nvPr/>
+        </p:nvCxnSpPr>
+        <p:spPr>
+          <a:xfrm>
+            <a:off x="9563100" y="522898"/>
+            <a:ext cx="2628900" cy="0"/>
+          </a:xfrm>
+          <a:prstGeom prst="line">
+            <a:avLst/>
+          </a:prstGeom>
+          <a:ln>
+            <a:solidFill>
+              <a:schemeClr val="accent3">
+                <a:lumMod val="50000"/>
+              </a:schemeClr>
+            </a:solidFill>
+            <a:headEnd type="oval"/>
+          </a:ln>
+        </p:spPr>
+        <p:style>
+          <a:lnRef idx="1">
+            <a:schemeClr val="accent1"/>
+          </a:lnRef>
+          <a:fillRef idx="0">
+            <a:schemeClr val="accent1"/>
+          </a:fillRef>
+          <a:effectRef idx="0">
+            <a:schemeClr val="accent1"/>
+          </a:effectRef>
+          <a:fontRef idx="minor">
+            <a:schemeClr val="tx1"/>
+          </a:fontRef>
+        </p:style>
+      </p:cxnSp>
+      <p:sp>
+        <p:nvSpPr>
+          <p:cNvPr id="11" name="Title 1">
+            <a:extLst>
+              <a:ext uri="{FF2B5EF4-FFF2-40B4-BE49-F238E27FC236}">
+                <a16:creationId xmlns:a16="http://schemas.microsoft.com/office/drawing/2014/main" id="{4E3F5479-058B-4FA8-92E9-18CAB8CDC5C5}"/>
+              </a:ext>
+            </a:extLst>
+          </p:cNvPr>
+          <p:cNvSpPr txBox="1">
+            <a:spLocks/>
+          </p:cNvSpPr>
+          <p:nvPr/>
+        </p:nvSpPr>
+        <p:spPr>
+          <a:xfrm>
+            <a:off x="247650" y="247650"/>
+            <a:ext cx="11734800" cy="387798"/>
+          </a:xfrm>
+          <a:prstGeom prst="rect">
+            <a:avLst/>
+          </a:prstGeom>
+        </p:spPr>
+        <p:txBody>
+          <a:bodyPr vert="horz" wrap="square" lIns="0" tIns="0" rIns="0" bIns="0" rtlCol="0" anchor="t">
+            <a:spAutoFit/>
+          </a:bodyPr>
+          <a:lstStyle>
+            <a:lvl1pPr algn="l" defTabSz="914400" rtl="0" eaLnBrk="1" latinLnBrk="0" hangingPunct="1">
+              <a:lnSpc>
+                <a:spcPct val="90000"/>
+              </a:lnSpc>
+              <a:spcBef>
+                <a:spcPct val="0"/>
+              </a:spcBef>
+              <a:buNone/>
+              <a:defRPr sz="4400" kern="1200">
+                <a:solidFill>
+                  <a:schemeClr val="tx1"/>
+                </a:solidFill>
+                <a:latin typeface="+mj-lt"/>
+                <a:ea typeface="+mj-ea"/>
+                <a:cs typeface="+mj-cs"/>
+              </a:defRPr>
+            </a:lvl1pPr>
+          </a:lstStyle>
+          <a:p>
+            <a:pPr algn="ctr"/>
+            <a:r>
+              <a:rPr lang="en-US" sz="2800" b="1" dirty="0">
+                <a:solidFill>
+                  <a:schemeClr val="tx1">
+                    <a:lumMod val="75000"/>
+                    <a:lumOff val="25000"/>
+                  </a:schemeClr>
+                </a:solidFill>
+              </a:rPr>
+              <a:t>What makes a Hottest 100 Winner?</a:t>
+            </a:r>
+            <a:endParaRPr lang="en-US" sz="2800" dirty="0">
+              <a:solidFill>
+                <a:schemeClr val="tx1">
+                  <a:lumMod val="75000"/>
+                  <a:lumOff val="25000"/>
+                </a:schemeClr>
+              </a:solidFill>
+            </a:endParaRPr>
+          </a:p>
+        </p:txBody>
+      </p:sp>
+      <p:cxnSp>
+        <p:nvCxnSpPr>
+          <p:cNvPr id="14" name="Straight Connector 13">
+            <a:extLst>
+              <a:ext uri="{FF2B5EF4-FFF2-40B4-BE49-F238E27FC236}">
+                <a16:creationId xmlns:a16="http://schemas.microsoft.com/office/drawing/2014/main" id="{83E690F4-843A-47A5-8620-4FB01C0D8E68}"/>
+              </a:ext>
+              <a:ext uri="{C183D7F6-B498-43B3-948B-1728B52AA6E4}">
+                <adec:decorative xmlns:adec="http://schemas.microsoft.com/office/drawing/2017/decorative" val="1"/>
+              </a:ext>
+            </a:extLst>
+          </p:cNvPr>
+          <p:cNvCxnSpPr>
+            <a:cxnSpLocks/>
+          </p:cNvCxnSpPr>
+          <p:nvPr/>
+        </p:nvCxnSpPr>
+        <p:spPr>
+          <a:xfrm>
+            <a:off x="0" y="522898"/>
+            <a:ext cx="2638425" cy="0"/>
+          </a:xfrm>
+          <a:prstGeom prst="line">
+            <a:avLst/>
+          </a:prstGeom>
+          <a:ln>
+            <a:solidFill>
+              <a:schemeClr val="accent3">
+                <a:lumMod val="50000"/>
+              </a:schemeClr>
+            </a:solidFill>
+            <a:tailEnd type="oval"/>
+          </a:ln>
+        </p:spPr>
+        <p:style>
+          <a:lnRef idx="1">
+            <a:schemeClr val="accent1"/>
+          </a:lnRef>
+          <a:fillRef idx="0">
+            <a:schemeClr val="accent1"/>
+          </a:fillRef>
+          <a:effectRef idx="0">
+            <a:schemeClr val="accent1"/>
+          </a:effectRef>
+          <a:fontRef idx="minor">
+            <a:schemeClr val="tx1"/>
+          </a:fontRef>
+        </p:style>
+      </p:cxnSp>
+      <p:sp>
+        <p:nvSpPr>
+          <p:cNvPr id="12" name="Rectangle 11">
+            <a:extLst>
+              <a:ext uri="{FF2B5EF4-FFF2-40B4-BE49-F238E27FC236}">
+                <a16:creationId xmlns:a16="http://schemas.microsoft.com/office/drawing/2014/main" id="{690C1A7A-78BB-48B4-B5CE-2B9C34E5E67B}"/>
+              </a:ext>
+            </a:extLst>
+          </p:cNvPr>
+          <p:cNvSpPr/>
+          <p:nvPr/>
+        </p:nvSpPr>
+        <p:spPr>
+          <a:xfrm>
+            <a:off x="4438603" y="1218830"/>
+            <a:ext cx="3853543" cy="954364"/>
+          </a:xfrm>
+          <a:prstGeom prst="rect">
+            <a:avLst/>
+          </a:prstGeom>
+        </p:spPr>
+        <p:txBody>
+          <a:bodyPr wrap="square" lIns="0" tIns="0" rIns="0" bIns="0" anchor="t">
+            <a:spAutoFit/>
+          </a:bodyPr>
+          <a:lstStyle/>
+          <a:p>
+            <a:pPr>
+              <a:lnSpc>
+                <a:spcPts val="1900"/>
+              </a:lnSpc>
+            </a:pPr>
+            <a:r>
+              <a:rPr lang="en-US" sz="1400" dirty="0">
+                <a:solidFill>
+                  <a:schemeClr val="tx1">
+                    <a:lumMod val="75000"/>
+                    <a:lumOff val="25000"/>
+                  </a:schemeClr>
+                </a:solidFill>
+                <a:cs typeface="Segoe UI" panose="020B0502040204020203" pitchFamily="34" charset="0"/>
+              </a:rPr>
+              <a:t>Compared danceability and valence for each year's winner against the runner ups. A single sample t-test will show whether danceability or valence is correlated with a song being a winner.</a:t>
+            </a:r>
+          </a:p>
+        </p:txBody>
+      </p:sp>
+      <p:sp>
+        <p:nvSpPr>
+          <p:cNvPr id="13" name="Rectangle 12">
+            <a:extLst>
+              <a:ext uri="{FF2B5EF4-FFF2-40B4-BE49-F238E27FC236}">
+                <a16:creationId xmlns:a16="http://schemas.microsoft.com/office/drawing/2014/main" id="{53CF038C-66AF-4E81-9068-703EC0088620}"/>
+              </a:ext>
+            </a:extLst>
+          </p:cNvPr>
+          <p:cNvSpPr/>
+          <p:nvPr/>
+        </p:nvSpPr>
+        <p:spPr>
+          <a:xfrm>
+            <a:off x="8503288" y="1209706"/>
+            <a:ext cx="3528332" cy="710707"/>
+          </a:xfrm>
+          <a:prstGeom prst="rect">
+            <a:avLst/>
+          </a:prstGeom>
+        </p:spPr>
+        <p:txBody>
+          <a:bodyPr wrap="square" lIns="0" tIns="0" rIns="0" bIns="0" anchor="t">
+            <a:spAutoFit/>
+          </a:bodyPr>
+          <a:lstStyle/>
+          <a:p>
+            <a:pPr>
+              <a:lnSpc>
+                <a:spcPts val="1900"/>
+              </a:lnSpc>
+            </a:pPr>
+            <a:r>
+              <a:rPr lang="en-US" sz="1400" dirty="0">
+                <a:solidFill>
+                  <a:schemeClr val="tx1">
+                    <a:lumMod val="75000"/>
+                    <a:lumOff val="25000"/>
+                  </a:schemeClr>
+                </a:solidFill>
+                <a:cs typeface="Segoe UI" panose="020B0502040204020203" pitchFamily="34" charset="0"/>
+              </a:rPr>
+              <a:t>Neither valence or danceability have shown to be related to a song being a winner within the </a:t>
+            </a:r>
+            <a:r>
+              <a:rPr lang="en-AU" sz="1400" dirty="0">
+                <a:solidFill>
+                  <a:schemeClr val="tx1">
+                    <a:lumMod val="75000"/>
+                    <a:lumOff val="25000"/>
+                  </a:schemeClr>
+                </a:solidFill>
+                <a:cs typeface="Segoe UI" panose="020B0502040204020203" pitchFamily="34" charset="0"/>
+              </a:rPr>
+              <a:t>analysed</a:t>
+            </a:r>
+            <a:r>
+              <a:rPr lang="en-US" sz="1400" dirty="0">
+                <a:solidFill>
+                  <a:schemeClr val="tx1">
+                    <a:lumMod val="75000"/>
+                    <a:lumOff val="25000"/>
+                  </a:schemeClr>
+                </a:solidFill>
+                <a:cs typeface="Segoe UI" panose="020B0502040204020203" pitchFamily="34" charset="0"/>
+              </a:rPr>
+              <a:t> timeframe.</a:t>
+            </a:r>
+          </a:p>
+        </p:txBody>
+      </p:sp>
+      <p:sp>
+        <p:nvSpPr>
+          <p:cNvPr id="27" name="Rectangle 26">
+            <a:extLst>
+              <a:ext uri="{FF2B5EF4-FFF2-40B4-BE49-F238E27FC236}">
+                <a16:creationId xmlns:a16="http://schemas.microsoft.com/office/drawing/2014/main" id="{8B9D6654-5A8B-4A3E-B65B-E6BEC7BC3E92}"/>
+              </a:ext>
+            </a:extLst>
+          </p:cNvPr>
+          <p:cNvSpPr/>
+          <p:nvPr/>
+        </p:nvSpPr>
+        <p:spPr>
+          <a:xfrm>
+            <a:off x="8503289" y="919700"/>
+            <a:ext cx="4162870" cy="246221"/>
+          </a:xfrm>
+          <a:prstGeom prst="rect">
+            <a:avLst/>
+          </a:prstGeom>
+        </p:spPr>
+        <p:txBody>
+          <a:bodyPr wrap="square" lIns="0" tIns="0" rIns="0" bIns="0" anchor="t">
+            <a:spAutoFit/>
+          </a:bodyPr>
+          <a:lstStyle/>
+          <a:p>
+            <a:r>
+              <a:rPr lang="en-US" sz="1600" b="1" dirty="0">
+                <a:solidFill>
+                  <a:schemeClr val="tx1">
+                    <a:lumMod val="75000"/>
+                    <a:lumOff val="25000"/>
+                  </a:schemeClr>
+                </a:solidFill>
+                <a:cs typeface="Segoe UI" panose="020B0502040204020203" pitchFamily="34" charset="0"/>
+              </a:rPr>
+              <a:t>Conclusion</a:t>
+            </a:r>
+          </a:p>
+        </p:txBody>
+      </p:sp>
+      <p:sp>
+        <p:nvSpPr>
+          <p:cNvPr id="28" name="Rectangle 27">
+            <a:extLst>
+              <a:ext uri="{FF2B5EF4-FFF2-40B4-BE49-F238E27FC236}">
+                <a16:creationId xmlns:a16="http://schemas.microsoft.com/office/drawing/2014/main" id="{A4EE4EF6-1BD1-4EE8-8C26-1356267F05F1}"/>
+              </a:ext>
+            </a:extLst>
+          </p:cNvPr>
+          <p:cNvSpPr/>
+          <p:nvPr/>
+        </p:nvSpPr>
+        <p:spPr>
+          <a:xfrm>
+            <a:off x="4429870" y="932668"/>
+            <a:ext cx="4162870" cy="246221"/>
+          </a:xfrm>
+          <a:prstGeom prst="rect">
+            <a:avLst/>
+          </a:prstGeom>
+        </p:spPr>
+        <p:txBody>
+          <a:bodyPr wrap="square" lIns="0" tIns="0" rIns="0" bIns="0" anchor="t">
+            <a:spAutoFit/>
+          </a:bodyPr>
+          <a:lstStyle/>
+          <a:p>
+            <a:r>
+              <a:rPr lang="en-US" sz="1600" b="1" dirty="0">
+                <a:solidFill>
+                  <a:schemeClr val="tx1">
+                    <a:lumMod val="75000"/>
+                    <a:lumOff val="25000"/>
+                  </a:schemeClr>
+                </a:solidFill>
+                <a:cs typeface="Segoe UI" panose="020B0502040204020203" pitchFamily="34" charset="0"/>
+              </a:rPr>
+              <a:t>Testing</a:t>
+            </a:r>
+          </a:p>
+        </p:txBody>
+      </p:sp>
       <p:pic>
         <p:nvPicPr>
           <p:cNvPr id="3" name="Picture 2">
             <a:extLst>
               <a:ext uri="{FF2B5EF4-FFF2-40B4-BE49-F238E27FC236}">
-                <a16:creationId xmlns:a16="http://schemas.microsoft.com/office/drawing/2014/main" id="{C5D88466-D485-411F-A7C7-7E8FF9748BB4}"/>
+                <a16:creationId xmlns:a16="http://schemas.microsoft.com/office/drawing/2014/main" id="{A83ECEA6-83B7-4970-A3E9-E1E34950486E}"/>
               </a:ext>
             </a:extLst>
           </p:cNvPr>
@@ -6645,8 +6811,8 @@
         </p:blipFill>
         <p:spPr>
           <a:xfrm>
-            <a:off x="8643012" y="306576"/>
-            <a:ext cx="2979247" cy="6146373"/>
+            <a:off x="1351634" y="2337950"/>
+            <a:ext cx="9136559" cy="1680287"/>
           </a:xfrm>
           <a:prstGeom prst="rect">
             <a:avLst/>
@@ -6655,73 +6821,89 @@
       </p:pic>
       <p:sp>
         <p:nvSpPr>
-          <p:cNvPr id="4" name="TextBox 3">
-            <a:extLst>
-              <a:ext uri="{FF2B5EF4-FFF2-40B4-BE49-F238E27FC236}">
-                <a16:creationId xmlns:a16="http://schemas.microsoft.com/office/drawing/2014/main" id="{6A2A4443-B5D2-4D89-9EBB-848EA7D7B9F2}"/>
-              </a:ext>
-            </a:extLst>
-          </p:cNvPr>
-          <p:cNvSpPr txBox="1"/>
+          <p:cNvPr id="15" name="Rectangle 14">
+            <a:extLst>
+              <a:ext uri="{FF2B5EF4-FFF2-40B4-BE49-F238E27FC236}">
+                <a16:creationId xmlns:a16="http://schemas.microsoft.com/office/drawing/2014/main" id="{4BD1C603-69DF-4FBA-B00C-9D8CD5E7BE82}"/>
+              </a:ext>
+            </a:extLst>
+          </p:cNvPr>
+          <p:cNvSpPr/>
           <p:nvPr/>
         </p:nvSpPr>
         <p:spPr>
           <a:xfrm>
-            <a:off x="569741" y="3559126"/>
-            <a:ext cx="7380610" cy="2246769"/>
+            <a:off x="214668" y="1210344"/>
+            <a:ext cx="4014760" cy="954364"/>
           </a:xfrm>
           <a:prstGeom prst="rect">
             <a:avLst/>
           </a:prstGeom>
-          <a:noFill/>
         </p:spPr>
         <p:txBody>
-          <a:bodyPr wrap="none" rtlCol="0">
+          <a:bodyPr wrap="square" lIns="0" tIns="0" rIns="0" bIns="0" anchor="t">
             <a:spAutoFit/>
           </a:bodyPr>
           <a:lstStyle/>
           <a:p>
-            <a:r>
-              <a:rPr lang="en-AU" sz="2000" b="1" dirty="0"/>
-              <a:t>The merged data</a:t>
-            </a:r>
-            <a:r>
-              <a:rPr lang="en-US" altLang="zh-CN" sz="2000" b="1" dirty="0"/>
-              <a:t>set</a:t>
-            </a:r>
-            <a:r>
-              <a:rPr lang="en-AU" sz="2000" b="1" dirty="0"/>
-              <a:t>:</a:t>
-            </a:r>
-          </a:p>
-          <a:p>
-            <a:endParaRPr lang="en-AU" sz="2000" b="1" dirty="0"/>
-          </a:p>
-          <a:p>
-            <a:r>
-              <a:rPr lang="en-AU" sz="2000" b="1" dirty="0"/>
-              <a:t>1. 1148 rows out of the 2501 rows, nearly half of the original dataset.</a:t>
-            </a:r>
-          </a:p>
-          <a:p>
-            <a:r>
-              <a:rPr lang="en-AU" sz="2000" b="1" dirty="0"/>
-              <a:t>2. Includes every years first place song.</a:t>
-            </a:r>
-          </a:p>
-          <a:p>
-            <a:r>
-              <a:rPr lang="en-AU" sz="2000" b="1" dirty="0"/>
-              <a:t>3. Got all the columns we need for our hypothesis</a:t>
-            </a:r>
-          </a:p>
-          <a:p>
-            <a:endParaRPr lang="en-AU" sz="2000" b="1" dirty="0"/>
-          </a:p>
-          <a:p>
-            <a:r>
-              <a:rPr lang="en-AU" sz="2000" b="1" dirty="0"/>
-              <a:t>Good enough for us to do the analyse</a:t>
+            <a:pPr>
+              <a:lnSpc>
+                <a:spcPts val="1900"/>
+              </a:lnSpc>
+            </a:pPr>
+            <a:r>
+              <a:rPr lang="en-US" sz="1400" dirty="0">
+                <a:solidFill>
+                  <a:schemeClr val="tx1">
+                    <a:lumMod val="75000"/>
+                    <a:lumOff val="25000"/>
+                  </a:schemeClr>
+                </a:solidFill>
+                <a:cs typeface="Segoe UI" panose="020B0502040204020203" pitchFamily="34" charset="0"/>
+              </a:rPr>
+              <a:t>Triple J Hottest 100 winners are expected to show high positive energy (expressed as high valence) and low danceability (representing more elaborate songs) compared to other tracks.</a:t>
+            </a:r>
+          </a:p>
+        </p:txBody>
+      </p:sp>
+      <p:sp>
+        <p:nvSpPr>
+          <p:cNvPr id="16" name="Rectangle 15">
+            <a:extLst>
+              <a:ext uri="{FF2B5EF4-FFF2-40B4-BE49-F238E27FC236}">
+                <a16:creationId xmlns:a16="http://schemas.microsoft.com/office/drawing/2014/main" id="{29D1DD35-E802-4A6B-8EEB-50CAAB73D1CF}"/>
+              </a:ext>
+            </a:extLst>
+          </p:cNvPr>
+          <p:cNvSpPr/>
+          <p:nvPr/>
+        </p:nvSpPr>
+        <p:spPr>
+          <a:xfrm>
+            <a:off x="215701" y="920208"/>
+            <a:ext cx="4162870" cy="246221"/>
+          </a:xfrm>
+          <a:prstGeom prst="rect">
+            <a:avLst/>
+          </a:prstGeom>
+        </p:spPr>
+        <p:txBody>
+          <a:bodyPr wrap="square" lIns="0" tIns="0" rIns="0" bIns="0" anchor="t">
+            <a:spAutoFit/>
+          </a:bodyPr>
+          <a:lstStyle/>
+          <a:p>
+            <a:r>
+              <a:rPr lang="en-US" sz="1600" b="1" dirty="0">
+                <a:solidFill>
+                  <a:schemeClr val="tx1">
+                    <a:lumMod val="75000"/>
+                    <a:lumOff val="25000"/>
+                  </a:schemeClr>
+                </a:solidFill>
+                <a:cs typeface="Segoe UI" panose="020B0502040204020203" pitchFamily="34" charset="0"/>
+              </a:rPr>
+              <a:t>Hypothesis</a:t>
             </a:r>
           </a:p>
         </p:txBody>
@@ -6731,7 +6913,7 @@
           <p:cNvPr id="6" name="Picture 5">
             <a:extLst>
               <a:ext uri="{FF2B5EF4-FFF2-40B4-BE49-F238E27FC236}">
-                <a16:creationId xmlns:a16="http://schemas.microsoft.com/office/drawing/2014/main" id="{3FB494BD-64AC-4586-8389-459C5FC6F910}"/>
+                <a16:creationId xmlns:a16="http://schemas.microsoft.com/office/drawing/2014/main" id="{83827C48-F09F-473D-8D1B-43CA9C32D88E}"/>
               </a:ext>
             </a:extLst>
           </p:cNvPr>
@@ -6748,18 +6930,164 @@
         </p:blipFill>
         <p:spPr>
           <a:xfrm>
-            <a:off x="370450" y="853659"/>
-            <a:ext cx="8229600" cy="2105025"/>
+            <a:off x="1351634" y="4382881"/>
+            <a:ext cx="9136558" cy="1683050"/>
           </a:xfrm>
           <a:prstGeom prst="rect">
             <a:avLst/>
           </a:prstGeom>
         </p:spPr>
       </p:pic>
+      <p:sp>
+        <p:nvSpPr>
+          <p:cNvPr id="18" name="Rectangle 3">
+            <a:extLst>
+              <a:ext uri="{FF2B5EF4-FFF2-40B4-BE49-F238E27FC236}">
+                <a16:creationId xmlns:a16="http://schemas.microsoft.com/office/drawing/2014/main" id="{A2014008-1443-4942-9CCB-B08C493450D0}"/>
+              </a:ext>
+            </a:extLst>
+          </p:cNvPr>
+          <p:cNvSpPr>
+            <a:spLocks noChangeArrowheads="1"/>
+          </p:cNvSpPr>
+          <p:nvPr/>
+        </p:nvSpPr>
+        <p:spPr bwMode="auto">
+          <a:xfrm>
+            <a:off x="159255" y="6122130"/>
+            <a:ext cx="11846193" cy="223394"/>
+          </a:xfrm>
+          <a:prstGeom prst="rect">
+            <a:avLst/>
+          </a:prstGeom>
+        </p:spPr>
+        <p:txBody>
+          <a:bodyPr wrap="square" lIns="0" tIns="0" rIns="0" bIns="0" anchor="t">
+            <a:spAutoFit/>
+          </a:bodyPr>
+          <a:lstStyle/>
+          <a:p>
+            <a:pPr algn="ctr">
+              <a:lnSpc>
+                <a:spcPts val="1900"/>
+              </a:lnSpc>
+            </a:pPr>
+            <a:r>
+              <a:rPr lang="en-US" altLang="en-US" sz="1400" dirty="0">
+                <a:solidFill>
+                  <a:schemeClr val="tx1">
+                    <a:lumMod val="75000"/>
+                    <a:lumOff val="25000"/>
+                  </a:schemeClr>
+                </a:solidFill>
+                <a:cs typeface="Segoe UI" panose="020B0502040204020203" pitchFamily="34" charset="0"/>
+              </a:rPr>
+              <a:t> Ttest_1sampResult(statistic=0.321418279106471, </a:t>
+            </a:r>
+            <a:r>
+              <a:rPr lang="en-US" altLang="en-US" sz="1400" dirty="0" err="1">
+                <a:solidFill>
+                  <a:schemeClr val="tx1">
+                    <a:lumMod val="75000"/>
+                    <a:lumOff val="25000"/>
+                  </a:schemeClr>
+                </a:solidFill>
+                <a:cs typeface="Segoe UI" panose="020B0502040204020203" pitchFamily="34" charset="0"/>
+              </a:rPr>
+              <a:t>pvalue</a:t>
+            </a:r>
+            <a:r>
+              <a:rPr lang="en-US" altLang="en-US" sz="1400" dirty="0">
+                <a:solidFill>
+                  <a:schemeClr val="tx1">
+                    <a:lumMod val="75000"/>
+                    <a:lumOff val="25000"/>
+                  </a:schemeClr>
+                </a:solidFill>
+                <a:cs typeface="Segoe UI" panose="020B0502040204020203" pitchFamily="34" charset="0"/>
+              </a:rPr>
+              <a:t>=0.7506759443702175) </a:t>
+            </a:r>
+          </a:p>
+        </p:txBody>
+      </p:sp>
+      <p:sp>
+        <p:nvSpPr>
+          <p:cNvPr id="23" name="Rectangle 3">
+            <a:extLst>
+              <a:ext uri="{FF2B5EF4-FFF2-40B4-BE49-F238E27FC236}">
+                <a16:creationId xmlns:a16="http://schemas.microsoft.com/office/drawing/2014/main" id="{679768E4-1F95-460B-8E45-9C6CFE2FA1C4}"/>
+              </a:ext>
+            </a:extLst>
+          </p:cNvPr>
+          <p:cNvSpPr>
+            <a:spLocks noChangeArrowheads="1"/>
+          </p:cNvSpPr>
+          <p:nvPr/>
+        </p:nvSpPr>
+        <p:spPr bwMode="auto">
+          <a:xfrm>
+            <a:off x="196619" y="3996406"/>
+            <a:ext cx="11846193" cy="223394"/>
+          </a:xfrm>
+          <a:prstGeom prst="rect">
+            <a:avLst/>
+          </a:prstGeom>
+        </p:spPr>
+        <p:txBody>
+          <a:bodyPr wrap="square" lIns="0" tIns="0" rIns="0" bIns="0" anchor="t">
+            <a:spAutoFit/>
+          </a:bodyPr>
+          <a:lstStyle/>
+          <a:p>
+            <a:pPr algn="ctr">
+              <a:lnSpc>
+                <a:spcPts val="1900"/>
+              </a:lnSpc>
+            </a:pPr>
+            <a:r>
+              <a:rPr lang="en-US" altLang="en-US" sz="1400" dirty="0">
+                <a:solidFill>
+                  <a:schemeClr val="tx1">
+                    <a:lumMod val="75000"/>
+                    <a:lumOff val="25000"/>
+                  </a:schemeClr>
+                </a:solidFill>
+                <a:cs typeface="Segoe UI" panose="020B0502040204020203" pitchFamily="34" charset="0"/>
+              </a:rPr>
+              <a:t>Ttest_1sampResult(statistic=-0.3738255644108187, </a:t>
+            </a:r>
+            <a:r>
+              <a:rPr lang="en-US" altLang="en-US" sz="1400" dirty="0" err="1">
+                <a:solidFill>
+                  <a:schemeClr val="tx1">
+                    <a:lumMod val="75000"/>
+                    <a:lumOff val="25000"/>
+                  </a:schemeClr>
+                </a:solidFill>
+                <a:cs typeface="Segoe UI" panose="020B0502040204020203" pitchFamily="34" charset="0"/>
+              </a:rPr>
+              <a:t>pvalue</a:t>
+            </a:r>
+            <a:r>
+              <a:rPr lang="en-US" altLang="en-US" sz="1400" dirty="0">
+                <a:solidFill>
+                  <a:schemeClr val="tx1">
+                    <a:lumMod val="75000"/>
+                    <a:lumOff val="25000"/>
+                  </a:schemeClr>
+                </a:solidFill>
+                <a:cs typeface="Segoe UI" panose="020B0502040204020203" pitchFamily="34" charset="0"/>
+              </a:rPr>
+              <a:t>=0.7118162360398623)</a:t>
+            </a:r>
+          </a:p>
+        </p:txBody>
+      </p:sp>
     </p:spTree>
     <p:extLst>
       <p:ext uri="{BB962C8B-B14F-4D97-AF65-F5344CB8AC3E}">
-        <p14:creationId xmlns:p14="http://schemas.microsoft.com/office/powerpoint/2010/main" val="2976079044"/>
+        <p14:creationId xmlns:p14="http://schemas.microsoft.com/office/powerpoint/2010/main" val="1061713674"/>
       </p:ext>
     </p:extLst>
   </p:cSld>
@@ -6819,201 +7147,12 @@
           </a:p>
         </p:txBody>
       </p:sp>
-      <p:cxnSp>
-        <p:nvCxnSpPr>
-          <p:cNvPr id="8" name="Straight Connector 7">
-            <a:extLst>
-              <a:ext uri="{FF2B5EF4-FFF2-40B4-BE49-F238E27FC236}">
-                <a16:creationId xmlns:a16="http://schemas.microsoft.com/office/drawing/2014/main" id="{D0986099-F5F2-4E8B-BE17-81194861A00C}"/>
-              </a:ext>
-              <a:ext uri="{C183D7F6-B498-43B3-948B-1728B52AA6E4}">
-                <adec:decorative xmlns:adec="http://schemas.microsoft.com/office/drawing/2017/decorative" val="1"/>
-              </a:ext>
-            </a:extLst>
-          </p:cNvPr>
-          <p:cNvCxnSpPr>
-            <a:cxnSpLocks/>
-          </p:cNvCxnSpPr>
-          <p:nvPr/>
-        </p:nvCxnSpPr>
-        <p:spPr>
-          <a:xfrm>
-            <a:off x="8791575" y="522898"/>
-            <a:ext cx="3400425" cy="0"/>
-          </a:xfrm>
-          <a:prstGeom prst="line">
-            <a:avLst/>
-          </a:prstGeom>
-          <a:ln>
-            <a:solidFill>
-              <a:schemeClr val="accent3">
-                <a:lumMod val="50000"/>
-              </a:schemeClr>
-            </a:solidFill>
-            <a:headEnd type="oval"/>
-          </a:ln>
-        </p:spPr>
-        <p:style>
-          <a:lnRef idx="1">
-            <a:schemeClr val="accent1"/>
-          </a:lnRef>
-          <a:fillRef idx="0">
-            <a:schemeClr val="accent1"/>
-          </a:fillRef>
-          <a:effectRef idx="0">
-            <a:schemeClr val="accent1"/>
-          </a:effectRef>
-          <a:fontRef idx="minor">
-            <a:schemeClr val="tx1"/>
-          </a:fontRef>
-        </p:style>
-      </p:cxnSp>
-      <p:sp>
-        <p:nvSpPr>
-          <p:cNvPr id="11" name="Title 1">
-            <a:extLst>
-              <a:ext uri="{FF2B5EF4-FFF2-40B4-BE49-F238E27FC236}">
-                <a16:creationId xmlns:a16="http://schemas.microsoft.com/office/drawing/2014/main" id="{4E3F5479-058B-4FA8-92E9-18CAB8CDC5C5}"/>
-              </a:ext>
-            </a:extLst>
-          </p:cNvPr>
-          <p:cNvSpPr txBox="1">
-            <a:spLocks/>
-          </p:cNvSpPr>
-          <p:nvPr/>
-        </p:nvSpPr>
-        <p:spPr>
-          <a:xfrm>
-            <a:off x="228600" y="190500"/>
-            <a:ext cx="11734800" cy="664797"/>
-          </a:xfrm>
-          <a:prstGeom prst="rect">
-            <a:avLst/>
-          </a:prstGeom>
-        </p:spPr>
-        <p:txBody>
-          <a:bodyPr vert="horz" wrap="square" lIns="0" tIns="0" rIns="0" bIns="0" rtlCol="0" anchor="t">
-            <a:spAutoFit/>
-          </a:bodyPr>
-          <a:lstStyle>
-            <a:lvl1pPr algn="l" defTabSz="914400" rtl="0" eaLnBrk="1" latinLnBrk="0" hangingPunct="1">
-              <a:lnSpc>
-                <a:spcPct val="90000"/>
-              </a:lnSpc>
-              <a:spcBef>
-                <a:spcPct val="0"/>
-              </a:spcBef>
-              <a:buNone/>
-              <a:defRPr sz="4400" kern="1200">
-                <a:solidFill>
-                  <a:schemeClr val="tx1"/>
-                </a:solidFill>
-                <a:latin typeface="+mj-lt"/>
-                <a:ea typeface="+mj-ea"/>
-                <a:cs typeface="+mj-cs"/>
-              </a:defRPr>
-            </a:lvl1pPr>
-          </a:lstStyle>
-          <a:p>
-            <a:pPr algn="ctr"/>
-            <a:r>
-              <a:rPr lang="en-US" sz="2800" b="1" dirty="0">
-                <a:solidFill>
-                  <a:schemeClr val="tx1">
-                    <a:lumMod val="75000"/>
-                    <a:lumOff val="25000"/>
-                  </a:schemeClr>
-                </a:solidFill>
-              </a:rPr>
-              <a:t>What makes a Triple J Winner?</a:t>
-            </a:r>
-            <a:br>
-              <a:rPr lang="en-US" sz="2800" dirty="0">
-                <a:solidFill>
-                  <a:schemeClr val="tx1">
-                    <a:lumMod val="75000"/>
-                    <a:lumOff val="25000"/>
-                  </a:schemeClr>
-                </a:solidFill>
-              </a:rPr>
-            </a:br>
-            <a:r>
-              <a:rPr lang="en-US" sz="2000" dirty="0">
-                <a:solidFill>
-                  <a:schemeClr val="tx1">
-                    <a:lumMod val="75000"/>
-                    <a:lumOff val="25000"/>
-                  </a:schemeClr>
-                </a:solidFill>
-              </a:rPr>
-              <a:t> </a:t>
-            </a:r>
-            <a:endParaRPr lang="en-US" sz="2800" dirty="0">
-              <a:solidFill>
-                <a:schemeClr val="tx1">
-                  <a:lumMod val="75000"/>
-                  <a:lumOff val="25000"/>
-                </a:schemeClr>
-              </a:solidFill>
-            </a:endParaRPr>
-          </a:p>
-        </p:txBody>
-      </p:sp>
-      <p:cxnSp>
-        <p:nvCxnSpPr>
-          <p:cNvPr id="14" name="Straight Connector 13">
-            <a:extLst>
-              <a:ext uri="{FF2B5EF4-FFF2-40B4-BE49-F238E27FC236}">
-                <a16:creationId xmlns:a16="http://schemas.microsoft.com/office/drawing/2014/main" id="{83E690F4-843A-47A5-8620-4FB01C0D8E68}"/>
-              </a:ext>
-              <a:ext uri="{C183D7F6-B498-43B3-948B-1728B52AA6E4}">
-                <adec:decorative xmlns:adec="http://schemas.microsoft.com/office/drawing/2017/decorative" val="1"/>
-              </a:ext>
-            </a:extLst>
-          </p:cNvPr>
-          <p:cNvCxnSpPr>
-            <a:cxnSpLocks/>
-          </p:cNvCxnSpPr>
-          <p:nvPr/>
-        </p:nvCxnSpPr>
-        <p:spPr>
-          <a:xfrm>
-            <a:off x="0" y="522898"/>
-            <a:ext cx="3276600" cy="0"/>
-          </a:xfrm>
-          <a:prstGeom prst="line">
-            <a:avLst/>
-          </a:prstGeom>
-          <a:ln>
-            <a:solidFill>
-              <a:schemeClr val="accent3">
-                <a:lumMod val="50000"/>
-              </a:schemeClr>
-            </a:solidFill>
-            <a:tailEnd type="oval"/>
-          </a:ln>
-        </p:spPr>
-        <p:style>
-          <a:lnRef idx="1">
-            <a:schemeClr val="accent1"/>
-          </a:lnRef>
-          <a:fillRef idx="0">
-            <a:schemeClr val="accent1"/>
-          </a:fillRef>
-          <a:effectRef idx="0">
-            <a:schemeClr val="accent1"/>
-          </a:effectRef>
-          <a:fontRef idx="minor">
-            <a:schemeClr val="tx1"/>
-          </a:fontRef>
-        </p:style>
-      </p:cxnSp>
-      <p:sp>
-        <p:nvSpPr>
-          <p:cNvPr id="12" name="Rectangle 11">
-            <a:extLst>
-              <a:ext uri="{FF2B5EF4-FFF2-40B4-BE49-F238E27FC236}">
-                <a16:creationId xmlns:a16="http://schemas.microsoft.com/office/drawing/2014/main" id="{690C1A7A-78BB-48B4-B5CE-2B9C34E5E67B}"/>
+      <p:sp>
+        <p:nvSpPr>
+          <p:cNvPr id="10" name="Rectangle 9">
+            <a:extLst>
+              <a:ext uri="{FF2B5EF4-FFF2-40B4-BE49-F238E27FC236}">
+                <a16:creationId xmlns:a16="http://schemas.microsoft.com/office/drawing/2014/main" id="{1A997C66-4ED4-4017-9439-1D07ED31D783}"/>
               </a:ext>
             </a:extLst>
           </p:cNvPr>
@@ -7022,8 +7161,8 @@
         </p:nvSpPr>
         <p:spPr>
           <a:xfrm>
-            <a:off x="4452257" y="1222065"/>
-            <a:ext cx="3853543" cy="954364"/>
+            <a:off x="7542599" y="1595063"/>
+            <a:ext cx="4268298" cy="710707"/>
           </a:xfrm>
           <a:prstGeom prst="rect">
             <a:avLst/>
@@ -7035,57 +7174,7 @@
           </a:bodyPr>
           <a:lstStyle/>
           <a:p>
-            <a:pPr algn="ctr">
-              <a:lnSpc>
-                <a:spcPts val="1900"/>
-              </a:lnSpc>
-            </a:pPr>
-            <a:r>
-              <a:rPr lang="en-US" sz="1400" dirty="0">
-                <a:cs typeface="Segoe UI" panose="020B0502040204020203" pitchFamily="34" charset="0"/>
-              </a:rPr>
-              <a:t>Compared danceability and valence for each years winner against the runner ups. A single sample t-test will show whether danceability or valence is correlated with a song being a winner</a:t>
-            </a:r>
-            <a:r>
-              <a:rPr lang="en-US" sz="1400" dirty="0">
-                <a:solidFill>
-                  <a:srgbClr val="FF0000"/>
-                </a:solidFill>
-                <a:cs typeface="Segoe UI" panose="020B0502040204020203" pitchFamily="34" charset="0"/>
-              </a:rPr>
-              <a:t>.</a:t>
-            </a:r>
-          </a:p>
-        </p:txBody>
-      </p:sp>
-      <p:sp>
-        <p:nvSpPr>
-          <p:cNvPr id="13" name="Rectangle 12">
-            <a:extLst>
-              <a:ext uri="{FF2B5EF4-FFF2-40B4-BE49-F238E27FC236}">
-                <a16:creationId xmlns:a16="http://schemas.microsoft.com/office/drawing/2014/main" id="{53CF038C-66AF-4E81-9068-703EC0088620}"/>
-              </a:ext>
-            </a:extLst>
-          </p:cNvPr>
-          <p:cNvSpPr/>
-          <p:nvPr/>
-        </p:nvSpPr>
-        <p:spPr>
-          <a:xfrm>
-            <a:off x="8203039" y="1197674"/>
-            <a:ext cx="3528332" cy="710707"/>
-          </a:xfrm>
-          <a:prstGeom prst="rect">
-            <a:avLst/>
-          </a:prstGeom>
-        </p:spPr>
-        <p:txBody>
-          <a:bodyPr wrap="square" lIns="0" tIns="0" rIns="0" bIns="0" anchor="t">
-            <a:spAutoFit/>
-          </a:bodyPr>
-          <a:lstStyle/>
-          <a:p>
-            <a:pPr algn="ctr">
+            <a:pPr>
               <a:lnSpc>
                 <a:spcPts val="1900"/>
               </a:lnSpc>
@@ -7100,7 +7189,95 @@
                 </a:solidFill>
                 <a:cs typeface="Segoe UI" panose="020B0502040204020203" pitchFamily="34" charset="0"/>
               </a:rPr>
-              <a:t>Neither valence or danceability have shown to be related to a song being a winner within the </a:t>
+              <a:t>We believe the ideal time to release a Hottest 100 winner is between Quarter 2 of a given year. Earlier and track is not “fresh”, later it’s still not as well known.</a:t>
+            </a:r>
+          </a:p>
+        </p:txBody>
+      </p:sp>
+      <p:sp>
+        <p:nvSpPr>
+          <p:cNvPr id="12" name="Rectangle 11">
+            <a:extLst>
+              <a:ext uri="{FF2B5EF4-FFF2-40B4-BE49-F238E27FC236}">
+                <a16:creationId xmlns:a16="http://schemas.microsoft.com/office/drawing/2014/main" id="{690C1A7A-78BB-48B4-B5CE-2B9C34E5E67B}"/>
+              </a:ext>
+            </a:extLst>
+          </p:cNvPr>
+          <p:cNvSpPr/>
+          <p:nvPr/>
+        </p:nvSpPr>
+        <p:spPr>
+          <a:xfrm>
+            <a:off x="7538521" y="3182298"/>
+            <a:ext cx="4268298" cy="710707"/>
+          </a:xfrm>
+          <a:prstGeom prst="rect">
+            <a:avLst/>
+          </a:prstGeom>
+        </p:spPr>
+        <p:txBody>
+          <a:bodyPr wrap="square" lIns="0" tIns="0" rIns="0" bIns="0" anchor="t">
+            <a:spAutoFit/>
+          </a:bodyPr>
+          <a:lstStyle/>
+          <a:p>
+            <a:pPr>
+              <a:lnSpc>
+                <a:spcPts val="1900"/>
+              </a:lnSpc>
+            </a:pPr>
+            <a:r>
+              <a:rPr lang="en-US" sz="1400" dirty="0">
+                <a:cs typeface="Segoe UI" panose="020B0502040204020203" pitchFamily="34" charset="0"/>
+              </a:rPr>
+              <a:t>Binning release dates by month and using a chi analysis to determine if winners release dates are evenly spread over the year.</a:t>
+            </a:r>
+          </a:p>
+        </p:txBody>
+      </p:sp>
+      <p:sp>
+        <p:nvSpPr>
+          <p:cNvPr id="13" name="Rectangle 12">
+            <a:extLst>
+              <a:ext uri="{FF2B5EF4-FFF2-40B4-BE49-F238E27FC236}">
+                <a16:creationId xmlns:a16="http://schemas.microsoft.com/office/drawing/2014/main" id="{53CF038C-66AF-4E81-9068-703EC0088620}"/>
+              </a:ext>
+            </a:extLst>
+          </p:cNvPr>
+          <p:cNvSpPr/>
+          <p:nvPr/>
+        </p:nvSpPr>
+        <p:spPr>
+          <a:xfrm>
+            <a:off x="7538521" y="4590890"/>
+            <a:ext cx="4268298" cy="1198020"/>
+          </a:xfrm>
+          <a:prstGeom prst="rect">
+            <a:avLst/>
+          </a:prstGeom>
+        </p:spPr>
+        <p:txBody>
+          <a:bodyPr wrap="square" lIns="0" tIns="0" rIns="0" bIns="0" anchor="t">
+            <a:spAutoFit/>
+          </a:bodyPr>
+          <a:lstStyle/>
+          <a:p>
+            <a:pPr>
+              <a:lnSpc>
+                <a:spcPts val="1900"/>
+              </a:lnSpc>
+            </a:pPr>
+            <a:r>
+              <a:rPr lang="en-US" sz="1400" dirty="0">
+                <a:solidFill>
+                  <a:schemeClr val="tx1">
+                    <a:lumMod val="75000"/>
+                    <a:lumOff val="25000"/>
+                  </a:schemeClr>
+                </a:solidFill>
+                <a:cs typeface="Segoe UI" panose="020B0502040204020203" pitchFamily="34" charset="0"/>
+              </a:rPr>
+              <a:t>Chi test shows that a disproportionate number of winners  for the </a:t>
             </a:r>
             <a:r>
               <a:rPr lang="en-US" sz="1400" dirty="0" err="1">
@@ -7124,17 +7301,59 @@
                 </a:solidFill>
                 <a:cs typeface="Segoe UI" panose="020B0502040204020203" pitchFamily="34" charset="0"/>
               </a:rPr>
-              <a:t> timeframe.</a:t>
+              <a:t> period were released in Q3 and Q4. This is particularly noteworthy, as Q1 shows the highest amount of released tracks. It is </a:t>
+            </a:r>
+            <a:r>
+              <a:rPr lang="en-AU" sz="1400" dirty="0">
+                <a:solidFill>
+                  <a:schemeClr val="tx1">
+                    <a:lumMod val="75000"/>
+                    <a:lumOff val="25000"/>
+                  </a:schemeClr>
+                </a:solidFill>
+                <a:cs typeface="Segoe UI" panose="020B0502040204020203" pitchFamily="34" charset="0"/>
+              </a:rPr>
+              <a:t>worth</a:t>
+            </a:r>
+            <a:r>
+              <a:rPr lang="en-US" sz="1400" dirty="0">
+                <a:solidFill>
+                  <a:schemeClr val="tx1">
+                    <a:lumMod val="75000"/>
+                    <a:lumOff val="25000"/>
+                  </a:schemeClr>
+                </a:solidFill>
+                <a:cs typeface="Segoe UI" panose="020B0502040204020203" pitchFamily="34" charset="0"/>
+              </a:rPr>
+              <a:t> mentioning that the sample </a:t>
+            </a:r>
+            <a:r>
+              <a:rPr lang="en-US" sz="1400" dirty="0">
+                <a:cs typeface="Segoe UI" panose="020B0502040204020203" pitchFamily="34" charset="0"/>
+              </a:rPr>
+              <a:t>is 23 </a:t>
+            </a:r>
+            <a:r>
+              <a:rPr lang="en-US" sz="1400" dirty="0">
+                <a:solidFill>
+                  <a:schemeClr val="tx1">
+                    <a:lumMod val="75000"/>
+                    <a:lumOff val="25000"/>
+                  </a:schemeClr>
+                </a:solidFill>
+                <a:cs typeface="Segoe UI" panose="020B0502040204020203" pitchFamily="34" charset="0"/>
+              </a:rPr>
+              <a:t>winning songs, so it’s relatively small.</a:t>
             </a:r>
           </a:p>
         </p:txBody>
       </p:sp>
       <p:sp>
         <p:nvSpPr>
-          <p:cNvPr id="27" name="Rectangle 26">
-            <a:extLst>
-              <a:ext uri="{FF2B5EF4-FFF2-40B4-BE49-F238E27FC236}">
-                <a16:creationId xmlns:a16="http://schemas.microsoft.com/office/drawing/2014/main" id="{8B9D6654-5A8B-4A3E-B65B-E6BEC7BC3E92}"/>
+          <p:cNvPr id="26" name="Rectangle 25">
+            <a:extLst>
+              <a:ext uri="{FF2B5EF4-FFF2-40B4-BE49-F238E27FC236}">
+                <a16:creationId xmlns:a16="http://schemas.microsoft.com/office/drawing/2014/main" id="{2D1EC9D4-76A8-4A26-A2A6-D7B18B7CF659}"/>
               </a:ext>
             </a:extLst>
           </p:cNvPr>
@@ -7143,7 +7362,49 @@
         </p:nvSpPr>
         <p:spPr>
           <a:xfrm>
-            <a:off x="8311713" y="939924"/>
+            <a:off x="7533339" y="1297281"/>
+            <a:ext cx="4162870" cy="246221"/>
+          </a:xfrm>
+          <a:prstGeom prst="rect">
+            <a:avLst/>
+          </a:prstGeom>
+        </p:spPr>
+        <p:txBody>
+          <a:bodyPr wrap="square" lIns="0" tIns="0" rIns="0" bIns="0" anchor="t">
+            <a:spAutoFit/>
+          </a:bodyPr>
+          <a:lstStyle/>
+          <a:p>
+            <a:r>
+              <a:rPr lang="en-US" sz="1600" b="1" dirty="0">
+                <a:solidFill>
+                  <a:schemeClr val="tx1">
+                    <a:lumMod val="75000"/>
+                    <a:lumOff val="25000"/>
+                  </a:schemeClr>
+                </a:solidFill>
+                <a:cs typeface="Segoe UI" panose="020B0502040204020203" pitchFamily="34" charset="0"/>
+              </a:rPr>
+              <a:t>Hypothesis</a:t>
+            </a:r>
+          </a:p>
+        </p:txBody>
+      </p:sp>
+      <p:sp>
+        <p:nvSpPr>
+          <p:cNvPr id="27" name="Rectangle 26">
+            <a:extLst>
+              <a:ext uri="{FF2B5EF4-FFF2-40B4-BE49-F238E27FC236}">
+                <a16:creationId xmlns:a16="http://schemas.microsoft.com/office/drawing/2014/main" id="{8B9D6654-5A8B-4A3E-B65B-E6BEC7BC3E92}"/>
+              </a:ext>
+            </a:extLst>
+          </p:cNvPr>
+          <p:cNvSpPr/>
+          <p:nvPr/>
+        </p:nvSpPr>
+        <p:spPr>
+          <a:xfrm>
+            <a:off x="7531655" y="4306010"/>
             <a:ext cx="4162870" cy="246221"/>
           </a:xfrm>
           <a:prstGeom prst="rect">
@@ -7185,7 +7446,7 @@
         </p:nvSpPr>
         <p:spPr>
           <a:xfrm>
-            <a:off x="4628705" y="937718"/>
+            <a:off x="7542599" y="2889565"/>
             <a:ext cx="4162870" cy="246221"/>
           </a:xfrm>
           <a:prstGeom prst="rect">
@@ -7215,10 +7476,10 @@
       </p:sp>
       <p:pic>
         <p:nvPicPr>
-          <p:cNvPr id="3" name="Picture 2">
-            <a:extLst>
-              <a:ext uri="{FF2B5EF4-FFF2-40B4-BE49-F238E27FC236}">
-                <a16:creationId xmlns:a16="http://schemas.microsoft.com/office/drawing/2014/main" id="{A83ECEA6-83B7-4970-A3E9-E1E34950486E}"/>
+          <p:cNvPr id="5" name="Picture 4">
+            <a:extLst>
+              <a:ext uri="{FF2B5EF4-FFF2-40B4-BE49-F238E27FC236}">
+                <a16:creationId xmlns:a16="http://schemas.microsoft.com/office/drawing/2014/main" id="{112DAFE8-BCEC-4414-B5E7-EC009CEC544A}"/>
               </a:ext>
             </a:extLst>
           </p:cNvPr>
@@ -7235,109 +7496,20 @@
         </p:blipFill>
         <p:spPr>
           <a:xfrm>
-            <a:off x="1351634" y="2337950"/>
-            <a:ext cx="9136559" cy="1680287"/>
+            <a:off x="1288582" y="1077676"/>
+            <a:ext cx="4162870" cy="2973479"/>
           </a:xfrm>
           <a:prstGeom prst="rect">
             <a:avLst/>
           </a:prstGeom>
         </p:spPr>
       </p:pic>
-      <p:sp>
-        <p:nvSpPr>
-          <p:cNvPr id="15" name="Rectangle 14">
-            <a:extLst>
-              <a:ext uri="{FF2B5EF4-FFF2-40B4-BE49-F238E27FC236}">
-                <a16:creationId xmlns:a16="http://schemas.microsoft.com/office/drawing/2014/main" id="{4BD1C603-69DF-4FBA-B00C-9D8CD5E7BE82}"/>
-              </a:ext>
-            </a:extLst>
-          </p:cNvPr>
-          <p:cNvSpPr/>
-          <p:nvPr/>
-        </p:nvSpPr>
-        <p:spPr>
-          <a:xfrm>
-            <a:off x="328640" y="1305880"/>
-            <a:ext cx="4014760" cy="954364"/>
-          </a:xfrm>
-          <a:prstGeom prst="rect">
-            <a:avLst/>
-          </a:prstGeom>
-        </p:spPr>
-        <p:txBody>
-          <a:bodyPr wrap="square" lIns="0" tIns="0" rIns="0" bIns="0" anchor="t">
-            <a:spAutoFit/>
-          </a:bodyPr>
-          <a:lstStyle/>
-          <a:p>
-            <a:pPr algn="ctr">
-              <a:lnSpc>
-                <a:spcPts val="1900"/>
-              </a:lnSpc>
-            </a:pPr>
-            <a:r>
-              <a:rPr lang="en-US" sz="1400" dirty="0">
-                <a:solidFill>
-                  <a:schemeClr val="tx1">
-                    <a:lumMod val="75000"/>
-                    <a:lumOff val="25000"/>
-                  </a:schemeClr>
-                </a:solidFill>
-                <a:cs typeface="Segoe UI" panose="020B0502040204020203" pitchFamily="34" charset="0"/>
-              </a:rPr>
-              <a:t>Triple J Hottest 100 winners are expected to show high positive energy (expressed as high valence) and low danceability (representing more elaborate songs) compared to other tracks.</a:t>
-            </a:r>
-          </a:p>
-        </p:txBody>
-      </p:sp>
-      <p:sp>
-        <p:nvSpPr>
-          <p:cNvPr id="16" name="Rectangle 15">
-            <a:extLst>
-              <a:ext uri="{FF2B5EF4-FFF2-40B4-BE49-F238E27FC236}">
-                <a16:creationId xmlns:a16="http://schemas.microsoft.com/office/drawing/2014/main" id="{29D1DD35-E802-4A6B-8EEB-50CAAB73D1CF}"/>
-              </a:ext>
-            </a:extLst>
-          </p:cNvPr>
-          <p:cNvSpPr/>
-          <p:nvPr/>
-        </p:nvSpPr>
-        <p:spPr>
-          <a:xfrm>
-            <a:off x="434068" y="941474"/>
-            <a:ext cx="4162870" cy="246221"/>
-          </a:xfrm>
-          <a:prstGeom prst="rect">
-            <a:avLst/>
-          </a:prstGeom>
-        </p:spPr>
-        <p:txBody>
-          <a:bodyPr wrap="square" lIns="0" tIns="0" rIns="0" bIns="0" anchor="t">
-            <a:spAutoFit/>
-          </a:bodyPr>
-          <a:lstStyle/>
-          <a:p>
-            <a:r>
-              <a:rPr lang="en-US" sz="1600" b="1" dirty="0">
-                <a:solidFill>
-                  <a:schemeClr val="tx1">
-                    <a:lumMod val="75000"/>
-                    <a:lumOff val="25000"/>
-                  </a:schemeClr>
-                </a:solidFill>
-                <a:cs typeface="Segoe UI" panose="020B0502040204020203" pitchFamily="34" charset="0"/>
-              </a:rPr>
-              <a:t>Hypothesis</a:t>
-            </a:r>
-          </a:p>
-        </p:txBody>
-      </p:sp>
       <p:pic>
         <p:nvPicPr>
-          <p:cNvPr id="6" name="Picture 5">
-            <a:extLst>
-              <a:ext uri="{FF2B5EF4-FFF2-40B4-BE49-F238E27FC236}">
-                <a16:creationId xmlns:a16="http://schemas.microsoft.com/office/drawing/2014/main" id="{83827C48-F09F-473D-8D1B-43CA9C32D88E}"/>
+          <p:cNvPr id="17" name="Picture 16">
+            <a:extLst>
+              <a:ext uri="{FF2B5EF4-FFF2-40B4-BE49-F238E27FC236}">
+                <a16:creationId xmlns:a16="http://schemas.microsoft.com/office/drawing/2014/main" id="{CCC93AF1-CB37-4250-82DB-9A2B081C717B}"/>
               </a:ext>
             </a:extLst>
           </p:cNvPr>
@@ -7354,773 +7526,6 @@
         </p:blipFill>
         <p:spPr>
           <a:xfrm>
-            <a:off x="1351634" y="4382881"/>
-            <a:ext cx="9136558" cy="1683050"/>
-          </a:xfrm>
-          <a:prstGeom prst="rect">
-            <a:avLst/>
-          </a:prstGeom>
-        </p:spPr>
-      </p:pic>
-      <p:sp>
-        <p:nvSpPr>
-          <p:cNvPr id="18" name="Rectangle 3">
-            <a:extLst>
-              <a:ext uri="{FF2B5EF4-FFF2-40B4-BE49-F238E27FC236}">
-                <a16:creationId xmlns:a16="http://schemas.microsoft.com/office/drawing/2014/main" id="{A2014008-1443-4942-9CCB-B08C493450D0}"/>
-              </a:ext>
-            </a:extLst>
-          </p:cNvPr>
-          <p:cNvSpPr>
-            <a:spLocks noChangeArrowheads="1"/>
-          </p:cNvSpPr>
-          <p:nvPr/>
-        </p:nvSpPr>
-        <p:spPr bwMode="auto">
-          <a:xfrm>
-            <a:off x="172903" y="6163074"/>
-            <a:ext cx="11846193" cy="223394"/>
-          </a:xfrm>
-          <a:prstGeom prst="rect">
-            <a:avLst/>
-          </a:prstGeom>
-        </p:spPr>
-        <p:txBody>
-          <a:bodyPr wrap="square" lIns="0" tIns="0" rIns="0" bIns="0" anchor="t">
-            <a:spAutoFit/>
-          </a:bodyPr>
-          <a:lstStyle/>
-          <a:p>
-            <a:pPr algn="ctr">
-              <a:lnSpc>
-                <a:spcPts val="1900"/>
-              </a:lnSpc>
-            </a:pPr>
-            <a:r>
-              <a:rPr lang="en-US" altLang="en-US" sz="1400" dirty="0">
-                <a:solidFill>
-                  <a:schemeClr val="tx1">
-                    <a:lumMod val="75000"/>
-                    <a:lumOff val="25000"/>
-                  </a:schemeClr>
-                </a:solidFill>
-                <a:cs typeface="Segoe UI" panose="020B0502040204020203" pitchFamily="34" charset="0"/>
-              </a:rPr>
-              <a:t> Ttest_1sampResult(statistic=0.321418279106471, </a:t>
-            </a:r>
-            <a:r>
-              <a:rPr lang="en-US" altLang="en-US" sz="1400" dirty="0" err="1">
-                <a:solidFill>
-                  <a:schemeClr val="tx1">
-                    <a:lumMod val="75000"/>
-                    <a:lumOff val="25000"/>
-                  </a:schemeClr>
-                </a:solidFill>
-                <a:cs typeface="Segoe UI" panose="020B0502040204020203" pitchFamily="34" charset="0"/>
-              </a:rPr>
-              <a:t>pvalue</a:t>
-            </a:r>
-            <a:r>
-              <a:rPr lang="en-US" altLang="en-US" sz="1400" dirty="0">
-                <a:solidFill>
-                  <a:schemeClr val="tx1">
-                    <a:lumMod val="75000"/>
-                    <a:lumOff val="25000"/>
-                  </a:schemeClr>
-                </a:solidFill>
-                <a:cs typeface="Segoe UI" panose="020B0502040204020203" pitchFamily="34" charset="0"/>
-              </a:rPr>
-              <a:t>=0.7506759443702175) </a:t>
-            </a:r>
-          </a:p>
-        </p:txBody>
-      </p:sp>
-      <p:sp>
-        <p:nvSpPr>
-          <p:cNvPr id="23" name="Rectangle 3">
-            <a:extLst>
-              <a:ext uri="{FF2B5EF4-FFF2-40B4-BE49-F238E27FC236}">
-                <a16:creationId xmlns:a16="http://schemas.microsoft.com/office/drawing/2014/main" id="{679768E4-1F95-460B-8E45-9C6CFE2FA1C4}"/>
-              </a:ext>
-            </a:extLst>
-          </p:cNvPr>
-          <p:cNvSpPr>
-            <a:spLocks noChangeArrowheads="1"/>
-          </p:cNvSpPr>
-          <p:nvPr/>
-        </p:nvSpPr>
-        <p:spPr bwMode="auto">
-          <a:xfrm>
-            <a:off x="455931" y="3996406"/>
-            <a:ext cx="11846193" cy="223394"/>
-          </a:xfrm>
-          <a:prstGeom prst="rect">
-            <a:avLst/>
-          </a:prstGeom>
-        </p:spPr>
-        <p:txBody>
-          <a:bodyPr wrap="square" lIns="0" tIns="0" rIns="0" bIns="0" anchor="t">
-            <a:spAutoFit/>
-          </a:bodyPr>
-          <a:lstStyle/>
-          <a:p>
-            <a:pPr algn="ctr">
-              <a:lnSpc>
-                <a:spcPts val="1900"/>
-              </a:lnSpc>
-            </a:pPr>
-            <a:r>
-              <a:rPr lang="en-US" altLang="en-US" sz="1400" dirty="0">
-                <a:solidFill>
-                  <a:schemeClr val="tx1">
-                    <a:lumMod val="75000"/>
-                    <a:lumOff val="25000"/>
-                  </a:schemeClr>
-                </a:solidFill>
-                <a:cs typeface="Segoe UI" panose="020B0502040204020203" pitchFamily="34" charset="0"/>
-              </a:rPr>
-              <a:t>Ttest_1sampResult(statistic=-0.3738255644108187, </a:t>
-            </a:r>
-            <a:r>
-              <a:rPr lang="en-US" altLang="en-US" sz="1400" dirty="0" err="1">
-                <a:solidFill>
-                  <a:schemeClr val="tx1">
-                    <a:lumMod val="75000"/>
-                    <a:lumOff val="25000"/>
-                  </a:schemeClr>
-                </a:solidFill>
-                <a:cs typeface="Segoe UI" panose="020B0502040204020203" pitchFamily="34" charset="0"/>
-              </a:rPr>
-              <a:t>pvalue</a:t>
-            </a:r>
-            <a:r>
-              <a:rPr lang="en-US" altLang="en-US" sz="1400" dirty="0">
-                <a:solidFill>
-                  <a:schemeClr val="tx1">
-                    <a:lumMod val="75000"/>
-                    <a:lumOff val="25000"/>
-                  </a:schemeClr>
-                </a:solidFill>
-                <a:cs typeface="Segoe UI" panose="020B0502040204020203" pitchFamily="34" charset="0"/>
-              </a:rPr>
-              <a:t>=0.7118162360398623)</a:t>
-            </a:r>
-          </a:p>
-        </p:txBody>
-      </p:sp>
-    </p:spTree>
-    <p:extLst>
-      <p:ext uri="{BB962C8B-B14F-4D97-AF65-F5344CB8AC3E}">
-        <p14:creationId xmlns:p14="http://schemas.microsoft.com/office/powerpoint/2010/main" val="1061713674"/>
-      </p:ext>
-    </p:extLst>
-  </p:cSld>
-  <p:clrMapOvr>
-    <a:masterClrMapping/>
-  </p:clrMapOvr>
-</p:sld>
-</file>
-
-<file path=ppt/slides/slide12.xml><?xml version="1.0" encoding="utf-8"?>
-<p:sld xmlns:a="http://schemas.openxmlformats.org/drawingml/2006/main" xmlns:r="http://schemas.openxmlformats.org/officeDocument/2006/relationships" xmlns:p="http://schemas.openxmlformats.org/presentationml/2006/main">
-  <p:cSld>
-    <p:spTree>
-      <p:nvGrpSpPr>
-        <p:cNvPr id="1" name=""/>
-        <p:cNvGrpSpPr/>
-        <p:nvPr/>
-      </p:nvGrpSpPr>
-      <p:grpSpPr>
-        <a:xfrm>
-          <a:off x="0" y="0"/>
-          <a:ext cx="0" cy="0"/>
-          <a:chOff x="0" y="0"/>
-          <a:chExt cx="0" cy="0"/>
-        </a:xfrm>
-      </p:grpSpPr>
-      <p:sp>
-        <p:nvSpPr>
-          <p:cNvPr id="7" name="Title 6" hidden="1">
-            <a:extLst>
-              <a:ext uri="{FF2B5EF4-FFF2-40B4-BE49-F238E27FC236}">
-                <a16:creationId xmlns:a16="http://schemas.microsoft.com/office/drawing/2014/main" id="{7C70995F-D8C5-410A-AA8B-1EE172A29454}"/>
-              </a:ext>
-            </a:extLst>
-          </p:cNvPr>
-          <p:cNvSpPr>
-            <a:spLocks noGrp="1"/>
-          </p:cNvSpPr>
-          <p:nvPr>
-            <p:ph type="title" idx="4294967295"/>
-          </p:nvPr>
-        </p:nvSpPr>
-        <p:spPr>
-          <a:xfrm>
-            <a:off x="0" y="365125"/>
-            <a:ext cx="10515600" cy="1325563"/>
-          </a:xfrm>
-        </p:spPr>
-        <p:txBody>
-          <a:bodyPr/>
-          <a:lstStyle/>
-          <a:p>
-            <a:r>
-              <a:rPr lang="en-US" dirty="0"/>
-              <a:t>Project analysis slide 10</a:t>
-            </a:r>
-          </a:p>
-        </p:txBody>
-      </p:sp>
-      <p:cxnSp>
-        <p:nvCxnSpPr>
-          <p:cNvPr id="8" name="Straight Connector 7">
-            <a:extLst>
-              <a:ext uri="{FF2B5EF4-FFF2-40B4-BE49-F238E27FC236}">
-                <a16:creationId xmlns:a16="http://schemas.microsoft.com/office/drawing/2014/main" id="{D0986099-F5F2-4E8B-BE17-81194861A00C}"/>
-              </a:ext>
-              <a:ext uri="{C183D7F6-B498-43B3-948B-1728B52AA6E4}">
-                <adec:decorative xmlns:adec="http://schemas.microsoft.com/office/drawing/2017/decorative" val="1"/>
-              </a:ext>
-            </a:extLst>
-          </p:cNvPr>
-          <p:cNvCxnSpPr>
-            <a:cxnSpLocks/>
-          </p:cNvCxnSpPr>
-          <p:nvPr/>
-        </p:nvCxnSpPr>
-        <p:spPr>
-          <a:xfrm>
-            <a:off x="8791575" y="522898"/>
-            <a:ext cx="3400425" cy="0"/>
-          </a:xfrm>
-          <a:prstGeom prst="line">
-            <a:avLst/>
-          </a:prstGeom>
-          <a:ln>
-            <a:solidFill>
-              <a:schemeClr val="accent3">
-                <a:lumMod val="50000"/>
-              </a:schemeClr>
-            </a:solidFill>
-            <a:headEnd type="oval"/>
-          </a:ln>
-        </p:spPr>
-        <p:style>
-          <a:lnRef idx="1">
-            <a:schemeClr val="accent1"/>
-          </a:lnRef>
-          <a:fillRef idx="0">
-            <a:schemeClr val="accent1"/>
-          </a:fillRef>
-          <a:effectRef idx="0">
-            <a:schemeClr val="accent1"/>
-          </a:effectRef>
-          <a:fontRef idx="minor">
-            <a:schemeClr val="tx1"/>
-          </a:fontRef>
-        </p:style>
-      </p:cxnSp>
-      <p:sp>
-        <p:nvSpPr>
-          <p:cNvPr id="11" name="Title 1">
-            <a:extLst>
-              <a:ext uri="{FF2B5EF4-FFF2-40B4-BE49-F238E27FC236}">
-                <a16:creationId xmlns:a16="http://schemas.microsoft.com/office/drawing/2014/main" id="{4E3F5479-058B-4FA8-92E9-18CAB8CDC5C5}"/>
-              </a:ext>
-            </a:extLst>
-          </p:cNvPr>
-          <p:cNvSpPr txBox="1">
-            <a:spLocks/>
-          </p:cNvSpPr>
-          <p:nvPr/>
-        </p:nvSpPr>
-        <p:spPr>
-          <a:xfrm>
-            <a:off x="228600" y="190500"/>
-            <a:ext cx="11734800" cy="664797"/>
-          </a:xfrm>
-          <a:prstGeom prst="rect">
-            <a:avLst/>
-          </a:prstGeom>
-        </p:spPr>
-        <p:txBody>
-          <a:bodyPr vert="horz" wrap="square" lIns="0" tIns="0" rIns="0" bIns="0" rtlCol="0" anchor="t">
-            <a:spAutoFit/>
-          </a:bodyPr>
-          <a:lstStyle>
-            <a:lvl1pPr algn="l" defTabSz="914400" rtl="0" eaLnBrk="1" latinLnBrk="0" hangingPunct="1">
-              <a:lnSpc>
-                <a:spcPct val="90000"/>
-              </a:lnSpc>
-              <a:spcBef>
-                <a:spcPct val="0"/>
-              </a:spcBef>
-              <a:buNone/>
-              <a:defRPr sz="4400" kern="1200">
-                <a:solidFill>
-                  <a:schemeClr val="tx1"/>
-                </a:solidFill>
-                <a:latin typeface="+mj-lt"/>
-                <a:ea typeface="+mj-ea"/>
-                <a:cs typeface="+mj-cs"/>
-              </a:defRPr>
-            </a:lvl1pPr>
-          </a:lstStyle>
-          <a:p>
-            <a:pPr algn="ctr"/>
-            <a:r>
-              <a:rPr lang="en-US" sz="2800" b="1" dirty="0">
-                <a:solidFill>
-                  <a:schemeClr val="tx1">
-                    <a:lumMod val="75000"/>
-                    <a:lumOff val="25000"/>
-                  </a:schemeClr>
-                </a:solidFill>
-              </a:rPr>
-              <a:t>When are hits released?</a:t>
-            </a:r>
-            <a:br>
-              <a:rPr lang="en-US" sz="2800" dirty="0">
-                <a:solidFill>
-                  <a:schemeClr val="tx1">
-                    <a:lumMod val="75000"/>
-                    <a:lumOff val="25000"/>
-                  </a:schemeClr>
-                </a:solidFill>
-              </a:rPr>
-            </a:br>
-            <a:r>
-              <a:rPr lang="en-US" sz="2000" dirty="0">
-                <a:solidFill>
-                  <a:schemeClr val="tx1">
-                    <a:lumMod val="75000"/>
-                    <a:lumOff val="25000"/>
-                  </a:schemeClr>
-                </a:solidFill>
-              </a:rPr>
-              <a:t> </a:t>
-            </a:r>
-            <a:endParaRPr lang="en-US" sz="2800" dirty="0">
-              <a:solidFill>
-                <a:schemeClr val="tx1">
-                  <a:lumMod val="75000"/>
-                  <a:lumOff val="25000"/>
-                </a:schemeClr>
-              </a:solidFill>
-            </a:endParaRPr>
-          </a:p>
-        </p:txBody>
-      </p:sp>
-      <p:cxnSp>
-        <p:nvCxnSpPr>
-          <p:cNvPr id="14" name="Straight Connector 13">
-            <a:extLst>
-              <a:ext uri="{FF2B5EF4-FFF2-40B4-BE49-F238E27FC236}">
-                <a16:creationId xmlns:a16="http://schemas.microsoft.com/office/drawing/2014/main" id="{83E690F4-843A-47A5-8620-4FB01C0D8E68}"/>
-              </a:ext>
-              <a:ext uri="{C183D7F6-B498-43B3-948B-1728B52AA6E4}">
-                <adec:decorative xmlns:adec="http://schemas.microsoft.com/office/drawing/2017/decorative" val="1"/>
-              </a:ext>
-            </a:extLst>
-          </p:cNvPr>
-          <p:cNvCxnSpPr>
-            <a:cxnSpLocks/>
-          </p:cNvCxnSpPr>
-          <p:nvPr/>
-        </p:nvCxnSpPr>
-        <p:spPr>
-          <a:xfrm>
-            <a:off x="0" y="522898"/>
-            <a:ext cx="3276600" cy="0"/>
-          </a:xfrm>
-          <a:prstGeom prst="line">
-            <a:avLst/>
-          </a:prstGeom>
-          <a:ln>
-            <a:solidFill>
-              <a:schemeClr val="accent3">
-                <a:lumMod val="50000"/>
-              </a:schemeClr>
-            </a:solidFill>
-            <a:tailEnd type="oval"/>
-          </a:ln>
-        </p:spPr>
-        <p:style>
-          <a:lnRef idx="1">
-            <a:schemeClr val="accent1"/>
-          </a:lnRef>
-          <a:fillRef idx="0">
-            <a:schemeClr val="accent1"/>
-          </a:fillRef>
-          <a:effectRef idx="0">
-            <a:schemeClr val="accent1"/>
-          </a:effectRef>
-          <a:fontRef idx="minor">
-            <a:schemeClr val="tx1"/>
-          </a:fontRef>
-        </p:style>
-      </p:cxnSp>
-      <p:sp>
-        <p:nvSpPr>
-          <p:cNvPr id="10" name="Rectangle 9">
-            <a:extLst>
-              <a:ext uri="{FF2B5EF4-FFF2-40B4-BE49-F238E27FC236}">
-                <a16:creationId xmlns:a16="http://schemas.microsoft.com/office/drawing/2014/main" id="{1A997C66-4ED4-4017-9439-1D07ED31D783}"/>
-              </a:ext>
-            </a:extLst>
-          </p:cNvPr>
-          <p:cNvSpPr/>
-          <p:nvPr/>
-        </p:nvSpPr>
-        <p:spPr>
-          <a:xfrm>
-            <a:off x="7400925" y="2026444"/>
-            <a:ext cx="4268298" cy="710707"/>
-          </a:xfrm>
-          <a:prstGeom prst="rect">
-            <a:avLst/>
-          </a:prstGeom>
-        </p:spPr>
-        <p:txBody>
-          <a:bodyPr wrap="square" lIns="0" tIns="0" rIns="0" bIns="0" anchor="t">
-            <a:spAutoFit/>
-          </a:bodyPr>
-          <a:lstStyle/>
-          <a:p>
-            <a:pPr algn="ctr">
-              <a:lnSpc>
-                <a:spcPts val="1900"/>
-              </a:lnSpc>
-            </a:pPr>
-            <a:r>
-              <a:rPr lang="en-US" sz="1400" dirty="0">
-                <a:solidFill>
-                  <a:schemeClr val="tx1">
-                    <a:lumMod val="75000"/>
-                    <a:lumOff val="25000"/>
-                  </a:schemeClr>
-                </a:solidFill>
-                <a:cs typeface="Segoe UI" panose="020B0502040204020203" pitchFamily="34" charset="0"/>
-              </a:rPr>
-              <a:t>We believe ideal time to release a Hottest 100 winner is between Quarter 2 of a given year. Earlier and track is not “fresh”, later it’s still not as well known</a:t>
-            </a:r>
-          </a:p>
-        </p:txBody>
-      </p:sp>
-      <p:sp>
-        <p:nvSpPr>
-          <p:cNvPr id="12" name="Rectangle 11">
-            <a:extLst>
-              <a:ext uri="{FF2B5EF4-FFF2-40B4-BE49-F238E27FC236}">
-                <a16:creationId xmlns:a16="http://schemas.microsoft.com/office/drawing/2014/main" id="{690C1A7A-78BB-48B4-B5CE-2B9C34E5E67B}"/>
-              </a:ext>
-            </a:extLst>
-          </p:cNvPr>
-          <p:cNvSpPr/>
-          <p:nvPr/>
-        </p:nvSpPr>
-        <p:spPr>
-          <a:xfrm>
-            <a:off x="7400925" y="3546456"/>
-            <a:ext cx="4268298" cy="710707"/>
-          </a:xfrm>
-          <a:prstGeom prst="rect">
-            <a:avLst/>
-          </a:prstGeom>
-        </p:spPr>
-        <p:txBody>
-          <a:bodyPr wrap="square" lIns="0" tIns="0" rIns="0" bIns="0" anchor="t">
-            <a:spAutoFit/>
-          </a:bodyPr>
-          <a:lstStyle/>
-          <a:p>
-            <a:pPr algn="ctr">
-              <a:lnSpc>
-                <a:spcPts val="1900"/>
-              </a:lnSpc>
-            </a:pPr>
-            <a:r>
-              <a:rPr lang="en-US" sz="1400" dirty="0">
-                <a:solidFill>
-                  <a:srgbClr val="FF0000"/>
-                </a:solidFill>
-                <a:cs typeface="Segoe UI" panose="020B0502040204020203" pitchFamily="34" charset="0"/>
-              </a:rPr>
-              <a:t>Binning release dates by month, and using a chi analysis to determine if winners are released following normal distribution.</a:t>
-            </a:r>
-          </a:p>
-        </p:txBody>
-      </p:sp>
-      <p:sp>
-        <p:nvSpPr>
-          <p:cNvPr id="13" name="Rectangle 12">
-            <a:extLst>
-              <a:ext uri="{FF2B5EF4-FFF2-40B4-BE49-F238E27FC236}">
-                <a16:creationId xmlns:a16="http://schemas.microsoft.com/office/drawing/2014/main" id="{53CF038C-66AF-4E81-9068-703EC0088620}"/>
-              </a:ext>
-            </a:extLst>
-          </p:cNvPr>
-          <p:cNvSpPr/>
-          <p:nvPr/>
-        </p:nvSpPr>
-        <p:spPr>
-          <a:xfrm>
-            <a:off x="7400925" y="5066469"/>
-            <a:ext cx="4268298" cy="1198020"/>
-          </a:xfrm>
-          <a:prstGeom prst="rect">
-            <a:avLst/>
-          </a:prstGeom>
-        </p:spPr>
-        <p:txBody>
-          <a:bodyPr wrap="square" lIns="0" tIns="0" rIns="0" bIns="0" anchor="t">
-            <a:spAutoFit/>
-          </a:bodyPr>
-          <a:lstStyle/>
-          <a:p>
-            <a:pPr algn="ctr">
-              <a:lnSpc>
-                <a:spcPts val="1900"/>
-              </a:lnSpc>
-            </a:pPr>
-            <a:r>
-              <a:rPr lang="en-US" sz="1400" dirty="0">
-                <a:solidFill>
-                  <a:schemeClr val="tx1">
-                    <a:lumMod val="75000"/>
-                    <a:lumOff val="25000"/>
-                  </a:schemeClr>
-                </a:solidFill>
-                <a:cs typeface="Segoe UI" panose="020B0502040204020203" pitchFamily="34" charset="0"/>
-              </a:rPr>
-              <a:t>Chi test shows that a disproportionate number of winners  for the </a:t>
-            </a:r>
-            <a:r>
-              <a:rPr lang="en-US" sz="1400" dirty="0" err="1">
-                <a:solidFill>
-                  <a:schemeClr val="tx1">
-                    <a:lumMod val="75000"/>
-                    <a:lumOff val="25000"/>
-                  </a:schemeClr>
-                </a:solidFill>
-                <a:cs typeface="Segoe UI" panose="020B0502040204020203" pitchFamily="34" charset="0"/>
-              </a:rPr>
-              <a:t>analysed</a:t>
-            </a:r>
-            <a:r>
-              <a:rPr lang="en-US" sz="1400" dirty="0">
-                <a:solidFill>
-                  <a:schemeClr val="tx1">
-                    <a:lumMod val="75000"/>
-                    <a:lumOff val="25000"/>
-                  </a:schemeClr>
-                </a:solidFill>
-                <a:cs typeface="Segoe UI" panose="020B0502040204020203" pitchFamily="34" charset="0"/>
-              </a:rPr>
-              <a:t> period were released in Q3 and Q4. This is particularly noteworthy, as Q1 shows the highest amount of released tracks. It is worth mentioning that the sample is </a:t>
-            </a:r>
-            <a:r>
-              <a:rPr lang="en-US" sz="1400" b="1" dirty="0">
-                <a:solidFill>
-                  <a:srgbClr val="FF0000"/>
-                </a:solidFill>
-                <a:cs typeface="Segoe UI" panose="020B0502040204020203" pitchFamily="34" charset="0"/>
-              </a:rPr>
-              <a:t>23</a:t>
-            </a:r>
-            <a:r>
-              <a:rPr lang="en-US" sz="1400" dirty="0">
-                <a:solidFill>
-                  <a:schemeClr val="tx1">
-                    <a:lumMod val="75000"/>
-                    <a:lumOff val="25000"/>
-                  </a:schemeClr>
-                </a:solidFill>
-                <a:cs typeface="Segoe UI" panose="020B0502040204020203" pitchFamily="34" charset="0"/>
-              </a:rPr>
-              <a:t> winning songs, so it’s relatively small.</a:t>
-            </a:r>
-          </a:p>
-        </p:txBody>
-      </p:sp>
-      <p:sp>
-        <p:nvSpPr>
-          <p:cNvPr id="26" name="Rectangle 25">
-            <a:extLst>
-              <a:ext uri="{FF2B5EF4-FFF2-40B4-BE49-F238E27FC236}">
-                <a16:creationId xmlns:a16="http://schemas.microsoft.com/office/drawing/2014/main" id="{2D1EC9D4-76A8-4A26-A2A6-D7B18B7CF659}"/>
-              </a:ext>
-            </a:extLst>
-          </p:cNvPr>
-          <p:cNvSpPr/>
-          <p:nvPr/>
-        </p:nvSpPr>
-        <p:spPr>
-          <a:xfrm>
-            <a:off x="7506353" y="1662038"/>
-            <a:ext cx="4162870" cy="246221"/>
-          </a:xfrm>
-          <a:prstGeom prst="rect">
-            <a:avLst/>
-          </a:prstGeom>
-        </p:spPr>
-        <p:txBody>
-          <a:bodyPr wrap="square" lIns="0" tIns="0" rIns="0" bIns="0" anchor="t">
-            <a:spAutoFit/>
-          </a:bodyPr>
-          <a:lstStyle/>
-          <a:p>
-            <a:r>
-              <a:rPr lang="en-US" sz="1600" b="1" dirty="0">
-                <a:solidFill>
-                  <a:schemeClr val="tx1">
-                    <a:lumMod val="75000"/>
-                    <a:lumOff val="25000"/>
-                  </a:schemeClr>
-                </a:solidFill>
-                <a:cs typeface="Segoe UI" panose="020B0502040204020203" pitchFamily="34" charset="0"/>
-              </a:rPr>
-              <a:t>Hypothesis</a:t>
-            </a:r>
-          </a:p>
-        </p:txBody>
-      </p:sp>
-      <p:sp>
-        <p:nvSpPr>
-          <p:cNvPr id="27" name="Rectangle 26">
-            <a:extLst>
-              <a:ext uri="{FF2B5EF4-FFF2-40B4-BE49-F238E27FC236}">
-                <a16:creationId xmlns:a16="http://schemas.microsoft.com/office/drawing/2014/main" id="{8B9D6654-5A8B-4A3E-B65B-E6BEC7BC3E92}"/>
-              </a:ext>
-            </a:extLst>
-          </p:cNvPr>
-          <p:cNvSpPr/>
-          <p:nvPr/>
-        </p:nvSpPr>
-        <p:spPr>
-          <a:xfrm>
-            <a:off x="7506353" y="4699701"/>
-            <a:ext cx="4162870" cy="246221"/>
-          </a:xfrm>
-          <a:prstGeom prst="rect">
-            <a:avLst/>
-          </a:prstGeom>
-        </p:spPr>
-        <p:txBody>
-          <a:bodyPr wrap="square" lIns="0" tIns="0" rIns="0" bIns="0" anchor="t">
-            <a:spAutoFit/>
-          </a:bodyPr>
-          <a:lstStyle/>
-          <a:p>
-            <a:r>
-              <a:rPr lang="en-US" sz="1600" b="1" dirty="0">
-                <a:solidFill>
-                  <a:schemeClr val="tx1">
-                    <a:lumMod val="75000"/>
-                    <a:lumOff val="25000"/>
-                  </a:schemeClr>
-                </a:solidFill>
-                <a:cs typeface="Segoe UI" panose="020B0502040204020203" pitchFamily="34" charset="0"/>
-              </a:rPr>
-              <a:t>Conclusion</a:t>
-            </a:r>
-          </a:p>
-        </p:txBody>
-      </p:sp>
-      <p:sp>
-        <p:nvSpPr>
-          <p:cNvPr id="28" name="Rectangle 27">
-            <a:extLst>
-              <a:ext uri="{FF2B5EF4-FFF2-40B4-BE49-F238E27FC236}">
-                <a16:creationId xmlns:a16="http://schemas.microsoft.com/office/drawing/2014/main" id="{A4EE4EF6-1BD1-4EE8-8C26-1356267F05F1}"/>
-              </a:ext>
-            </a:extLst>
-          </p:cNvPr>
-          <p:cNvSpPr/>
-          <p:nvPr/>
-        </p:nvSpPr>
-        <p:spPr>
-          <a:xfrm>
-            <a:off x="7469171" y="3300235"/>
-            <a:ext cx="4162870" cy="246221"/>
-          </a:xfrm>
-          <a:prstGeom prst="rect">
-            <a:avLst/>
-          </a:prstGeom>
-        </p:spPr>
-        <p:txBody>
-          <a:bodyPr wrap="square" lIns="0" tIns="0" rIns="0" bIns="0" anchor="t">
-            <a:spAutoFit/>
-          </a:bodyPr>
-          <a:lstStyle/>
-          <a:p>
-            <a:r>
-              <a:rPr lang="en-US" sz="1600" b="1" dirty="0">
-                <a:solidFill>
-                  <a:schemeClr val="tx1">
-                    <a:lumMod val="75000"/>
-                    <a:lumOff val="25000"/>
-                  </a:schemeClr>
-                </a:solidFill>
-                <a:cs typeface="Segoe UI" panose="020B0502040204020203" pitchFamily="34" charset="0"/>
-              </a:rPr>
-              <a:t>Testing</a:t>
-            </a:r>
-          </a:p>
-        </p:txBody>
-      </p:sp>
-      <p:pic>
-        <p:nvPicPr>
-          <p:cNvPr id="5" name="Picture 4">
-            <a:extLst>
-              <a:ext uri="{FF2B5EF4-FFF2-40B4-BE49-F238E27FC236}">
-                <a16:creationId xmlns:a16="http://schemas.microsoft.com/office/drawing/2014/main" id="{112DAFE8-BCEC-4414-B5E7-EC009CEC544A}"/>
-              </a:ext>
-            </a:extLst>
-          </p:cNvPr>
-          <p:cNvPicPr>
-            <a:picLocks noChangeAspect="1"/>
-          </p:cNvPicPr>
-          <p:nvPr/>
-        </p:nvPicPr>
-        <p:blipFill>
-          <a:blip r:embed="rId3"/>
-          <a:stretch>
-            <a:fillRect/>
-          </a:stretch>
-        </p:blipFill>
-        <p:spPr>
-          <a:xfrm>
-            <a:off x="1288582" y="1077676"/>
-            <a:ext cx="4162870" cy="2973479"/>
-          </a:xfrm>
-          <a:prstGeom prst="rect">
-            <a:avLst/>
-          </a:prstGeom>
-        </p:spPr>
-      </p:pic>
-      <p:pic>
-        <p:nvPicPr>
-          <p:cNvPr id="17" name="Picture 16">
-            <a:extLst>
-              <a:ext uri="{FF2B5EF4-FFF2-40B4-BE49-F238E27FC236}">
-                <a16:creationId xmlns:a16="http://schemas.microsoft.com/office/drawing/2014/main" id="{CCC93AF1-CB37-4250-82DB-9A2B081C717B}"/>
-              </a:ext>
-            </a:extLst>
-          </p:cNvPr>
-          <p:cNvPicPr>
-            <a:picLocks noChangeAspect="1"/>
-          </p:cNvPicPr>
-          <p:nvPr/>
-        </p:nvPicPr>
-        <p:blipFill>
-          <a:blip r:embed="rId4"/>
-          <a:stretch>
-            <a:fillRect/>
-          </a:stretch>
-        </p:blipFill>
-        <p:spPr>
-          <a:xfrm>
             <a:off x="4025980" y="4350486"/>
             <a:ext cx="2962275" cy="2381250"/>
           </a:xfrm>
@@ -8257,7 +7662,7 @@
         </p:nvSpPr>
         <p:spPr>
           <a:xfrm>
-            <a:off x="3555436" y="4008548"/>
+            <a:off x="3731901" y="4024590"/>
             <a:ext cx="3646381" cy="246221"/>
           </a:xfrm>
           <a:prstGeom prst="rect">
@@ -8388,8 +7793,8 @@
         </p:nvSpPr>
         <p:spPr>
           <a:xfrm>
-            <a:off x="-128908" y="6021029"/>
-            <a:ext cx="4482414" cy="710707"/>
+            <a:off x="-96824" y="6021029"/>
+            <a:ext cx="4482414" cy="467051"/>
           </a:xfrm>
           <a:prstGeom prst="rect">
             <a:avLst/>
@@ -8407,156 +7812,38 @@
               </a:lnSpc>
             </a:pPr>
             <a:r>
-              <a:rPr lang="en-US" sz="1400" dirty="0" err="1">
-                <a:solidFill>
-                  <a:schemeClr val="tx1">
-                    <a:lumMod val="75000"/>
-                    <a:lumOff val="25000"/>
-                  </a:schemeClr>
-                </a:solidFill>
-                <a:cs typeface="Segoe UI" panose="020B0502040204020203" pitchFamily="34" charset="0"/>
-              </a:rPr>
-              <a:t>W</a:t>
-            </a:r>
-            <a:r>
               <a:rPr lang="en-US" altLang="en-US" sz="1400" dirty="0" err="1">
-                <a:solidFill>
-                  <a:schemeClr val="tx1">
-                    <a:lumMod val="75000"/>
-                    <a:lumOff val="25000"/>
-                  </a:schemeClr>
-                </a:solidFill>
                 <a:cs typeface="Segoe UI" panose="020B0502040204020203" pitchFamily="34" charset="0"/>
               </a:rPr>
               <a:t>Power_divergenceResult</a:t>
             </a:r>
             <a:r>
               <a:rPr lang="en-US" altLang="en-US" sz="1400" dirty="0">
-                <a:solidFill>
-                  <a:schemeClr val="tx1">
-                    <a:lumMod val="75000"/>
-                    <a:lumOff val="25000"/>
-                  </a:schemeClr>
-                </a:solidFill>
                 <a:cs typeface="Segoe UI" panose="020B0502040204020203" pitchFamily="34" charset="0"/>
               </a:rPr>
               <a:t>(statistic=1.2400000000000002, </a:t>
             </a:r>
             <a:r>
               <a:rPr lang="en-US" altLang="en-US" sz="1400" dirty="0" err="1">
-                <a:solidFill>
-                  <a:schemeClr val="tx1">
-                    <a:lumMod val="75000"/>
-                    <a:lumOff val="25000"/>
-                  </a:schemeClr>
-                </a:solidFill>
                 <a:cs typeface="Segoe UI" panose="020B0502040204020203" pitchFamily="34" charset="0"/>
               </a:rPr>
               <a:t>pvalue</a:t>
             </a:r>
             <a:r>
               <a:rPr lang="en-US" altLang="en-US" sz="1400" dirty="0">
-                <a:solidFill>
-                  <a:schemeClr val="tx1">
-                    <a:lumMod val="75000"/>
-                    <a:lumOff val="25000"/>
-                  </a:schemeClr>
-                </a:solidFill>
                 <a:cs typeface="Segoe UI" panose="020B0502040204020203" pitchFamily="34" charset="0"/>
               </a:rPr>
               <a:t>=0.7434275021945493) </a:t>
             </a:r>
           </a:p>
-          <a:p>
-            <a:pPr algn="ctr">
-              <a:lnSpc>
-                <a:spcPts val="1900"/>
-              </a:lnSpc>
-            </a:pPr>
-            <a:r>
-              <a:rPr lang="en-US" sz="1400" dirty="0">
-                <a:solidFill>
-                  <a:schemeClr val="tx1">
-                    <a:lumMod val="75000"/>
-                    <a:lumOff val="25000"/>
-                  </a:schemeClr>
-                </a:solidFill>
-                <a:cs typeface="Segoe UI" panose="020B0502040204020203" pitchFamily="34" charset="0"/>
-              </a:rPr>
-              <a:t>e</a:t>
-            </a:r>
-          </a:p>
-        </p:txBody>
-      </p:sp>
-    </p:spTree>
-    <p:extLst>
-      <p:ext uri="{BB962C8B-B14F-4D97-AF65-F5344CB8AC3E}">
-        <p14:creationId xmlns:p14="http://schemas.microsoft.com/office/powerpoint/2010/main" val="1334382941"/>
-      </p:ext>
-    </p:extLst>
-  </p:cSld>
-  <p:clrMapOvr>
-    <a:masterClrMapping/>
-  </p:clrMapOvr>
-</p:sld>
-</file>
-
-<file path=ppt/slides/slide13.xml><?xml version="1.0" encoding="utf-8"?>
-<p:sld xmlns:a="http://schemas.openxmlformats.org/drawingml/2006/main" xmlns:r="http://schemas.openxmlformats.org/officeDocument/2006/relationships" xmlns:p="http://schemas.openxmlformats.org/presentationml/2006/main">
-  <p:cSld>
-    <p:spTree>
-      <p:nvGrpSpPr>
-        <p:cNvPr id="1" name=""/>
-        <p:cNvGrpSpPr/>
-        <p:nvPr/>
-      </p:nvGrpSpPr>
-      <p:grpSpPr>
-        <a:xfrm>
-          <a:off x="0" y="0"/>
-          <a:ext cx="0" cy="0"/>
-          <a:chOff x="0" y="0"/>
-          <a:chExt cx="0" cy="0"/>
-        </a:xfrm>
-      </p:grpSpPr>
-      <p:sp>
-        <p:nvSpPr>
-          <p:cNvPr id="7" name="Title 6" hidden="1">
-            <a:extLst>
-              <a:ext uri="{FF2B5EF4-FFF2-40B4-BE49-F238E27FC236}">
-                <a16:creationId xmlns:a16="http://schemas.microsoft.com/office/drawing/2014/main" id="{7C70995F-D8C5-410A-AA8B-1EE172A29454}"/>
-              </a:ext>
-            </a:extLst>
-          </p:cNvPr>
-          <p:cNvSpPr>
-            <a:spLocks noGrp="1"/>
-          </p:cNvSpPr>
-          <p:nvPr>
-            <p:ph type="title" idx="4294967295"/>
-          </p:nvPr>
-        </p:nvSpPr>
-        <p:spPr>
-          <a:xfrm>
-            <a:off x="0" y="365125"/>
-            <a:ext cx="10515600" cy="1325563"/>
-          </a:xfrm>
-        </p:spPr>
-        <p:txBody>
-          <a:bodyPr/>
-          <a:lstStyle/>
-          <a:p>
-            <a:r>
-              <a:rPr lang="en-US" dirty="0"/>
-              <a:t>Project analysis slide 10</a:t>
-            </a:r>
-          </a:p>
         </p:txBody>
       </p:sp>
       <p:cxnSp>
         <p:nvCxnSpPr>
-          <p:cNvPr id="8" name="Straight Connector 7">
-            <a:extLst>
-              <a:ext uri="{FF2B5EF4-FFF2-40B4-BE49-F238E27FC236}">
-                <a16:creationId xmlns:a16="http://schemas.microsoft.com/office/drawing/2014/main" id="{D0986099-F5F2-4E8B-BE17-81194861A00C}"/>
+          <p:cNvPr id="22" name="Straight Connector 21">
+            <a:extLst>
+              <a:ext uri="{FF2B5EF4-FFF2-40B4-BE49-F238E27FC236}">
+                <a16:creationId xmlns:a16="http://schemas.microsoft.com/office/drawing/2014/main" id="{FA86A054-0E07-4BAD-8422-AC7C6F920BB4}"/>
               </a:ext>
               <a:ext uri="{C183D7F6-B498-43B3-948B-1728B52AA6E4}">
                 <adec:decorative xmlns:adec="http://schemas.microsoft.com/office/drawing/2017/decorative" val="1"/>
@@ -8570,8 +7857,8 @@
         </p:nvCxnSpPr>
         <p:spPr>
           <a:xfrm>
-            <a:off x="9563100" y="522898"/>
-            <a:ext cx="2628900" cy="0"/>
+            <a:off x="10154653" y="522898"/>
+            <a:ext cx="2037347" cy="0"/>
           </a:xfrm>
           <a:prstGeom prst="line">
             <a:avLst/>
@@ -8602,10 +7889,10 @@
       </p:cxnSp>
       <p:sp>
         <p:nvSpPr>
-          <p:cNvPr id="11" name="Title 1">
-            <a:extLst>
-              <a:ext uri="{FF2B5EF4-FFF2-40B4-BE49-F238E27FC236}">
-                <a16:creationId xmlns:a16="http://schemas.microsoft.com/office/drawing/2014/main" id="{4E3F5479-058B-4FA8-92E9-18CAB8CDC5C5}"/>
+          <p:cNvPr id="23" name="Title 1">
+            <a:extLst>
+              <a:ext uri="{FF2B5EF4-FFF2-40B4-BE49-F238E27FC236}">
+                <a16:creationId xmlns:a16="http://schemas.microsoft.com/office/drawing/2014/main" id="{B5B44146-2A79-4170-9984-6D54D606C4CB}"/>
               </a:ext>
             </a:extLst>
           </p:cNvPr>
@@ -8616,8 +7903,8 @@
         </p:nvSpPr>
         <p:spPr>
           <a:xfrm>
-            <a:off x="228600" y="190500"/>
-            <a:ext cx="11734800" cy="664797"/>
+            <a:off x="247650" y="247650"/>
+            <a:ext cx="11734800" cy="387798"/>
           </a:xfrm>
           <a:prstGeom prst="rect">
             <a:avLst/>
@@ -8657,28 +7944,7 @@
                   </a:schemeClr>
                 </a:solidFill>
               </a:rPr>
-              <a:t>What Australian songs do Aussies vote?</a:t>
-            </a:r>
-            <a:br>
-              <a:rPr lang="en-US" sz="2800" dirty="0">
-                <a:solidFill>
-                  <a:schemeClr val="tx1">
-                    <a:lumMod val="75000"/>
-                    <a:lumOff val="25000"/>
-                  </a:schemeClr>
-                </a:solidFill>
-              </a:rPr>
-            </a:br>
-            <a:r>
-              <a:rPr lang="en-US" sz="2000" dirty="0">
-                <a:solidFill>
-                  <a:schemeClr val="tx1">
-                    <a:lumMod val="75000"/>
-                    <a:lumOff val="25000"/>
-                  </a:schemeClr>
-                </a:solidFill>
-              </a:rPr>
-              <a:t> </a:t>
+              <a:t>What is a perfect time to release a song?</a:t>
             </a:r>
             <a:endParaRPr lang="en-US" sz="2800" dirty="0">
               <a:solidFill>
@@ -8693,10 +7959,10 @@
       </p:sp>
       <p:cxnSp>
         <p:nvCxnSpPr>
-          <p:cNvPr id="14" name="Straight Connector 13">
-            <a:extLst>
-              <a:ext uri="{FF2B5EF4-FFF2-40B4-BE49-F238E27FC236}">
-                <a16:creationId xmlns:a16="http://schemas.microsoft.com/office/drawing/2014/main" id="{83E690F4-843A-47A5-8620-4FB01C0D8E68}"/>
+          <p:cNvPr id="30" name="Straight Connector 29">
+            <a:extLst>
+              <a:ext uri="{FF2B5EF4-FFF2-40B4-BE49-F238E27FC236}">
+                <a16:creationId xmlns:a16="http://schemas.microsoft.com/office/drawing/2014/main" id="{9465DC2D-D42F-4F78-AD0D-C5CB6DFD2FC8}"/>
               </a:ext>
               <a:ext uri="{C183D7F6-B498-43B3-948B-1728B52AA6E4}">
                 <adec:decorative xmlns:adec="http://schemas.microsoft.com/office/drawing/2017/decorative" val="1"/>
@@ -8711,7 +7977,7 @@
         <p:spPr>
           <a:xfrm>
             <a:off x="0" y="522898"/>
-            <a:ext cx="2600325" cy="0"/>
+            <a:ext cx="2069432" cy="0"/>
           </a:xfrm>
           <a:prstGeom prst="line">
             <a:avLst/>
@@ -8740,6 +8006,237 @@
           </a:fontRef>
         </p:style>
       </p:cxnSp>
+    </p:spTree>
+    <p:extLst>
+      <p:ext uri="{BB962C8B-B14F-4D97-AF65-F5344CB8AC3E}">
+        <p14:creationId xmlns:p14="http://schemas.microsoft.com/office/powerpoint/2010/main" val="1334382941"/>
+      </p:ext>
+    </p:extLst>
+  </p:cSld>
+  <p:clrMapOvr>
+    <a:masterClrMapping/>
+  </p:clrMapOvr>
+</p:sld>
+</file>
+
+<file path=ppt/slides/slide12.xml><?xml version="1.0" encoding="utf-8"?>
+<p:sld xmlns:a="http://schemas.openxmlformats.org/drawingml/2006/main" xmlns:r="http://schemas.openxmlformats.org/officeDocument/2006/relationships" xmlns:p="http://schemas.openxmlformats.org/presentationml/2006/main">
+  <p:cSld>
+    <p:spTree>
+      <p:nvGrpSpPr>
+        <p:cNvPr id="1" name=""/>
+        <p:cNvGrpSpPr/>
+        <p:nvPr/>
+      </p:nvGrpSpPr>
+      <p:grpSpPr>
+        <a:xfrm>
+          <a:off x="0" y="0"/>
+          <a:ext cx="0" cy="0"/>
+          <a:chOff x="0" y="0"/>
+          <a:chExt cx="0" cy="0"/>
+        </a:xfrm>
+      </p:grpSpPr>
+      <p:sp>
+        <p:nvSpPr>
+          <p:cNvPr id="7" name="Title 6" hidden="1">
+            <a:extLst>
+              <a:ext uri="{FF2B5EF4-FFF2-40B4-BE49-F238E27FC236}">
+                <a16:creationId xmlns:a16="http://schemas.microsoft.com/office/drawing/2014/main" id="{7C70995F-D8C5-410A-AA8B-1EE172A29454}"/>
+              </a:ext>
+            </a:extLst>
+          </p:cNvPr>
+          <p:cNvSpPr>
+            <a:spLocks noGrp="1"/>
+          </p:cNvSpPr>
+          <p:nvPr>
+            <p:ph type="title" idx="4294967295"/>
+          </p:nvPr>
+        </p:nvSpPr>
+        <p:spPr>
+          <a:xfrm>
+            <a:off x="0" y="365125"/>
+            <a:ext cx="10515600" cy="1325563"/>
+          </a:xfrm>
+        </p:spPr>
+        <p:txBody>
+          <a:bodyPr/>
+          <a:lstStyle/>
+          <a:p>
+            <a:r>
+              <a:rPr lang="en-US" dirty="0"/>
+              <a:t>Project analysis slide 10</a:t>
+            </a:r>
+          </a:p>
+        </p:txBody>
+      </p:sp>
+      <p:cxnSp>
+        <p:nvCxnSpPr>
+          <p:cNvPr id="8" name="Straight Connector 7">
+            <a:extLst>
+              <a:ext uri="{FF2B5EF4-FFF2-40B4-BE49-F238E27FC236}">
+                <a16:creationId xmlns:a16="http://schemas.microsoft.com/office/drawing/2014/main" id="{D0986099-F5F2-4E8B-BE17-81194861A00C}"/>
+              </a:ext>
+              <a:ext uri="{C183D7F6-B498-43B3-948B-1728B52AA6E4}">
+                <adec:decorative xmlns:adec="http://schemas.microsoft.com/office/drawing/2017/decorative" val="1"/>
+              </a:ext>
+            </a:extLst>
+          </p:cNvPr>
+          <p:cNvCxnSpPr>
+            <a:cxnSpLocks/>
+          </p:cNvCxnSpPr>
+          <p:nvPr/>
+        </p:nvCxnSpPr>
+        <p:spPr>
+          <a:xfrm>
+            <a:off x="10577015" y="522898"/>
+            <a:ext cx="1614985" cy="0"/>
+          </a:xfrm>
+          <a:prstGeom prst="line">
+            <a:avLst/>
+          </a:prstGeom>
+          <a:ln>
+            <a:solidFill>
+              <a:schemeClr val="accent3">
+                <a:lumMod val="50000"/>
+              </a:schemeClr>
+            </a:solidFill>
+            <a:headEnd type="oval"/>
+          </a:ln>
+        </p:spPr>
+        <p:style>
+          <a:lnRef idx="1">
+            <a:schemeClr val="accent1"/>
+          </a:lnRef>
+          <a:fillRef idx="0">
+            <a:schemeClr val="accent1"/>
+          </a:fillRef>
+          <a:effectRef idx="0">
+            <a:schemeClr val="accent1"/>
+          </a:effectRef>
+          <a:fontRef idx="minor">
+            <a:schemeClr val="tx1"/>
+          </a:fontRef>
+        </p:style>
+      </p:cxnSp>
+      <p:sp>
+        <p:nvSpPr>
+          <p:cNvPr id="11" name="Title 1">
+            <a:extLst>
+              <a:ext uri="{FF2B5EF4-FFF2-40B4-BE49-F238E27FC236}">
+                <a16:creationId xmlns:a16="http://schemas.microsoft.com/office/drawing/2014/main" id="{4E3F5479-058B-4FA8-92E9-18CAB8CDC5C5}"/>
+              </a:ext>
+            </a:extLst>
+          </p:cNvPr>
+          <p:cNvSpPr txBox="1">
+            <a:spLocks/>
+          </p:cNvSpPr>
+          <p:nvPr/>
+        </p:nvSpPr>
+        <p:spPr>
+          <a:xfrm>
+            <a:off x="228600" y="245092"/>
+            <a:ext cx="11734800" cy="387798"/>
+          </a:xfrm>
+          <a:prstGeom prst="rect">
+            <a:avLst/>
+          </a:prstGeom>
+        </p:spPr>
+        <p:txBody>
+          <a:bodyPr vert="horz" wrap="square" lIns="0" tIns="0" rIns="0" bIns="0" rtlCol="0" anchor="t">
+            <a:spAutoFit/>
+          </a:bodyPr>
+          <a:lstStyle>
+            <a:lvl1pPr algn="l" defTabSz="914400" rtl="0" eaLnBrk="1" latinLnBrk="0" hangingPunct="1">
+              <a:lnSpc>
+                <a:spcPct val="90000"/>
+              </a:lnSpc>
+              <a:spcBef>
+                <a:spcPct val="0"/>
+              </a:spcBef>
+              <a:buNone/>
+              <a:defRPr sz="4400" kern="1200">
+                <a:solidFill>
+                  <a:schemeClr val="tx1"/>
+                </a:solidFill>
+                <a:latin typeface="+mj-lt"/>
+                <a:ea typeface="+mj-ea"/>
+                <a:cs typeface="+mj-cs"/>
+              </a:defRPr>
+            </a:lvl1pPr>
+          </a:lstStyle>
+          <a:p>
+            <a:pPr algn="ctr"/>
+            <a:r>
+              <a:rPr lang="en-US" sz="2800" b="1" dirty="0">
+                <a:solidFill>
+                  <a:schemeClr val="tx1">
+                    <a:lumMod val="75000"/>
+                    <a:lumOff val="25000"/>
+                  </a:schemeClr>
+                </a:solidFill>
+              </a:rPr>
+              <a:t>What Australian songs do Australians’ vote for?</a:t>
+            </a:r>
+            <a:endParaRPr lang="en-US" sz="2800" dirty="0">
+              <a:solidFill>
+                <a:schemeClr val="tx1">
+                  <a:lumMod val="75000"/>
+                  <a:lumOff val="25000"/>
+                </a:schemeClr>
+              </a:solidFill>
+            </a:endParaRPr>
+          </a:p>
+        </p:txBody>
+      </p:sp>
+      <p:cxnSp>
+        <p:nvCxnSpPr>
+          <p:cNvPr id="14" name="Straight Connector 13">
+            <a:extLst>
+              <a:ext uri="{FF2B5EF4-FFF2-40B4-BE49-F238E27FC236}">
+                <a16:creationId xmlns:a16="http://schemas.microsoft.com/office/drawing/2014/main" id="{83E690F4-843A-47A5-8620-4FB01C0D8E68}"/>
+              </a:ext>
+              <a:ext uri="{C183D7F6-B498-43B3-948B-1728B52AA6E4}">
+                <adec:decorative xmlns:adec="http://schemas.microsoft.com/office/drawing/2017/decorative" val="1"/>
+              </a:ext>
+            </a:extLst>
+          </p:cNvPr>
+          <p:cNvCxnSpPr>
+            <a:cxnSpLocks/>
+          </p:cNvCxnSpPr>
+          <p:nvPr/>
+        </p:nvCxnSpPr>
+        <p:spPr>
+          <a:xfrm>
+            <a:off x="0" y="522898"/>
+            <a:ext cx="1637731" cy="0"/>
+          </a:xfrm>
+          <a:prstGeom prst="line">
+            <a:avLst/>
+          </a:prstGeom>
+          <a:ln>
+            <a:solidFill>
+              <a:schemeClr val="accent3">
+                <a:lumMod val="50000"/>
+              </a:schemeClr>
+            </a:solidFill>
+            <a:tailEnd type="oval"/>
+          </a:ln>
+        </p:spPr>
+        <p:style>
+          <a:lnRef idx="1">
+            <a:schemeClr val="accent1"/>
+          </a:lnRef>
+          <a:fillRef idx="0">
+            <a:schemeClr val="accent1"/>
+          </a:fillRef>
+          <a:effectRef idx="0">
+            <a:schemeClr val="accent1"/>
+          </a:effectRef>
+          <a:fontRef idx="minor">
+            <a:schemeClr val="tx1"/>
+          </a:fontRef>
+        </p:style>
+      </p:cxnSp>
       <p:sp>
         <p:nvSpPr>
           <p:cNvPr id="10" name="Rectangle 9">
@@ -8754,7 +8251,7 @@
         </p:nvSpPr>
         <p:spPr>
           <a:xfrm>
-            <a:off x="228600" y="1428990"/>
+            <a:off x="215701" y="1220221"/>
             <a:ext cx="3863898" cy="467051"/>
           </a:xfrm>
           <a:prstGeom prst="rect">
@@ -8767,7 +8264,7 @@
           </a:bodyPr>
           <a:lstStyle/>
           <a:p>
-            <a:pPr algn="ctr">
+            <a:pPr>
               <a:lnSpc>
                 <a:spcPts val="1900"/>
               </a:lnSpc>
@@ -8825,7 +8322,7 @@
         </p:nvSpPr>
         <p:spPr>
           <a:xfrm>
-            <a:off x="4292758" y="1324481"/>
+            <a:off x="4299493" y="1212187"/>
             <a:ext cx="3669213" cy="710707"/>
           </a:xfrm>
           <a:prstGeom prst="rect">
@@ -8838,37 +8335,28 @@
           </a:bodyPr>
           <a:lstStyle/>
           <a:p>
-            <a:pPr algn="ctr">
+            <a:pPr>
               <a:lnSpc>
                 <a:spcPts val="1900"/>
               </a:lnSpc>
             </a:pPr>
             <a:r>
               <a:rPr lang="en-US" sz="1400" dirty="0">
-                <a:solidFill>
-                  <a:srgbClr val="FF0000"/>
-                </a:solidFill>
                 <a:cs typeface="Segoe UI" panose="020B0502040204020203" pitchFamily="34" charset="0"/>
               </a:rPr>
               <a:t>Compare, for each year, </a:t>
             </a:r>
             <a:r>
               <a:rPr lang="en-US" sz="1400" dirty="0" err="1">
-                <a:solidFill>
-                  <a:srgbClr val="FF0000"/>
-                </a:solidFill>
                 <a:cs typeface="Segoe UI" panose="020B0502040204020203" pitchFamily="34" charset="0"/>
               </a:rPr>
               <a:t>speechiness</a:t>
             </a:r>
             <a:r>
               <a:rPr lang="en-US" sz="1400" dirty="0">
-                <a:solidFill>
-                  <a:srgbClr val="FF0000"/>
-                </a:solidFill>
                 <a:cs typeface="Segoe UI" panose="020B0502040204020203" pitchFamily="34" charset="0"/>
               </a:rPr>
-              <a:t> for Australian artists (as defined by Triple J) vs the all other artists.</a:t>
+              <a:t> for Australian artists (as defined by Triple J) vs all other artists.</a:t>
             </a:r>
           </a:p>
         </p:txBody>
@@ -8887,8 +8375,8 @@
         </p:nvSpPr>
         <p:spPr>
           <a:xfrm>
-            <a:off x="7961971" y="1374331"/>
-            <a:ext cx="4268298" cy="710707"/>
+            <a:off x="8346980" y="1213911"/>
+            <a:ext cx="3812934" cy="954364"/>
           </a:xfrm>
           <a:prstGeom prst="rect">
             <a:avLst/>
@@ -8900,7 +8388,7 @@
           </a:bodyPr>
           <a:lstStyle/>
           <a:p>
-            <a:pPr algn="ctr">
+            <a:pPr>
               <a:lnSpc>
                 <a:spcPts val="1900"/>
               </a:lnSpc>
@@ -8940,132 +8428,6 @@
                 <a:cs typeface="Segoe UI" panose="020B0502040204020203" pitchFamily="34" charset="0"/>
               </a:rPr>
               <a:t> in their Australian songs. The results are significant, but some exceptions were observed.</a:t>
-            </a:r>
-          </a:p>
-        </p:txBody>
-      </p:sp>
-      <p:sp>
-        <p:nvSpPr>
-          <p:cNvPr id="26" name="Rectangle 25">
-            <a:extLst>
-              <a:ext uri="{FF2B5EF4-FFF2-40B4-BE49-F238E27FC236}">
-                <a16:creationId xmlns:a16="http://schemas.microsoft.com/office/drawing/2014/main" id="{2D1EC9D4-76A8-4A26-A2A6-D7B18B7CF659}"/>
-              </a:ext>
-            </a:extLst>
-          </p:cNvPr>
-          <p:cNvSpPr/>
-          <p:nvPr/>
-        </p:nvSpPr>
-        <p:spPr>
-          <a:xfrm>
-            <a:off x="334028" y="1064584"/>
-            <a:ext cx="4162870" cy="246221"/>
-          </a:xfrm>
-          <a:prstGeom prst="rect">
-            <a:avLst/>
-          </a:prstGeom>
-        </p:spPr>
-        <p:txBody>
-          <a:bodyPr wrap="square" lIns="0" tIns="0" rIns="0" bIns="0" anchor="t">
-            <a:spAutoFit/>
-          </a:bodyPr>
-          <a:lstStyle/>
-          <a:p>
-            <a:r>
-              <a:rPr lang="en-US" sz="1600" b="1" dirty="0">
-                <a:solidFill>
-                  <a:schemeClr val="tx1">
-                    <a:lumMod val="75000"/>
-                    <a:lumOff val="25000"/>
-                  </a:schemeClr>
-                </a:solidFill>
-                <a:cs typeface="Segoe UI" panose="020B0502040204020203" pitchFamily="34" charset="0"/>
-              </a:rPr>
-              <a:t>Hypothesis</a:t>
-            </a:r>
-          </a:p>
-        </p:txBody>
-      </p:sp>
-      <p:sp>
-        <p:nvSpPr>
-          <p:cNvPr id="27" name="Rectangle 26">
-            <a:extLst>
-              <a:ext uri="{FF2B5EF4-FFF2-40B4-BE49-F238E27FC236}">
-                <a16:creationId xmlns:a16="http://schemas.microsoft.com/office/drawing/2014/main" id="{8B9D6654-5A8B-4A3E-B65B-E6BEC7BC3E92}"/>
-              </a:ext>
-            </a:extLst>
-          </p:cNvPr>
-          <p:cNvSpPr/>
-          <p:nvPr/>
-        </p:nvSpPr>
-        <p:spPr>
-          <a:xfrm>
-            <a:off x="8067399" y="1124343"/>
-            <a:ext cx="4162870" cy="246221"/>
-          </a:xfrm>
-          <a:prstGeom prst="rect">
-            <a:avLst/>
-          </a:prstGeom>
-        </p:spPr>
-        <p:txBody>
-          <a:bodyPr wrap="square" lIns="0" tIns="0" rIns="0" bIns="0" anchor="t">
-            <a:spAutoFit/>
-          </a:bodyPr>
-          <a:lstStyle/>
-          <a:p>
-            <a:r>
-              <a:rPr lang="en-US" sz="1600" b="1" dirty="0">
-                <a:solidFill>
-                  <a:schemeClr val="tx1">
-                    <a:lumMod val="75000"/>
-                    <a:lumOff val="25000"/>
-                  </a:schemeClr>
-                </a:solidFill>
-                <a:cs typeface="Segoe UI" panose="020B0502040204020203" pitchFamily="34" charset="0"/>
-              </a:rPr>
-              <a:t>Conclusion</a:t>
-            </a:r>
-          </a:p>
-        </p:txBody>
-      </p:sp>
-      <p:sp>
-        <p:nvSpPr>
-          <p:cNvPr id="28" name="Rectangle 27">
-            <a:extLst>
-              <a:ext uri="{FF2B5EF4-FFF2-40B4-BE49-F238E27FC236}">
-                <a16:creationId xmlns:a16="http://schemas.microsoft.com/office/drawing/2014/main" id="{A4EE4EF6-1BD1-4EE8-8C26-1356267F05F1}"/>
-              </a:ext>
-            </a:extLst>
-          </p:cNvPr>
-          <p:cNvSpPr/>
-          <p:nvPr/>
-        </p:nvSpPr>
-        <p:spPr>
-          <a:xfrm>
-            <a:off x="4398186" y="1078259"/>
-            <a:ext cx="4162870" cy="246221"/>
-          </a:xfrm>
-          <a:prstGeom prst="rect">
-            <a:avLst/>
-          </a:prstGeom>
-        </p:spPr>
-        <p:txBody>
-          <a:bodyPr wrap="square" lIns="0" tIns="0" rIns="0" bIns="0" anchor="t">
-            <a:spAutoFit/>
-          </a:bodyPr>
-          <a:lstStyle/>
-          <a:p>
-            <a:r>
-              <a:rPr lang="en-US" sz="1600" b="1" dirty="0">
-                <a:solidFill>
-                  <a:schemeClr val="tx1">
-                    <a:lumMod val="75000"/>
-                    <a:lumOff val="25000"/>
-                  </a:schemeClr>
-                </a:solidFill>
-                <a:cs typeface="Segoe UI" panose="020B0502040204020203" pitchFamily="34" charset="0"/>
-              </a:rPr>
-              <a:t>Testing</a:t>
             </a:r>
           </a:p>
         </p:txBody>
@@ -9290,10 +8652,739 @@
           </a:p>
         </p:txBody>
       </p:sp>
+      <p:sp>
+        <p:nvSpPr>
+          <p:cNvPr id="21" name="Rectangle 20">
+            <a:extLst>
+              <a:ext uri="{FF2B5EF4-FFF2-40B4-BE49-F238E27FC236}">
+                <a16:creationId xmlns:a16="http://schemas.microsoft.com/office/drawing/2014/main" id="{5294FDEE-D8A6-4C00-AD60-E100676EF435}"/>
+              </a:ext>
+            </a:extLst>
+          </p:cNvPr>
+          <p:cNvSpPr/>
+          <p:nvPr/>
+        </p:nvSpPr>
+        <p:spPr>
+          <a:xfrm>
+            <a:off x="8342869" y="919700"/>
+            <a:ext cx="4162870" cy="246221"/>
+          </a:xfrm>
+          <a:prstGeom prst="rect">
+            <a:avLst/>
+          </a:prstGeom>
+        </p:spPr>
+        <p:txBody>
+          <a:bodyPr wrap="square" lIns="0" tIns="0" rIns="0" bIns="0" anchor="t">
+            <a:spAutoFit/>
+          </a:bodyPr>
+          <a:lstStyle/>
+          <a:p>
+            <a:r>
+              <a:rPr lang="en-US" sz="1600" b="1" dirty="0">
+                <a:solidFill>
+                  <a:schemeClr val="tx1">
+                    <a:lumMod val="75000"/>
+                    <a:lumOff val="25000"/>
+                  </a:schemeClr>
+                </a:solidFill>
+                <a:cs typeface="Segoe UI" panose="020B0502040204020203" pitchFamily="34" charset="0"/>
+              </a:rPr>
+              <a:t>Conclusion</a:t>
+            </a:r>
+          </a:p>
+        </p:txBody>
+      </p:sp>
+      <p:sp>
+        <p:nvSpPr>
+          <p:cNvPr id="22" name="Rectangle 21">
+            <a:extLst>
+              <a:ext uri="{FF2B5EF4-FFF2-40B4-BE49-F238E27FC236}">
+                <a16:creationId xmlns:a16="http://schemas.microsoft.com/office/drawing/2014/main" id="{802BE8FF-23E3-490D-A738-8D7FB94855A2}"/>
+              </a:ext>
+            </a:extLst>
+          </p:cNvPr>
+          <p:cNvSpPr/>
+          <p:nvPr/>
+        </p:nvSpPr>
+        <p:spPr>
+          <a:xfrm>
+            <a:off x="4285492" y="932668"/>
+            <a:ext cx="4162870" cy="246221"/>
+          </a:xfrm>
+          <a:prstGeom prst="rect">
+            <a:avLst/>
+          </a:prstGeom>
+        </p:spPr>
+        <p:txBody>
+          <a:bodyPr wrap="square" lIns="0" tIns="0" rIns="0" bIns="0" anchor="t">
+            <a:spAutoFit/>
+          </a:bodyPr>
+          <a:lstStyle/>
+          <a:p>
+            <a:r>
+              <a:rPr lang="en-US" sz="1600" b="1" dirty="0">
+                <a:solidFill>
+                  <a:schemeClr val="tx1">
+                    <a:lumMod val="75000"/>
+                    <a:lumOff val="25000"/>
+                  </a:schemeClr>
+                </a:solidFill>
+                <a:cs typeface="Segoe UI" panose="020B0502040204020203" pitchFamily="34" charset="0"/>
+              </a:rPr>
+              <a:t>Testing</a:t>
+            </a:r>
+          </a:p>
+        </p:txBody>
+      </p:sp>
+      <p:sp>
+        <p:nvSpPr>
+          <p:cNvPr id="23" name="Rectangle 22">
+            <a:extLst>
+              <a:ext uri="{FF2B5EF4-FFF2-40B4-BE49-F238E27FC236}">
+                <a16:creationId xmlns:a16="http://schemas.microsoft.com/office/drawing/2014/main" id="{A522056C-4D97-43DB-9C97-71EA1081C9F1}"/>
+              </a:ext>
+            </a:extLst>
+          </p:cNvPr>
+          <p:cNvSpPr/>
+          <p:nvPr/>
+        </p:nvSpPr>
+        <p:spPr>
+          <a:xfrm>
+            <a:off x="215701" y="920208"/>
+            <a:ext cx="4162870" cy="246221"/>
+          </a:xfrm>
+          <a:prstGeom prst="rect">
+            <a:avLst/>
+          </a:prstGeom>
+        </p:spPr>
+        <p:txBody>
+          <a:bodyPr wrap="square" lIns="0" tIns="0" rIns="0" bIns="0" anchor="t">
+            <a:spAutoFit/>
+          </a:bodyPr>
+          <a:lstStyle/>
+          <a:p>
+            <a:r>
+              <a:rPr lang="en-US" sz="1600" b="1" dirty="0">
+                <a:solidFill>
+                  <a:schemeClr val="tx1">
+                    <a:lumMod val="75000"/>
+                    <a:lumOff val="25000"/>
+                  </a:schemeClr>
+                </a:solidFill>
+                <a:cs typeface="Segoe UI" panose="020B0502040204020203" pitchFamily="34" charset="0"/>
+              </a:rPr>
+              <a:t>Hypothesis</a:t>
+            </a:r>
+          </a:p>
+        </p:txBody>
+      </p:sp>
     </p:spTree>
     <p:extLst>
       <p:ext uri="{BB962C8B-B14F-4D97-AF65-F5344CB8AC3E}">
         <p14:creationId xmlns:p14="http://schemas.microsoft.com/office/powerpoint/2010/main" val="4163170397"/>
+      </p:ext>
+    </p:extLst>
+  </p:cSld>
+  <p:clrMapOvr>
+    <a:masterClrMapping/>
+  </p:clrMapOvr>
+</p:sld>
+</file>
+
+<file path=ppt/slides/slide13.xml><?xml version="1.0" encoding="utf-8"?>
+<p:sld xmlns:a="http://schemas.openxmlformats.org/drawingml/2006/main" xmlns:r="http://schemas.openxmlformats.org/officeDocument/2006/relationships" xmlns:p="http://schemas.openxmlformats.org/presentationml/2006/main">
+  <p:cSld>
+    <p:spTree>
+      <p:nvGrpSpPr>
+        <p:cNvPr id="1" name=""/>
+        <p:cNvGrpSpPr/>
+        <p:nvPr/>
+      </p:nvGrpSpPr>
+      <p:grpSpPr>
+        <a:xfrm>
+          <a:off x="0" y="0"/>
+          <a:ext cx="0" cy="0"/>
+          <a:chOff x="0" y="0"/>
+          <a:chExt cx="0" cy="0"/>
+        </a:xfrm>
+      </p:grpSpPr>
+      <p:sp>
+        <p:nvSpPr>
+          <p:cNvPr id="7" name="Title 6" hidden="1">
+            <a:extLst>
+              <a:ext uri="{FF2B5EF4-FFF2-40B4-BE49-F238E27FC236}">
+                <a16:creationId xmlns:a16="http://schemas.microsoft.com/office/drawing/2014/main" id="{7C70995F-D8C5-410A-AA8B-1EE172A29454}"/>
+              </a:ext>
+            </a:extLst>
+          </p:cNvPr>
+          <p:cNvSpPr>
+            <a:spLocks noGrp="1"/>
+          </p:cNvSpPr>
+          <p:nvPr>
+            <p:ph type="title" idx="4294967295"/>
+          </p:nvPr>
+        </p:nvSpPr>
+        <p:spPr>
+          <a:xfrm>
+            <a:off x="0" y="365125"/>
+            <a:ext cx="10515600" cy="1325563"/>
+          </a:xfrm>
+        </p:spPr>
+        <p:txBody>
+          <a:bodyPr/>
+          <a:lstStyle/>
+          <a:p>
+            <a:r>
+              <a:rPr lang="en-US" dirty="0"/>
+              <a:t>Project analysis slide 10</a:t>
+            </a:r>
+          </a:p>
+        </p:txBody>
+      </p:sp>
+      <p:cxnSp>
+        <p:nvCxnSpPr>
+          <p:cNvPr id="8" name="Straight Connector 7">
+            <a:extLst>
+              <a:ext uri="{FF2B5EF4-FFF2-40B4-BE49-F238E27FC236}">
+                <a16:creationId xmlns:a16="http://schemas.microsoft.com/office/drawing/2014/main" id="{D0986099-F5F2-4E8B-BE17-81194861A00C}"/>
+              </a:ext>
+              <a:ext uri="{C183D7F6-B498-43B3-948B-1728B52AA6E4}">
+                <adec:decorative xmlns:adec="http://schemas.microsoft.com/office/drawing/2017/decorative" val="1"/>
+              </a:ext>
+            </a:extLst>
+          </p:cNvPr>
+          <p:cNvCxnSpPr>
+            <a:cxnSpLocks/>
+          </p:cNvCxnSpPr>
+          <p:nvPr/>
+        </p:nvCxnSpPr>
+        <p:spPr>
+          <a:xfrm>
+            <a:off x="9432758" y="522898"/>
+            <a:ext cx="2759242" cy="0"/>
+          </a:xfrm>
+          <a:prstGeom prst="line">
+            <a:avLst/>
+          </a:prstGeom>
+          <a:ln>
+            <a:solidFill>
+              <a:schemeClr val="accent3">
+                <a:lumMod val="50000"/>
+              </a:schemeClr>
+            </a:solidFill>
+            <a:headEnd type="oval"/>
+          </a:ln>
+        </p:spPr>
+        <p:style>
+          <a:lnRef idx="1">
+            <a:schemeClr val="accent1"/>
+          </a:lnRef>
+          <a:fillRef idx="0">
+            <a:schemeClr val="accent1"/>
+          </a:fillRef>
+          <a:effectRef idx="0">
+            <a:schemeClr val="accent1"/>
+          </a:effectRef>
+          <a:fontRef idx="minor">
+            <a:schemeClr val="tx1"/>
+          </a:fontRef>
+        </p:style>
+      </p:cxnSp>
+      <p:sp>
+        <p:nvSpPr>
+          <p:cNvPr id="11" name="Title 1">
+            <a:extLst>
+              <a:ext uri="{FF2B5EF4-FFF2-40B4-BE49-F238E27FC236}">
+                <a16:creationId xmlns:a16="http://schemas.microsoft.com/office/drawing/2014/main" id="{4E3F5479-058B-4FA8-92E9-18CAB8CDC5C5}"/>
+              </a:ext>
+            </a:extLst>
+          </p:cNvPr>
+          <p:cNvSpPr txBox="1">
+            <a:spLocks/>
+          </p:cNvSpPr>
+          <p:nvPr/>
+        </p:nvSpPr>
+        <p:spPr>
+          <a:xfrm>
+            <a:off x="228600" y="238626"/>
+            <a:ext cx="11734800" cy="387798"/>
+          </a:xfrm>
+          <a:prstGeom prst="rect">
+            <a:avLst/>
+          </a:prstGeom>
+        </p:spPr>
+        <p:txBody>
+          <a:bodyPr vert="horz" wrap="square" lIns="0" tIns="0" rIns="0" bIns="0" rtlCol="0" anchor="t">
+            <a:spAutoFit/>
+          </a:bodyPr>
+          <a:lstStyle>
+            <a:lvl1pPr algn="l" defTabSz="914400" rtl="0" eaLnBrk="1" latinLnBrk="0" hangingPunct="1">
+              <a:lnSpc>
+                <a:spcPct val="90000"/>
+              </a:lnSpc>
+              <a:spcBef>
+                <a:spcPct val="0"/>
+              </a:spcBef>
+              <a:buNone/>
+              <a:defRPr sz="4400" kern="1200">
+                <a:solidFill>
+                  <a:schemeClr val="tx1"/>
+                </a:solidFill>
+                <a:latin typeface="+mj-lt"/>
+                <a:ea typeface="+mj-ea"/>
+                <a:cs typeface="+mj-cs"/>
+              </a:defRPr>
+            </a:lvl1pPr>
+          </a:lstStyle>
+          <a:p>
+            <a:pPr algn="ctr"/>
+            <a:r>
+              <a:rPr lang="en-US" sz="2800" b="1" dirty="0">
+                <a:solidFill>
+                  <a:schemeClr val="tx1">
+                    <a:lumMod val="75000"/>
+                    <a:lumOff val="25000"/>
+                  </a:schemeClr>
+                </a:solidFill>
+              </a:rPr>
+              <a:t>Do Australians prefer long songs?</a:t>
+            </a:r>
+            <a:r>
+              <a:rPr lang="en-US" sz="2800" dirty="0">
+                <a:solidFill>
+                  <a:schemeClr val="tx1">
+                    <a:lumMod val="75000"/>
+                    <a:lumOff val="25000"/>
+                  </a:schemeClr>
+                </a:solidFill>
+              </a:rPr>
+              <a:t> </a:t>
+            </a:r>
+          </a:p>
+        </p:txBody>
+      </p:sp>
+      <p:cxnSp>
+        <p:nvCxnSpPr>
+          <p:cNvPr id="14" name="Straight Connector 13">
+            <a:extLst>
+              <a:ext uri="{FF2B5EF4-FFF2-40B4-BE49-F238E27FC236}">
+                <a16:creationId xmlns:a16="http://schemas.microsoft.com/office/drawing/2014/main" id="{83E690F4-843A-47A5-8620-4FB01C0D8E68}"/>
+              </a:ext>
+              <a:ext uri="{C183D7F6-B498-43B3-948B-1728B52AA6E4}">
+                <adec:decorative xmlns:adec="http://schemas.microsoft.com/office/drawing/2017/decorative" val="1"/>
+              </a:ext>
+            </a:extLst>
+          </p:cNvPr>
+          <p:cNvCxnSpPr>
+            <a:cxnSpLocks/>
+          </p:cNvCxnSpPr>
+          <p:nvPr/>
+        </p:nvCxnSpPr>
+        <p:spPr>
+          <a:xfrm>
+            <a:off x="0" y="522898"/>
+            <a:ext cx="2646947" cy="0"/>
+          </a:xfrm>
+          <a:prstGeom prst="line">
+            <a:avLst/>
+          </a:prstGeom>
+          <a:ln>
+            <a:solidFill>
+              <a:schemeClr val="accent3">
+                <a:lumMod val="50000"/>
+              </a:schemeClr>
+            </a:solidFill>
+            <a:tailEnd type="oval"/>
+          </a:ln>
+        </p:spPr>
+        <p:style>
+          <a:lnRef idx="1">
+            <a:schemeClr val="accent1"/>
+          </a:lnRef>
+          <a:fillRef idx="0">
+            <a:schemeClr val="accent1"/>
+          </a:fillRef>
+          <a:effectRef idx="0">
+            <a:schemeClr val="accent1"/>
+          </a:effectRef>
+          <a:fontRef idx="minor">
+            <a:schemeClr val="tx1"/>
+          </a:fontRef>
+        </p:style>
+      </p:cxnSp>
+      <p:sp>
+        <p:nvSpPr>
+          <p:cNvPr id="10" name="Rectangle 9">
+            <a:extLst>
+              <a:ext uri="{FF2B5EF4-FFF2-40B4-BE49-F238E27FC236}">
+                <a16:creationId xmlns:a16="http://schemas.microsoft.com/office/drawing/2014/main" id="{1A997C66-4ED4-4017-9439-1D07ED31D783}"/>
+              </a:ext>
+            </a:extLst>
+          </p:cNvPr>
+          <p:cNvSpPr/>
+          <p:nvPr/>
+        </p:nvSpPr>
+        <p:spPr>
+          <a:xfrm>
+            <a:off x="220575" y="1233877"/>
+            <a:ext cx="3635298" cy="710707"/>
+          </a:xfrm>
+          <a:prstGeom prst="rect">
+            <a:avLst/>
+          </a:prstGeom>
+        </p:spPr>
+        <p:txBody>
+          <a:bodyPr wrap="square" lIns="0" tIns="0" rIns="0" bIns="0" anchor="t">
+            <a:spAutoFit/>
+          </a:bodyPr>
+          <a:lstStyle/>
+          <a:p>
+            <a:pPr>
+              <a:lnSpc>
+                <a:spcPts val="1900"/>
+              </a:lnSpc>
+            </a:pPr>
+            <a:r>
+              <a:rPr lang="en-US" sz="1400" dirty="0">
+                <a:solidFill>
+                  <a:schemeClr val="tx1">
+                    <a:lumMod val="75000"/>
+                    <a:lumOff val="25000"/>
+                  </a:schemeClr>
+                </a:solidFill>
+                <a:cs typeface="Segoe UI" panose="020B0502040204020203" pitchFamily="34" charset="0"/>
+              </a:rPr>
+              <a:t>We expect shorter songs, friendlier to heavy airplay, to perform better than relatively longer songs.</a:t>
+            </a:r>
+          </a:p>
+        </p:txBody>
+      </p:sp>
+      <p:sp>
+        <p:nvSpPr>
+          <p:cNvPr id="12" name="Rectangle 11">
+            <a:extLst>
+              <a:ext uri="{FF2B5EF4-FFF2-40B4-BE49-F238E27FC236}">
+                <a16:creationId xmlns:a16="http://schemas.microsoft.com/office/drawing/2014/main" id="{690C1A7A-78BB-48B4-B5CE-2B9C34E5E67B}"/>
+              </a:ext>
+            </a:extLst>
+          </p:cNvPr>
+          <p:cNvSpPr/>
+          <p:nvPr/>
+        </p:nvSpPr>
+        <p:spPr>
+          <a:xfrm>
+            <a:off x="4114335" y="1237963"/>
+            <a:ext cx="3058054" cy="710707"/>
+          </a:xfrm>
+          <a:prstGeom prst="rect">
+            <a:avLst/>
+          </a:prstGeom>
+        </p:spPr>
+        <p:txBody>
+          <a:bodyPr wrap="square" lIns="0" tIns="0" rIns="0" bIns="0" anchor="t">
+            <a:spAutoFit/>
+          </a:bodyPr>
+          <a:lstStyle/>
+          <a:p>
+            <a:pPr>
+              <a:lnSpc>
+                <a:spcPts val="1900"/>
+              </a:lnSpc>
+            </a:pPr>
+            <a:r>
+              <a:rPr lang="en-US" sz="1400" dirty="0">
+                <a:solidFill>
+                  <a:schemeClr val="tx1">
+                    <a:lumMod val="75000"/>
+                    <a:lumOff val="25000"/>
+                  </a:schemeClr>
+                </a:solidFill>
+                <a:cs typeface="Segoe UI" panose="020B0502040204020203" pitchFamily="34" charset="0"/>
+              </a:rPr>
+              <a:t>Compared each year's top 100 duration mean vs all songs released duration mean.</a:t>
+            </a:r>
+          </a:p>
+        </p:txBody>
+      </p:sp>
+      <p:sp>
+        <p:nvSpPr>
+          <p:cNvPr id="13" name="Rectangle 12">
+            <a:extLst>
+              <a:ext uri="{FF2B5EF4-FFF2-40B4-BE49-F238E27FC236}">
+                <a16:creationId xmlns:a16="http://schemas.microsoft.com/office/drawing/2014/main" id="{53CF038C-66AF-4E81-9068-703EC0088620}"/>
+              </a:ext>
+            </a:extLst>
+          </p:cNvPr>
+          <p:cNvSpPr/>
+          <p:nvPr/>
+        </p:nvSpPr>
+        <p:spPr>
+          <a:xfrm>
+            <a:off x="7801138" y="1220827"/>
+            <a:ext cx="4268298" cy="1198020"/>
+          </a:xfrm>
+          <a:prstGeom prst="rect">
+            <a:avLst/>
+          </a:prstGeom>
+        </p:spPr>
+        <p:txBody>
+          <a:bodyPr wrap="square" lIns="0" tIns="0" rIns="0" bIns="0" anchor="t">
+            <a:spAutoFit/>
+          </a:bodyPr>
+          <a:lstStyle/>
+          <a:p>
+            <a:pPr>
+              <a:lnSpc>
+                <a:spcPts val="1900"/>
+              </a:lnSpc>
+            </a:pPr>
+            <a:r>
+              <a:rPr lang="en-US" sz="1400" dirty="0">
+                <a:solidFill>
+                  <a:schemeClr val="tx1">
+                    <a:lumMod val="75000"/>
+                    <a:lumOff val="25000"/>
+                  </a:schemeClr>
+                </a:solidFill>
+                <a:cs typeface="Segoe UI" panose="020B0502040204020203" pitchFamily="34" charset="0"/>
+              </a:rPr>
+              <a:t>The analysis shows there is no significant difference in length (in </a:t>
+            </a:r>
+            <a:r>
+              <a:rPr lang="en-US" sz="1400" dirty="0" err="1">
+                <a:solidFill>
+                  <a:schemeClr val="tx1">
+                    <a:lumMod val="75000"/>
+                    <a:lumOff val="25000"/>
+                  </a:schemeClr>
+                </a:solidFill>
+                <a:cs typeface="Segoe UI" panose="020B0502040204020203" pitchFamily="34" charset="0"/>
+              </a:rPr>
+              <a:t>ms</a:t>
+            </a:r>
+            <a:r>
+              <a:rPr lang="en-US" sz="1400" dirty="0">
+                <a:solidFill>
+                  <a:schemeClr val="tx1">
+                    <a:lumMod val="75000"/>
+                    <a:lumOff val="25000"/>
+                  </a:schemeClr>
+                </a:solidFill>
+                <a:cs typeface="Segoe UI" panose="020B0502040204020203" pitchFamily="34" charset="0"/>
+              </a:rPr>
+              <a:t>) between winning songs and the mean of the population. Only 2016 showed a significant result. Given the number of years </a:t>
+            </a:r>
+            <a:r>
+              <a:rPr lang="en-US" sz="1400" dirty="0" err="1">
+                <a:solidFill>
+                  <a:schemeClr val="tx1">
+                    <a:lumMod val="75000"/>
+                    <a:lumOff val="25000"/>
+                  </a:schemeClr>
+                </a:solidFill>
+                <a:cs typeface="Segoe UI" panose="020B0502040204020203" pitchFamily="34" charset="0"/>
+              </a:rPr>
+              <a:t>analysed</a:t>
+            </a:r>
+            <a:r>
+              <a:rPr lang="en-US" sz="1400" dirty="0">
+                <a:solidFill>
+                  <a:schemeClr val="tx1">
+                    <a:lumMod val="75000"/>
+                    <a:lumOff val="25000"/>
+                  </a:schemeClr>
+                </a:solidFill>
+                <a:cs typeface="Segoe UI" panose="020B0502040204020203" pitchFamily="34" charset="0"/>
+              </a:rPr>
+              <a:t> and the </a:t>
+            </a:r>
+            <a:r>
+              <a:rPr lang="en-US" sz="1400" dirty="0" err="1">
+                <a:solidFill>
+                  <a:schemeClr val="tx1">
+                    <a:lumMod val="75000"/>
+                    <a:lumOff val="25000"/>
+                  </a:schemeClr>
+                </a:solidFill>
+                <a:cs typeface="Segoe UI" panose="020B0502040204020203" pitchFamily="34" charset="0"/>
+              </a:rPr>
+              <a:t>pvalue</a:t>
+            </a:r>
+            <a:r>
+              <a:rPr lang="en-US" sz="1400" dirty="0">
+                <a:solidFill>
+                  <a:schemeClr val="tx1">
+                    <a:lumMod val="75000"/>
+                    <a:lumOff val="25000"/>
+                  </a:schemeClr>
+                </a:solidFill>
+                <a:cs typeface="Segoe UI" panose="020B0502040204020203" pitchFamily="34" charset="0"/>
+              </a:rPr>
+              <a:t> of 0.0879 it is reasonable to assume it was by chance.</a:t>
+            </a:r>
+          </a:p>
+        </p:txBody>
+      </p:sp>
+      <p:pic>
+        <p:nvPicPr>
+          <p:cNvPr id="3" name="Picture 2">
+            <a:extLst>
+              <a:ext uri="{FF2B5EF4-FFF2-40B4-BE49-F238E27FC236}">
+                <a16:creationId xmlns:a16="http://schemas.microsoft.com/office/drawing/2014/main" id="{DC613B6D-B2E7-4648-B621-D68023E4B4C4}"/>
+              </a:ext>
+            </a:extLst>
+          </p:cNvPr>
+          <p:cNvPicPr>
+            <a:picLocks noChangeAspect="1"/>
+          </p:cNvPicPr>
+          <p:nvPr/>
+        </p:nvPicPr>
+        <p:blipFill>
+          <a:blip r:embed="rId3"/>
+          <a:stretch>
+            <a:fillRect/>
+          </a:stretch>
+        </p:blipFill>
+        <p:spPr>
+          <a:xfrm>
+            <a:off x="1996836" y="2824002"/>
+            <a:ext cx="8141190" cy="3085191"/>
+          </a:xfrm>
+          <a:prstGeom prst="rect">
+            <a:avLst/>
+          </a:prstGeom>
+        </p:spPr>
+      </p:pic>
+      <p:sp>
+        <p:nvSpPr>
+          <p:cNvPr id="18" name="Rectangle 17">
+            <a:extLst>
+              <a:ext uri="{FF2B5EF4-FFF2-40B4-BE49-F238E27FC236}">
+                <a16:creationId xmlns:a16="http://schemas.microsoft.com/office/drawing/2014/main" id="{014A8E32-0A1A-4F6D-8104-46ACE03F392E}"/>
+              </a:ext>
+            </a:extLst>
+          </p:cNvPr>
+          <p:cNvSpPr/>
+          <p:nvPr/>
+        </p:nvSpPr>
+        <p:spPr>
+          <a:xfrm>
+            <a:off x="7797441" y="919700"/>
+            <a:ext cx="4162870" cy="246221"/>
+          </a:xfrm>
+          <a:prstGeom prst="rect">
+            <a:avLst/>
+          </a:prstGeom>
+        </p:spPr>
+        <p:txBody>
+          <a:bodyPr wrap="square" lIns="0" tIns="0" rIns="0" bIns="0" anchor="t">
+            <a:spAutoFit/>
+          </a:bodyPr>
+          <a:lstStyle/>
+          <a:p>
+            <a:r>
+              <a:rPr lang="en-US" sz="1600" b="1" dirty="0">
+                <a:solidFill>
+                  <a:schemeClr val="tx1">
+                    <a:lumMod val="75000"/>
+                    <a:lumOff val="25000"/>
+                  </a:schemeClr>
+                </a:solidFill>
+                <a:cs typeface="Segoe UI" panose="020B0502040204020203" pitchFamily="34" charset="0"/>
+              </a:rPr>
+              <a:t>Conclusion</a:t>
+            </a:r>
+          </a:p>
+        </p:txBody>
+      </p:sp>
+      <p:sp>
+        <p:nvSpPr>
+          <p:cNvPr id="19" name="Rectangle 18">
+            <a:extLst>
+              <a:ext uri="{FF2B5EF4-FFF2-40B4-BE49-F238E27FC236}">
+                <a16:creationId xmlns:a16="http://schemas.microsoft.com/office/drawing/2014/main" id="{9A7B986A-1F12-4B48-8BED-267E991D02F1}"/>
+              </a:ext>
+            </a:extLst>
+          </p:cNvPr>
+          <p:cNvSpPr/>
+          <p:nvPr/>
+        </p:nvSpPr>
+        <p:spPr>
+          <a:xfrm>
+            <a:off x="4109030" y="932668"/>
+            <a:ext cx="4162870" cy="246221"/>
+          </a:xfrm>
+          <a:prstGeom prst="rect">
+            <a:avLst/>
+          </a:prstGeom>
+        </p:spPr>
+        <p:txBody>
+          <a:bodyPr wrap="square" lIns="0" tIns="0" rIns="0" bIns="0" anchor="t">
+            <a:spAutoFit/>
+          </a:bodyPr>
+          <a:lstStyle/>
+          <a:p>
+            <a:r>
+              <a:rPr lang="en-US" sz="1600" b="1" dirty="0">
+                <a:solidFill>
+                  <a:schemeClr val="tx1">
+                    <a:lumMod val="75000"/>
+                    <a:lumOff val="25000"/>
+                  </a:schemeClr>
+                </a:solidFill>
+                <a:cs typeface="Segoe UI" panose="020B0502040204020203" pitchFamily="34" charset="0"/>
+              </a:rPr>
+              <a:t>Testing</a:t>
+            </a:r>
+          </a:p>
+        </p:txBody>
+      </p:sp>
+      <p:sp>
+        <p:nvSpPr>
+          <p:cNvPr id="20" name="Rectangle 19">
+            <a:extLst>
+              <a:ext uri="{FF2B5EF4-FFF2-40B4-BE49-F238E27FC236}">
+                <a16:creationId xmlns:a16="http://schemas.microsoft.com/office/drawing/2014/main" id="{816BAE42-E82B-4D38-8F96-3BF06F9B423C}"/>
+              </a:ext>
+            </a:extLst>
+          </p:cNvPr>
+          <p:cNvSpPr/>
+          <p:nvPr/>
+        </p:nvSpPr>
+        <p:spPr>
+          <a:xfrm>
+            <a:off x="215701" y="920208"/>
+            <a:ext cx="4162870" cy="246221"/>
+          </a:xfrm>
+          <a:prstGeom prst="rect">
+            <a:avLst/>
+          </a:prstGeom>
+        </p:spPr>
+        <p:txBody>
+          <a:bodyPr wrap="square" lIns="0" tIns="0" rIns="0" bIns="0" anchor="t">
+            <a:spAutoFit/>
+          </a:bodyPr>
+          <a:lstStyle/>
+          <a:p>
+            <a:r>
+              <a:rPr lang="en-US" sz="1600" b="1" dirty="0">
+                <a:solidFill>
+                  <a:schemeClr val="tx1">
+                    <a:lumMod val="75000"/>
+                    <a:lumOff val="25000"/>
+                  </a:schemeClr>
+                </a:solidFill>
+                <a:cs typeface="Segoe UI" panose="020B0502040204020203" pitchFamily="34" charset="0"/>
+              </a:rPr>
+              <a:t>Hypothesis</a:t>
+            </a:r>
+          </a:p>
+        </p:txBody>
+      </p:sp>
+    </p:spTree>
+    <p:extLst>
+      <p:ext uri="{BB962C8B-B14F-4D97-AF65-F5344CB8AC3E}">
+        <p14:creationId xmlns:p14="http://schemas.microsoft.com/office/powerpoint/2010/main" val="2238262228"/>
       </p:ext>
     </p:extLst>
   </p:cSld>
@@ -9322,10 +9413,10 @@
       </p:grpSpPr>
       <p:sp>
         <p:nvSpPr>
-          <p:cNvPr id="7" name="Title 6" hidden="1">
-            <a:extLst>
-              <a:ext uri="{FF2B5EF4-FFF2-40B4-BE49-F238E27FC236}">
-                <a16:creationId xmlns:a16="http://schemas.microsoft.com/office/drawing/2014/main" id="{7C70995F-D8C5-410A-AA8B-1EE172A29454}"/>
+          <p:cNvPr id="9" name="Title 8" hidden="1">
+            <a:extLst>
+              <a:ext uri="{FF2B5EF4-FFF2-40B4-BE49-F238E27FC236}">
+                <a16:creationId xmlns:a16="http://schemas.microsoft.com/office/drawing/2014/main" id="{9FDB6406-0CDB-4213-A1B6-DE47D953FED3}"/>
               </a:ext>
             </a:extLst>
           </p:cNvPr>
@@ -9348,7 +9439,7 @@
           <a:p>
             <a:r>
               <a:rPr lang="en-US" dirty="0"/>
-              <a:t>Project analysis slide 10</a:t>
+              <a:t>Project analysis slide 3</a:t>
             </a:r>
           </a:p>
         </p:txBody>
@@ -9372,8 +9463,8 @@
         </p:nvCxnSpPr>
         <p:spPr>
           <a:xfrm>
-            <a:off x="8976732" y="522898"/>
-            <a:ext cx="3215268" cy="0"/>
+            <a:off x="8078653" y="522898"/>
+            <a:ext cx="4113347" cy="0"/>
           </a:xfrm>
           <a:prstGeom prst="line">
             <a:avLst/>
@@ -9418,8 +9509,8 @@
         </p:nvSpPr>
         <p:spPr>
           <a:xfrm>
-            <a:off x="228600" y="190500"/>
-            <a:ext cx="11734800" cy="664797"/>
+            <a:off x="228600" y="238626"/>
+            <a:ext cx="11734800" cy="387798"/>
           </a:xfrm>
           <a:prstGeom prst="rect">
             <a:avLst/>
@@ -9459,28 +9550,7 @@
                   </a:schemeClr>
                 </a:solidFill>
               </a:rPr>
-              <a:t>Do Australians prefer long songs?</a:t>
-            </a:r>
-            <a:br>
-              <a:rPr lang="en-US" sz="2800" dirty="0">
-                <a:solidFill>
-                  <a:schemeClr val="tx1">
-                    <a:lumMod val="75000"/>
-                    <a:lumOff val="25000"/>
-                  </a:schemeClr>
-                </a:solidFill>
-              </a:rPr>
-            </a:br>
-            <a:r>
-              <a:rPr lang="en-US" sz="2000" dirty="0">
-                <a:solidFill>
-                  <a:schemeClr val="tx1">
-                    <a:lumMod val="75000"/>
-                    <a:lumOff val="25000"/>
-                  </a:schemeClr>
-                </a:solidFill>
-              </a:rPr>
-              <a:t> </a:t>
+              <a:t>Closing remarks</a:t>
             </a:r>
             <a:endParaRPr lang="en-US" sz="2800" dirty="0">
               <a:solidFill>
@@ -9513,7 +9583,7 @@
         <p:spPr>
           <a:xfrm>
             <a:off x="0" y="522898"/>
-            <a:ext cx="3155795" cy="0"/>
+            <a:ext cx="4148051" cy="0"/>
           </a:xfrm>
           <a:prstGeom prst="line">
             <a:avLst/>
@@ -9544,10 +9614,13 @@
       </p:cxnSp>
       <p:sp>
         <p:nvSpPr>
-          <p:cNvPr id="10" name="Rectangle 9">
-            <a:extLst>
-              <a:ext uri="{FF2B5EF4-FFF2-40B4-BE49-F238E27FC236}">
-                <a16:creationId xmlns:a16="http://schemas.microsoft.com/office/drawing/2014/main" id="{1A997C66-4ED4-4017-9439-1D07ED31D783}"/>
+          <p:cNvPr id="2" name="Trapezoid 1">
+            <a:extLst>
+              <a:ext uri="{FF2B5EF4-FFF2-40B4-BE49-F238E27FC236}">
+                <a16:creationId xmlns:a16="http://schemas.microsoft.com/office/drawing/2014/main" id="{5B804E9F-B6B5-41F9-9B63-9AF435FDC2B7}"/>
+              </a:ext>
+              <a:ext uri="{C183D7F6-B498-43B3-948B-1728B52AA6E4}">
+                <adec:decorative xmlns:adec="http://schemas.microsoft.com/office/drawing/2017/decorative" val="1"/>
               </a:ext>
             </a:extLst>
           </p:cNvPr>
@@ -9555,615 +9628,8 @@
           <p:nvPr/>
         </p:nvSpPr>
         <p:spPr>
-          <a:xfrm>
-            <a:off x="0" y="1318097"/>
-            <a:ext cx="3635298" cy="710707"/>
-          </a:xfrm>
-          <a:prstGeom prst="rect">
-            <a:avLst/>
-          </a:prstGeom>
-        </p:spPr>
-        <p:txBody>
-          <a:bodyPr wrap="square" lIns="0" tIns="0" rIns="0" bIns="0" anchor="t">
-            <a:spAutoFit/>
-          </a:bodyPr>
-          <a:lstStyle/>
-          <a:p>
-            <a:pPr algn="ctr">
-              <a:lnSpc>
-                <a:spcPts val="1900"/>
-              </a:lnSpc>
-            </a:pPr>
-            <a:r>
-              <a:rPr lang="en-US" sz="1400" dirty="0">
-                <a:solidFill>
-                  <a:schemeClr val="tx1">
-                    <a:lumMod val="75000"/>
-                    <a:lumOff val="25000"/>
-                  </a:schemeClr>
-                </a:solidFill>
-                <a:cs typeface="Segoe UI" panose="020B0502040204020203" pitchFamily="34" charset="0"/>
-              </a:rPr>
-              <a:t>We expect shorter songs, friendlier to heavy airplay, to perform better than relatively longer songs.</a:t>
-            </a:r>
-          </a:p>
-        </p:txBody>
-      </p:sp>
-      <p:sp>
-        <p:nvSpPr>
-          <p:cNvPr id="12" name="Rectangle 11">
-            <a:extLst>
-              <a:ext uri="{FF2B5EF4-FFF2-40B4-BE49-F238E27FC236}">
-                <a16:creationId xmlns:a16="http://schemas.microsoft.com/office/drawing/2014/main" id="{690C1A7A-78BB-48B4-B5CE-2B9C34E5E67B}"/>
-              </a:ext>
-            </a:extLst>
-          </p:cNvPr>
-          <p:cNvSpPr/>
-          <p:nvPr/>
-        </p:nvSpPr>
-        <p:spPr>
-          <a:xfrm>
-            <a:off x="4034122" y="1286089"/>
-            <a:ext cx="3058054" cy="710707"/>
-          </a:xfrm>
-          <a:prstGeom prst="rect">
-            <a:avLst/>
-          </a:prstGeom>
-        </p:spPr>
-        <p:txBody>
-          <a:bodyPr wrap="square" lIns="0" tIns="0" rIns="0" bIns="0" anchor="t">
-            <a:spAutoFit/>
-          </a:bodyPr>
-          <a:lstStyle/>
-          <a:p>
-            <a:pPr algn="ctr">
-              <a:lnSpc>
-                <a:spcPts val="1900"/>
-              </a:lnSpc>
-            </a:pPr>
-            <a:r>
-              <a:rPr lang="en-US" sz="1400" dirty="0">
-                <a:cs typeface="Segoe UI" panose="020B0502040204020203" pitchFamily="34" charset="0"/>
-              </a:rPr>
-              <a:t>Compared each years top 100 duration mean vs  all songs released duration mean.</a:t>
-            </a:r>
-          </a:p>
-        </p:txBody>
-      </p:sp>
-      <p:sp>
-        <p:nvSpPr>
-          <p:cNvPr id="13" name="Rectangle 12">
-            <a:extLst>
-              <a:ext uri="{FF2B5EF4-FFF2-40B4-BE49-F238E27FC236}">
-                <a16:creationId xmlns:a16="http://schemas.microsoft.com/office/drawing/2014/main" id="{53CF038C-66AF-4E81-9068-703EC0088620}"/>
-              </a:ext>
-            </a:extLst>
-          </p:cNvPr>
-          <p:cNvSpPr/>
-          <p:nvPr/>
-        </p:nvSpPr>
-        <p:spPr>
-          <a:xfrm>
-            <a:off x="7385572" y="1364070"/>
-            <a:ext cx="4268298" cy="1198020"/>
-          </a:xfrm>
-          <a:prstGeom prst="rect">
-            <a:avLst/>
-          </a:prstGeom>
-        </p:spPr>
-        <p:txBody>
-          <a:bodyPr wrap="square" lIns="0" tIns="0" rIns="0" bIns="0" anchor="t">
-            <a:spAutoFit/>
-          </a:bodyPr>
-          <a:lstStyle/>
-          <a:p>
-            <a:pPr algn="ctr">
-              <a:lnSpc>
-                <a:spcPts val="1900"/>
-              </a:lnSpc>
-            </a:pPr>
-            <a:r>
-              <a:rPr lang="en-US" sz="1400" dirty="0">
-                <a:solidFill>
-                  <a:schemeClr val="tx1">
-                    <a:lumMod val="75000"/>
-                    <a:lumOff val="25000"/>
-                  </a:schemeClr>
-                </a:solidFill>
-                <a:cs typeface="Segoe UI" panose="020B0502040204020203" pitchFamily="34" charset="0"/>
-              </a:rPr>
-              <a:t>The analysis shows there is no significant difference in length (in </a:t>
-            </a:r>
-            <a:r>
-              <a:rPr lang="en-US" sz="1400" dirty="0" err="1">
-                <a:solidFill>
-                  <a:schemeClr val="tx1">
-                    <a:lumMod val="75000"/>
-                    <a:lumOff val="25000"/>
-                  </a:schemeClr>
-                </a:solidFill>
-                <a:cs typeface="Segoe UI" panose="020B0502040204020203" pitchFamily="34" charset="0"/>
-              </a:rPr>
-              <a:t>ms</a:t>
-            </a:r>
-            <a:r>
-              <a:rPr lang="en-US" sz="1400" dirty="0">
-                <a:solidFill>
-                  <a:schemeClr val="tx1">
-                    <a:lumMod val="75000"/>
-                    <a:lumOff val="25000"/>
-                  </a:schemeClr>
-                </a:solidFill>
-                <a:cs typeface="Segoe UI" panose="020B0502040204020203" pitchFamily="34" charset="0"/>
-              </a:rPr>
-              <a:t>) between winning songs and the mean of the population. Only 2016 showed a significant result. Given the number of years </a:t>
-            </a:r>
-            <a:r>
-              <a:rPr lang="en-US" sz="1400" dirty="0" err="1">
-                <a:solidFill>
-                  <a:schemeClr val="tx1">
-                    <a:lumMod val="75000"/>
-                    <a:lumOff val="25000"/>
-                  </a:schemeClr>
-                </a:solidFill>
-                <a:cs typeface="Segoe UI" panose="020B0502040204020203" pitchFamily="34" charset="0"/>
-              </a:rPr>
-              <a:t>analysed</a:t>
-            </a:r>
-            <a:r>
-              <a:rPr lang="en-US" sz="1400" dirty="0">
-                <a:solidFill>
-                  <a:schemeClr val="tx1">
-                    <a:lumMod val="75000"/>
-                    <a:lumOff val="25000"/>
-                  </a:schemeClr>
-                </a:solidFill>
-                <a:cs typeface="Segoe UI" panose="020B0502040204020203" pitchFamily="34" charset="0"/>
-              </a:rPr>
-              <a:t> and the </a:t>
-            </a:r>
-            <a:r>
-              <a:rPr lang="en-US" sz="1400" dirty="0" err="1">
-                <a:solidFill>
-                  <a:schemeClr val="tx1">
-                    <a:lumMod val="75000"/>
-                    <a:lumOff val="25000"/>
-                  </a:schemeClr>
-                </a:solidFill>
-                <a:cs typeface="Segoe UI" panose="020B0502040204020203" pitchFamily="34" charset="0"/>
-              </a:rPr>
-              <a:t>pvalue</a:t>
-            </a:r>
-            <a:r>
-              <a:rPr lang="en-US" sz="1400" dirty="0">
-                <a:solidFill>
-                  <a:schemeClr val="tx1">
-                    <a:lumMod val="75000"/>
-                    <a:lumOff val="25000"/>
-                  </a:schemeClr>
-                </a:solidFill>
-                <a:cs typeface="Segoe UI" panose="020B0502040204020203" pitchFamily="34" charset="0"/>
-              </a:rPr>
-              <a:t> of 0.0879 it is reasonable to assume it was by chance.</a:t>
-            </a:r>
-          </a:p>
-        </p:txBody>
-      </p:sp>
-      <p:sp>
-        <p:nvSpPr>
-          <p:cNvPr id="26" name="Rectangle 25">
-            <a:extLst>
-              <a:ext uri="{FF2B5EF4-FFF2-40B4-BE49-F238E27FC236}">
-                <a16:creationId xmlns:a16="http://schemas.microsoft.com/office/drawing/2014/main" id="{2D1EC9D4-76A8-4A26-A2A6-D7B18B7CF659}"/>
-              </a:ext>
-            </a:extLst>
-          </p:cNvPr>
-          <p:cNvSpPr/>
-          <p:nvPr/>
-        </p:nvSpPr>
-        <p:spPr>
-          <a:xfrm>
-            <a:off x="105428" y="953691"/>
-            <a:ext cx="4162870" cy="246221"/>
-          </a:xfrm>
-          <a:prstGeom prst="rect">
-            <a:avLst/>
-          </a:prstGeom>
-        </p:spPr>
-        <p:txBody>
-          <a:bodyPr wrap="square" lIns="0" tIns="0" rIns="0" bIns="0" anchor="t">
-            <a:spAutoFit/>
-          </a:bodyPr>
-          <a:lstStyle/>
-          <a:p>
-            <a:r>
-              <a:rPr lang="en-US" sz="1600" b="1" dirty="0">
-                <a:solidFill>
-                  <a:schemeClr val="tx1">
-                    <a:lumMod val="75000"/>
-                    <a:lumOff val="25000"/>
-                  </a:schemeClr>
-                </a:solidFill>
-                <a:cs typeface="Segoe UI" panose="020B0502040204020203" pitchFamily="34" charset="0"/>
-              </a:rPr>
-              <a:t>Hypothesis</a:t>
-            </a:r>
-          </a:p>
-        </p:txBody>
-      </p:sp>
-      <p:sp>
-        <p:nvSpPr>
-          <p:cNvPr id="27" name="Rectangle 26">
-            <a:extLst>
-              <a:ext uri="{FF2B5EF4-FFF2-40B4-BE49-F238E27FC236}">
-                <a16:creationId xmlns:a16="http://schemas.microsoft.com/office/drawing/2014/main" id="{8B9D6654-5A8B-4A3E-B65B-E6BEC7BC3E92}"/>
-              </a:ext>
-            </a:extLst>
-          </p:cNvPr>
-          <p:cNvSpPr/>
-          <p:nvPr/>
-        </p:nvSpPr>
-        <p:spPr>
-          <a:xfrm>
-            <a:off x="7491000" y="997302"/>
-            <a:ext cx="4162870" cy="246221"/>
-          </a:xfrm>
-          <a:prstGeom prst="rect">
-            <a:avLst/>
-          </a:prstGeom>
-        </p:spPr>
-        <p:txBody>
-          <a:bodyPr wrap="square" lIns="0" tIns="0" rIns="0" bIns="0" anchor="t">
-            <a:spAutoFit/>
-          </a:bodyPr>
-          <a:lstStyle/>
-          <a:p>
-            <a:r>
-              <a:rPr lang="en-US" sz="1600" b="1" dirty="0">
-                <a:solidFill>
-                  <a:schemeClr val="tx1">
-                    <a:lumMod val="75000"/>
-                    <a:lumOff val="25000"/>
-                  </a:schemeClr>
-                </a:solidFill>
-                <a:cs typeface="Segoe UI" panose="020B0502040204020203" pitchFamily="34" charset="0"/>
-              </a:rPr>
-              <a:t>Conclusion</a:t>
-            </a:r>
-          </a:p>
-        </p:txBody>
-      </p:sp>
-      <p:sp>
-        <p:nvSpPr>
-          <p:cNvPr id="28" name="Rectangle 27">
-            <a:extLst>
-              <a:ext uri="{FF2B5EF4-FFF2-40B4-BE49-F238E27FC236}">
-                <a16:creationId xmlns:a16="http://schemas.microsoft.com/office/drawing/2014/main" id="{A4EE4EF6-1BD1-4EE8-8C26-1356267F05F1}"/>
-              </a:ext>
-            </a:extLst>
-          </p:cNvPr>
-          <p:cNvSpPr/>
-          <p:nvPr/>
-        </p:nvSpPr>
-        <p:spPr>
-          <a:xfrm>
-            <a:off x="4034122" y="986573"/>
-            <a:ext cx="4162870" cy="246221"/>
-          </a:xfrm>
-          <a:prstGeom prst="rect">
-            <a:avLst/>
-          </a:prstGeom>
-        </p:spPr>
-        <p:txBody>
-          <a:bodyPr wrap="square" lIns="0" tIns="0" rIns="0" bIns="0" anchor="t">
-            <a:spAutoFit/>
-          </a:bodyPr>
-          <a:lstStyle/>
-          <a:p>
-            <a:r>
-              <a:rPr lang="en-US" sz="1600" b="1" dirty="0">
-                <a:solidFill>
-                  <a:schemeClr val="tx1">
-                    <a:lumMod val="75000"/>
-                    <a:lumOff val="25000"/>
-                  </a:schemeClr>
-                </a:solidFill>
-                <a:cs typeface="Segoe UI" panose="020B0502040204020203" pitchFamily="34" charset="0"/>
-              </a:rPr>
-              <a:t>Testing</a:t>
-            </a:r>
-          </a:p>
-        </p:txBody>
-      </p:sp>
-      <p:pic>
-        <p:nvPicPr>
-          <p:cNvPr id="3" name="Picture 2">
-            <a:extLst>
-              <a:ext uri="{FF2B5EF4-FFF2-40B4-BE49-F238E27FC236}">
-                <a16:creationId xmlns:a16="http://schemas.microsoft.com/office/drawing/2014/main" id="{DC613B6D-B2E7-4648-B621-D68023E4B4C4}"/>
-              </a:ext>
-            </a:extLst>
-          </p:cNvPr>
-          <p:cNvPicPr>
-            <a:picLocks noChangeAspect="1"/>
-          </p:cNvPicPr>
-          <p:nvPr/>
-        </p:nvPicPr>
-        <p:blipFill>
-          <a:blip r:embed="rId3"/>
-          <a:stretch>
-            <a:fillRect/>
-          </a:stretch>
-        </p:blipFill>
-        <p:spPr>
-          <a:xfrm>
-            <a:off x="2044962" y="2824002"/>
-            <a:ext cx="8141190" cy="3085191"/>
-          </a:xfrm>
-          <a:prstGeom prst="rect">
-            <a:avLst/>
-          </a:prstGeom>
-        </p:spPr>
-      </p:pic>
-    </p:spTree>
-    <p:extLst>
-      <p:ext uri="{BB962C8B-B14F-4D97-AF65-F5344CB8AC3E}">
-        <p14:creationId xmlns:p14="http://schemas.microsoft.com/office/powerpoint/2010/main" val="2238262228"/>
-      </p:ext>
-    </p:extLst>
-  </p:cSld>
-  <p:clrMapOvr>
-    <a:masterClrMapping/>
-  </p:clrMapOvr>
-</p:sld>
-</file>
-
-<file path=ppt/slides/slide15.xml><?xml version="1.0" encoding="utf-8"?>
-<p:sld xmlns:a="http://schemas.openxmlformats.org/drawingml/2006/main" xmlns:r="http://schemas.openxmlformats.org/officeDocument/2006/relationships" xmlns:p="http://schemas.openxmlformats.org/presentationml/2006/main">
-  <p:cSld>
-    <p:spTree>
-      <p:nvGrpSpPr>
-        <p:cNvPr id="1" name=""/>
-        <p:cNvGrpSpPr/>
-        <p:nvPr/>
-      </p:nvGrpSpPr>
-      <p:grpSpPr>
-        <a:xfrm>
-          <a:off x="0" y="0"/>
-          <a:ext cx="0" cy="0"/>
-          <a:chOff x="0" y="0"/>
-          <a:chExt cx="0" cy="0"/>
-        </a:xfrm>
-      </p:grpSpPr>
-      <p:sp>
-        <p:nvSpPr>
-          <p:cNvPr id="9" name="Title 8" hidden="1">
-            <a:extLst>
-              <a:ext uri="{FF2B5EF4-FFF2-40B4-BE49-F238E27FC236}">
-                <a16:creationId xmlns:a16="http://schemas.microsoft.com/office/drawing/2014/main" id="{9FDB6406-0CDB-4213-A1B6-DE47D953FED3}"/>
-              </a:ext>
-            </a:extLst>
-          </p:cNvPr>
-          <p:cNvSpPr>
-            <a:spLocks noGrp="1"/>
-          </p:cNvSpPr>
-          <p:nvPr>
-            <p:ph type="title" idx="4294967295"/>
-          </p:nvPr>
-        </p:nvSpPr>
-        <p:spPr>
-          <a:xfrm>
-            <a:off x="0" y="365125"/>
-            <a:ext cx="10515600" cy="1325563"/>
-          </a:xfrm>
-        </p:spPr>
-        <p:txBody>
-          <a:bodyPr/>
-          <a:lstStyle/>
-          <a:p>
-            <a:r>
-              <a:rPr lang="en-US" dirty="0"/>
-              <a:t>Project analysis slide 3</a:t>
-            </a:r>
-          </a:p>
-        </p:txBody>
-      </p:sp>
-      <p:cxnSp>
-        <p:nvCxnSpPr>
-          <p:cNvPr id="8" name="Straight Connector 7">
-            <a:extLst>
-              <a:ext uri="{FF2B5EF4-FFF2-40B4-BE49-F238E27FC236}">
-                <a16:creationId xmlns:a16="http://schemas.microsoft.com/office/drawing/2014/main" id="{D0986099-F5F2-4E8B-BE17-81194861A00C}"/>
-              </a:ext>
-              <a:ext uri="{C183D7F6-B498-43B3-948B-1728B52AA6E4}">
-                <adec:decorative xmlns:adec="http://schemas.microsoft.com/office/drawing/2017/decorative" val="1"/>
-              </a:ext>
-            </a:extLst>
-          </p:cNvPr>
-          <p:cNvCxnSpPr>
-            <a:cxnSpLocks/>
-          </p:cNvCxnSpPr>
-          <p:nvPr/>
-        </p:nvCxnSpPr>
-        <p:spPr>
-          <a:xfrm>
-            <a:off x="8105775" y="522898"/>
-            <a:ext cx="4086225" cy="0"/>
-          </a:xfrm>
-          <a:prstGeom prst="line">
-            <a:avLst/>
-          </a:prstGeom>
-          <a:ln>
-            <a:solidFill>
-              <a:schemeClr val="accent3">
-                <a:lumMod val="50000"/>
-              </a:schemeClr>
-            </a:solidFill>
-            <a:headEnd type="oval"/>
-          </a:ln>
-        </p:spPr>
-        <p:style>
-          <a:lnRef idx="1">
-            <a:schemeClr val="accent1"/>
-          </a:lnRef>
-          <a:fillRef idx="0">
-            <a:schemeClr val="accent1"/>
-          </a:fillRef>
-          <a:effectRef idx="0">
-            <a:schemeClr val="accent1"/>
-          </a:effectRef>
-          <a:fontRef idx="minor">
-            <a:schemeClr val="tx1"/>
-          </a:fontRef>
-        </p:style>
-      </p:cxnSp>
-      <p:sp>
-        <p:nvSpPr>
-          <p:cNvPr id="11" name="Title 1">
-            <a:extLst>
-              <a:ext uri="{FF2B5EF4-FFF2-40B4-BE49-F238E27FC236}">
-                <a16:creationId xmlns:a16="http://schemas.microsoft.com/office/drawing/2014/main" id="{4E3F5479-058B-4FA8-92E9-18CAB8CDC5C5}"/>
-              </a:ext>
-            </a:extLst>
-          </p:cNvPr>
-          <p:cNvSpPr txBox="1">
-            <a:spLocks/>
-          </p:cNvSpPr>
-          <p:nvPr/>
-        </p:nvSpPr>
-        <p:spPr>
-          <a:xfrm>
-            <a:off x="228600" y="190500"/>
-            <a:ext cx="11734800" cy="775597"/>
-          </a:xfrm>
-          <a:prstGeom prst="rect">
-            <a:avLst/>
-          </a:prstGeom>
-        </p:spPr>
-        <p:txBody>
-          <a:bodyPr vert="horz" wrap="square" lIns="0" tIns="0" rIns="0" bIns="0" rtlCol="0" anchor="t">
-            <a:spAutoFit/>
-          </a:bodyPr>
-          <a:lstStyle>
-            <a:lvl1pPr algn="l" defTabSz="914400" rtl="0" eaLnBrk="1" latinLnBrk="0" hangingPunct="1">
-              <a:lnSpc>
-                <a:spcPct val="90000"/>
-              </a:lnSpc>
-              <a:spcBef>
-                <a:spcPct val="0"/>
-              </a:spcBef>
-              <a:buNone/>
-              <a:defRPr sz="4400" kern="1200">
-                <a:solidFill>
-                  <a:schemeClr val="tx1"/>
-                </a:solidFill>
-                <a:latin typeface="+mj-lt"/>
-                <a:ea typeface="+mj-ea"/>
-                <a:cs typeface="+mj-cs"/>
-              </a:defRPr>
-            </a:lvl1pPr>
-          </a:lstStyle>
-          <a:p>
-            <a:pPr algn="ctr"/>
-            <a:r>
-              <a:rPr lang="en-US" sz="2800" b="1" dirty="0">
-                <a:solidFill>
-                  <a:schemeClr val="tx1">
-                    <a:lumMod val="75000"/>
-                    <a:lumOff val="25000"/>
-                  </a:schemeClr>
-                </a:solidFill>
-              </a:rPr>
-              <a:t>Closing remarks</a:t>
-            </a:r>
-            <a:br>
-              <a:rPr lang="en-US" sz="2800" dirty="0">
-                <a:solidFill>
-                  <a:schemeClr val="tx1">
-                    <a:lumMod val="75000"/>
-                    <a:lumOff val="25000"/>
-                  </a:schemeClr>
-                </a:solidFill>
-              </a:rPr>
-            </a:br>
-            <a:endParaRPr lang="en-US" sz="2800" dirty="0">
-              <a:solidFill>
-                <a:schemeClr val="tx1">
-                  <a:lumMod val="75000"/>
-                  <a:lumOff val="25000"/>
-                </a:schemeClr>
-              </a:solidFill>
-            </a:endParaRPr>
-          </a:p>
-        </p:txBody>
-      </p:sp>
-      <p:cxnSp>
-        <p:nvCxnSpPr>
-          <p:cNvPr id="14" name="Straight Connector 13">
-            <a:extLst>
-              <a:ext uri="{FF2B5EF4-FFF2-40B4-BE49-F238E27FC236}">
-                <a16:creationId xmlns:a16="http://schemas.microsoft.com/office/drawing/2014/main" id="{83E690F4-843A-47A5-8620-4FB01C0D8E68}"/>
-              </a:ext>
-              <a:ext uri="{C183D7F6-B498-43B3-948B-1728B52AA6E4}">
-                <adec:decorative xmlns:adec="http://schemas.microsoft.com/office/drawing/2017/decorative" val="1"/>
-              </a:ext>
-            </a:extLst>
-          </p:cNvPr>
-          <p:cNvCxnSpPr>
-            <a:cxnSpLocks/>
-          </p:cNvCxnSpPr>
-          <p:nvPr/>
-        </p:nvCxnSpPr>
-        <p:spPr>
-          <a:xfrm>
-            <a:off x="0" y="522898"/>
-            <a:ext cx="4086225" cy="0"/>
-          </a:xfrm>
-          <a:prstGeom prst="line">
-            <a:avLst/>
-          </a:prstGeom>
-          <a:ln>
-            <a:solidFill>
-              <a:schemeClr val="accent3">
-                <a:lumMod val="50000"/>
-              </a:schemeClr>
-            </a:solidFill>
-            <a:tailEnd type="oval"/>
-          </a:ln>
-        </p:spPr>
-        <p:style>
-          <a:lnRef idx="1">
-            <a:schemeClr val="accent1"/>
-          </a:lnRef>
-          <a:fillRef idx="0">
-            <a:schemeClr val="accent1"/>
-          </a:fillRef>
-          <a:effectRef idx="0">
-            <a:schemeClr val="accent1"/>
-          </a:effectRef>
-          <a:fontRef idx="minor">
-            <a:schemeClr val="tx1"/>
-          </a:fontRef>
-        </p:style>
-      </p:cxnSp>
-      <p:sp>
-        <p:nvSpPr>
-          <p:cNvPr id="2" name="Trapezoid 1">
-            <a:extLst>
-              <a:ext uri="{FF2B5EF4-FFF2-40B4-BE49-F238E27FC236}">
-                <a16:creationId xmlns:a16="http://schemas.microsoft.com/office/drawing/2014/main" id="{5B804E9F-B6B5-41F9-9B63-9AF435FDC2B7}"/>
-              </a:ext>
-              <a:ext uri="{C183D7F6-B498-43B3-948B-1728B52AA6E4}">
-                <adec:decorative xmlns:adec="http://schemas.microsoft.com/office/drawing/2017/decorative" val="1"/>
-              </a:ext>
-            </a:extLst>
-          </p:cNvPr>
-          <p:cNvSpPr/>
-          <p:nvPr/>
-        </p:nvSpPr>
-        <p:spPr>
           <a:xfrm rot="5400000">
-            <a:off x="432530" y="2673357"/>
+            <a:off x="689202" y="2673357"/>
             <a:ext cx="4336142" cy="2044685"/>
           </a:xfrm>
           <a:prstGeom prst="trapezoid">
@@ -10220,7 +9686,7 @@
         </p:nvSpPr>
         <p:spPr>
           <a:xfrm rot="5400000">
-            <a:off x="2599329" y="2673357"/>
+            <a:off x="2856001" y="2673357"/>
             <a:ext cx="4336142" cy="2044685"/>
           </a:xfrm>
           <a:prstGeom prst="trapezoid">
@@ -10277,7 +9743,7 @@
         </p:nvSpPr>
         <p:spPr>
           <a:xfrm rot="5400000">
-            <a:off x="4766127" y="2673357"/>
+            <a:off x="5022799" y="2673357"/>
             <a:ext cx="4336142" cy="2044685"/>
           </a:xfrm>
           <a:prstGeom prst="trapezoid">
@@ -10334,7 +9800,7 @@
         </p:nvSpPr>
         <p:spPr>
           <a:xfrm rot="5400000">
-            <a:off x="6932925" y="2631262"/>
+            <a:off x="7189597" y="2631262"/>
             <a:ext cx="4336142" cy="2044685"/>
           </a:xfrm>
           <a:prstGeom prst="trapezoid">
@@ -10388,7 +9854,7 @@
         </p:nvSpPr>
         <p:spPr>
           <a:xfrm>
-            <a:off x="1914801" y="2886560"/>
+            <a:off x="2171473" y="2886560"/>
             <a:ext cx="1371600" cy="738664"/>
           </a:xfrm>
           <a:prstGeom prst="rect">
@@ -10427,7 +9893,7 @@
         </p:nvSpPr>
         <p:spPr>
           <a:xfrm>
-            <a:off x="4081600" y="2886560"/>
+            <a:off x="4338272" y="2886560"/>
             <a:ext cx="1371600" cy="492443"/>
           </a:xfrm>
           <a:prstGeom prst="rect">
@@ -10466,7 +9932,7 @@
         </p:nvSpPr>
         <p:spPr>
           <a:xfrm>
-            <a:off x="6248398" y="2886560"/>
+            <a:off x="6505070" y="2886560"/>
             <a:ext cx="1371600" cy="492443"/>
           </a:xfrm>
           <a:prstGeom prst="rect">
@@ -10486,7 +9952,7 @@
                   <a:schemeClr val="bg1"/>
                 </a:solidFill>
               </a:rPr>
-              <a:t>LOUDNESS AS A PARAMETER</a:t>
+              <a:t>LIVENESS AS A PARAMETER</a:t>
             </a:r>
           </a:p>
         </p:txBody>
@@ -10505,7 +9971,7 @@
         </p:nvSpPr>
         <p:spPr>
           <a:xfrm>
-            <a:off x="8415197" y="2886560"/>
+            <a:off x="8671869" y="2886560"/>
             <a:ext cx="1371600" cy="492443"/>
           </a:xfrm>
           <a:prstGeom prst="rect">
@@ -10544,8 +10010,8 @@
         </p:nvSpPr>
         <p:spPr>
           <a:xfrm>
-            <a:off x="1724580" y="3653603"/>
-            <a:ext cx="1752042" cy="1198020"/>
+            <a:off x="1981252" y="3653603"/>
+            <a:ext cx="1752042" cy="1441677"/>
           </a:xfrm>
           <a:prstGeom prst="rect">
             <a:avLst/>
@@ -10569,7 +10035,7 @@
                 </a:solidFill>
                 <a:cs typeface="Segoe UI" panose="020B0502040204020203" pitchFamily="34" charset="0"/>
               </a:rPr>
-              <a:t>Time permitting, would have liked to dig into song release dates at a month level, instead of quarter.</a:t>
+              <a:t>Time permitting, would have liked to investigate song release dates at a month level, instead of quarter.</a:t>
             </a:r>
           </a:p>
         </p:txBody>
@@ -10588,7 +10054,7 @@
         </p:nvSpPr>
         <p:spPr>
           <a:xfrm>
-            <a:off x="3891379" y="3653603"/>
+            <a:off x="4148051" y="3653603"/>
             <a:ext cx="1752042" cy="1685333"/>
           </a:xfrm>
           <a:prstGeom prst="rect">
@@ -10613,7 +10079,7 @@
                 </a:solidFill>
                 <a:cs typeface="Segoe UI" panose="020B0502040204020203" pitchFamily="34" charset="0"/>
               </a:rPr>
-              <a:t>Matching data between sources was the greatest technical challenge. Data wangling and some manual input were required</a:t>
+              <a:t>Matching data between sources was the greatest technical challenge. Data wrangling and some manual inputs were required.</a:t>
             </a:r>
           </a:p>
         </p:txBody>
@@ -10632,7 +10098,7 @@
         </p:nvSpPr>
         <p:spPr>
           <a:xfrm>
-            <a:off x="6058176" y="3653603"/>
+            <a:off x="6314848" y="3653603"/>
             <a:ext cx="1752042" cy="1928990"/>
           </a:xfrm>
           <a:prstGeom prst="rect">
@@ -10676,7 +10142,7 @@
         </p:nvSpPr>
         <p:spPr>
           <a:xfrm>
-            <a:off x="8224976" y="3653603"/>
+            <a:off x="8481648" y="3653603"/>
             <a:ext cx="1752042" cy="1685333"/>
           </a:xfrm>
           <a:prstGeom prst="rect">
@@ -10722,7 +10188,7 @@
         </p:nvSpPr>
         <p:spPr bwMode="auto">
           <a:xfrm>
-            <a:off x="4580402" y="2300343"/>
+            <a:off x="4837074" y="2300343"/>
             <a:ext cx="373996" cy="373996"/>
           </a:xfrm>
           <a:custGeom>
@@ -11408,7 +10874,7 @@
         </p:nvGrpSpPr>
         <p:grpSpPr>
           <a:xfrm>
-            <a:off x="8909774" y="2296118"/>
+            <a:off x="9166446" y="2296118"/>
             <a:ext cx="382447" cy="382447"/>
             <a:chOff x="877888" y="771525"/>
             <a:chExt cx="287338" cy="287338"/>
@@ -13969,7 +13435,7 @@
         </p:blipFill>
         <p:spPr>
           <a:xfrm>
-            <a:off x="2268849" y="2183831"/>
+            <a:off x="2525521" y="2183831"/>
             <a:ext cx="710553" cy="710553"/>
           </a:xfrm>
           <a:prstGeom prst="rect">
@@ -14008,7 +13474,7 @@
         </p:blipFill>
         <p:spPr>
           <a:xfrm>
-            <a:off x="6685099" y="2099062"/>
+            <a:off x="6941771" y="2099062"/>
             <a:ext cx="719427" cy="719427"/>
           </a:xfrm>
           <a:prstGeom prst="rect">
@@ -14029,8 +13495,8 @@
 </p:sld>
 </file>
 
-<file path=ppt/slides/slide16.xml><?xml version="1.0" encoding="utf-8"?>
-<p:sld xmlns:a="http://schemas.openxmlformats.org/drawingml/2006/main" xmlns:r="http://schemas.openxmlformats.org/officeDocument/2006/relationships" xmlns:p="http://schemas.openxmlformats.org/presentationml/2006/main" show="0">
+<file path=ppt/slides/slide15.xml><?xml version="1.0" encoding="utf-8"?>
+<p:sld xmlns:a="http://schemas.openxmlformats.org/drawingml/2006/main" xmlns:r="http://schemas.openxmlformats.org/officeDocument/2006/relationships" xmlns:p="http://schemas.openxmlformats.org/presentationml/2006/main">
   <p:cSld>
     <p:spTree>
       <p:nvGrpSpPr>
@@ -14098,8 +13564,8 @@
         </p:nvCxnSpPr>
         <p:spPr>
           <a:xfrm>
-            <a:off x="8105775" y="522898"/>
-            <a:ext cx="4086225" cy="0"/>
+            <a:off x="7991475" y="522898"/>
+            <a:ext cx="4200525" cy="0"/>
           </a:xfrm>
           <a:prstGeom prst="line">
             <a:avLst/>
@@ -14144,8 +13610,8 @@
         </p:nvSpPr>
         <p:spPr>
           <a:xfrm>
-            <a:off x="228600" y="190500"/>
-            <a:ext cx="11734800" cy="775597"/>
+            <a:off x="228600" y="236573"/>
+            <a:ext cx="11734800" cy="387798"/>
           </a:xfrm>
           <a:prstGeom prst="rect">
             <a:avLst/>
@@ -14187,16 +13653,6 @@
               </a:rPr>
               <a:t>Sources &amp; Tools</a:t>
             </a:r>
-            <a:br>
-              <a:rPr lang="en-US" sz="2800" dirty="0">
-                <a:solidFill>
-                  <a:schemeClr val="tx1">
-                    <a:lumMod val="75000"/>
-                    <a:lumOff val="25000"/>
-                  </a:schemeClr>
-                </a:solidFill>
-              </a:rPr>
-            </a:br>
             <a:endParaRPr lang="en-US" sz="2800" dirty="0">
               <a:solidFill>
                 <a:schemeClr val="tx1">
@@ -14228,7 +13684,7 @@
         <p:spPr>
           <a:xfrm>
             <a:off x="0" y="522898"/>
-            <a:ext cx="4086225" cy="0"/>
+            <a:ext cx="4210050" cy="0"/>
           </a:xfrm>
           <a:prstGeom prst="line">
             <a:avLst/>
@@ -14271,8 +13727,8 @@
         </p:nvSpPr>
         <p:spPr>
           <a:xfrm>
-            <a:off x="517724" y="966097"/>
-            <a:ext cx="9431818" cy="2172646"/>
+            <a:off x="2262313" y="1081661"/>
+            <a:ext cx="7820151" cy="5159682"/>
           </a:xfrm>
           <a:prstGeom prst="rect">
             <a:avLst/>
@@ -14290,7 +13746,7 @@
               </a:lnSpc>
             </a:pPr>
             <a:r>
-              <a:rPr lang="en-US" sz="1400" dirty="0">
+              <a:rPr lang="en-US" sz="1400" b="1" dirty="0">
                 <a:solidFill>
                   <a:schemeClr val="tx1">
                     <a:lumMod val="75000"/>
@@ -14359,7 +13815,43 @@
                 </a:solidFill>
                 <a:cs typeface="Segoe UI" panose="020B0502040204020203" pitchFamily="34" charset="0"/>
               </a:rPr>
-              <a:t>Spotify API track database (released 1921 – 2020) (CSV) , consolidated by Kaggle user </a:t>
+              <a:t>Spotify dataset (1921 – 2020) (CSV) , consolidated by Kaggle user </a:t>
+            </a:r>
+            <a:r>
+              <a:rPr lang="en-US" sz="1400" i="1" dirty="0">
+                <a:solidFill>
+                  <a:schemeClr val="tx1">
+                    <a:lumMod val="75000"/>
+                    <a:lumOff val="25000"/>
+                  </a:schemeClr>
+                </a:solidFill>
+                <a:cs typeface="Segoe UI" panose="020B0502040204020203" pitchFamily="34" charset="0"/>
+              </a:rPr>
+              <a:t>Yama</a:t>
+            </a:r>
+            <a:r>
+              <a:rPr lang="en-AU" sz="1400" i="1" dirty="0">
+                <a:solidFill>
+                  <a:schemeClr val="tx1">
+                    <a:lumMod val="75000"/>
+                    <a:lumOff val="25000"/>
+                  </a:schemeClr>
+                </a:solidFill>
+                <a:cs typeface="Segoe UI" panose="020B0502040204020203" pitchFamily="34" charset="0"/>
+              </a:rPr>
+              <a:t>ç</a:t>
+            </a:r>
+            <a:r>
+              <a:rPr lang="en-US" sz="1400" i="1" dirty="0">
+                <a:solidFill>
+                  <a:schemeClr val="tx1">
+                    <a:lumMod val="75000"/>
+                    <a:lumOff val="25000"/>
+                  </a:schemeClr>
+                </a:solidFill>
+                <a:cs typeface="Segoe UI" panose="020B0502040204020203" pitchFamily="34" charset="0"/>
+              </a:rPr>
+              <a:t> </a:t>
             </a:r>
             <a:r>
               <a:rPr lang="en-US" sz="1400" i="1" dirty="0" err="1">
@@ -14371,7 +13863,7 @@
                 </a:solidFill>
                 <a:cs typeface="Segoe UI" panose="020B0502040204020203" pitchFamily="34" charset="0"/>
               </a:rPr>
-              <a:t>Yamaerenay</a:t>
+              <a:t>Eren</a:t>
             </a:r>
             <a:r>
               <a:rPr lang="en-US" sz="1400" i="1" dirty="0">
@@ -14383,7 +13875,7 @@
                 </a:solidFill>
                 <a:cs typeface="Segoe UI" panose="020B0502040204020203" pitchFamily="34" charset="0"/>
               </a:rPr>
-              <a:t>, </a:t>
+              <a:t> Ay, </a:t>
             </a:r>
             <a:r>
               <a:rPr lang="en-US" sz="1400" dirty="0">
@@ -14395,7 +13887,7 @@
                 </a:solidFill>
                 <a:cs typeface="Segoe UI" panose="020B0502040204020203" pitchFamily="34" charset="0"/>
               </a:rPr>
-              <a:t>retrieved 12-JAN-21: </a:t>
+              <a:t>retrieved 12-JAN-21 - </a:t>
             </a:r>
             <a:r>
               <a:rPr lang="en-US" sz="1400" dirty="0">
@@ -14423,9 +13915,24 @@
           <a:p>
             <a:pPr>
               <a:lnSpc>
-                <a:spcPts val="1900"/>
+                <a:spcPct val="107000"/>
               </a:lnSpc>
+              <a:spcAft>
+                <a:spcPts val="800"/>
+              </a:spcAft>
             </a:pPr>
+            <a:r>
+              <a:rPr lang="en-US" sz="1400" dirty="0" err="1">
+                <a:solidFill>
+                  <a:schemeClr val="tx1">
+                    <a:lumMod val="75000"/>
+                    <a:lumOff val="25000"/>
+                  </a:schemeClr>
+                </a:solidFill>
+                <a:cs typeface="Segoe UI" panose="020B0502040204020203" pitchFamily="34" charset="0"/>
+              </a:rPr>
+              <a:t>TripleJ</a:t>
+            </a:r>
             <a:r>
               <a:rPr lang="en-US" sz="1400" dirty="0">
                 <a:solidFill>
@@ -14436,10 +13943,10 @@
                 </a:solidFill>
                 <a:cs typeface="Segoe UI" panose="020B0502040204020203" pitchFamily="34" charset="0"/>
               </a:rPr>
-              <a:t>Triple J Top 100 final ranking Database (1993 - 2017 ) (CSV) created by </a:t>
-            </a:r>
-            <a:r>
-              <a:rPr lang="en-US" sz="1400" dirty="0" err="1">
+              <a:t> Hottest 100 dataset (1993 - 2017) (CSV) consolidated by Kaggle user </a:t>
+            </a:r>
+            <a:r>
+              <a:rPr lang="en-AU" sz="1400" i="1" dirty="0">
                 <a:solidFill>
                   <a:schemeClr val="tx1">
                     <a:lumMod val="75000"/>
@@ -14448,7 +13955,7 @@
                 </a:solidFill>
                 <a:cs typeface="Segoe UI" panose="020B0502040204020203" pitchFamily="34" charset="0"/>
               </a:rPr>
-              <a:t>github</a:t>
+              <a:t>MJ</a:t>
             </a:r>
             <a:r>
               <a:rPr lang="en-US" sz="1400" dirty="0">
@@ -14460,53 +13967,37 @@
                 </a:solidFill>
                 <a:cs typeface="Segoe UI" panose="020B0502040204020203" pitchFamily="34" charset="0"/>
               </a:rPr>
-              <a:t> user </a:t>
-            </a:r>
-            <a:r>
-              <a:rPr lang="en-US" sz="1400" i="1" dirty="0" err="1">
+              <a:t>, retrieved 14-JAN-21 - </a:t>
+            </a:r>
+            <a:r>
+              <a:rPr lang="en-AU" sz="1400" u="none" strike="noStrike" dirty="0">
                 <a:solidFill>
-                  <a:schemeClr val="tx1">
-                    <a:lumMod val="75000"/>
-                    <a:lumOff val="25000"/>
-                  </a:schemeClr>
+                  <a:srgbClr val="0000FF"/>
                 </a:solidFill>
-                <a:cs typeface="Segoe UI" panose="020B0502040204020203" pitchFamily="34" charset="0"/>
-              </a:rPr>
-              <a:t>majames</a:t>
-            </a:r>
-            <a:r>
-              <a:rPr lang="en-US" sz="1400" dirty="0">
-                <a:solidFill>
-                  <a:schemeClr val="tx1">
-                    <a:lumMod val="75000"/>
-                    <a:lumOff val="25000"/>
-                  </a:schemeClr>
-                </a:solidFill>
-                <a:cs typeface="Segoe UI" panose="020B0502040204020203" pitchFamily="34" charset="0"/>
-              </a:rPr>
-              <a:t>, retrieved 14-JAN-21- </a:t>
-            </a:r>
-            <a:r>
-              <a:rPr lang="en-US" sz="1400" dirty="0">
-                <a:solidFill>
-                  <a:schemeClr val="tx1">
-                    <a:lumMod val="75000"/>
-                    <a:lumOff val="25000"/>
-                  </a:schemeClr>
-                </a:solidFill>
-                <a:cs typeface="Segoe UI" panose="020B0502040204020203" pitchFamily="34" charset="0"/>
+                <a:effectLst/>
+                <a:ea typeface="DengXian" panose="02010600030101010101" pitchFamily="2" charset="-122"/>
+                <a:cs typeface="Times New Roman" panose="02020603050405020304" pitchFamily="18" charset="0"/>
                 <a:hlinkClick r:id="rId5"/>
               </a:rPr>
-              <a:t>https://github.com/majames/hottest100/</a:t>
-            </a:r>
-            <a:endParaRPr lang="en-US" sz="1400" dirty="0">
+              <a:t>https://www.kaggle.com/mijames/jjj-hottest-100</a:t>
+            </a:r>
+            <a:br>
+              <a:rPr lang="en-AU" sz="1400" u="none" strike="noStrike" dirty="0">
+                <a:solidFill>
+                  <a:srgbClr val="0000FF"/>
+                </a:solidFill>
+                <a:effectLst/>
+                <a:ea typeface="DengXian" panose="02010600030101010101" pitchFamily="2" charset="-122"/>
+                <a:cs typeface="Times New Roman" panose="02020603050405020304" pitchFamily="18" charset="0"/>
+              </a:rPr>
+            </a:br>
+            <a:endParaRPr lang="en-AU" sz="1400" u="none" strike="noStrike" dirty="0">
               <a:solidFill>
-                <a:schemeClr val="tx1">
-                  <a:lumMod val="75000"/>
-                  <a:lumOff val="25000"/>
-                </a:schemeClr>
+                <a:srgbClr val="0000FF"/>
               </a:solidFill>
-              <a:cs typeface="Segoe UI" panose="020B0502040204020203" pitchFamily="34" charset="0"/>
+              <a:effectLst/>
+              <a:ea typeface="DengXian" panose="02010600030101010101" pitchFamily="2" charset="-122"/>
+              <a:cs typeface="Times New Roman" panose="02020603050405020304" pitchFamily="18" charset="0"/>
             </a:endParaRPr>
           </a:p>
           <a:p>
@@ -14515,84 +14006,8 @@
                 <a:spcPts val="1900"/>
               </a:lnSpc>
             </a:pPr>
-            <a:endParaRPr lang="en-AU" sz="1400" dirty="0">
-              <a:solidFill>
-                <a:schemeClr val="tx1">
-                  <a:lumMod val="75000"/>
-                  <a:lumOff val="25000"/>
-                </a:schemeClr>
-              </a:solidFill>
-              <a:cs typeface="Segoe UI" panose="020B0502040204020203" pitchFamily="34" charset="0"/>
-            </a:endParaRPr>
-          </a:p>
-          <a:p>
-            <a:pPr algn="ctr">
-              <a:lnSpc>
-                <a:spcPts val="1900"/>
-              </a:lnSpc>
-            </a:pPr>
-            <a:endParaRPr lang="en-US" sz="1400" dirty="0">
-              <a:solidFill>
-                <a:schemeClr val="tx1">
-                  <a:lumMod val="75000"/>
-                  <a:lumOff val="25000"/>
-                </a:schemeClr>
-              </a:solidFill>
-              <a:cs typeface="Segoe UI" panose="020B0502040204020203" pitchFamily="34" charset="0"/>
-            </a:endParaRPr>
-          </a:p>
-        </p:txBody>
-      </p:sp>
-      <p:sp>
-        <p:nvSpPr>
-          <p:cNvPr id="46" name="Rectangle 45">
-            <a:extLst>
-              <a:ext uri="{FF2B5EF4-FFF2-40B4-BE49-F238E27FC236}">
-                <a16:creationId xmlns:a16="http://schemas.microsoft.com/office/drawing/2014/main" id="{EB80C13B-0EB6-4ACD-A4C6-6523A578F99C}"/>
-              </a:ext>
-            </a:extLst>
-          </p:cNvPr>
-          <p:cNvSpPr/>
-          <p:nvPr/>
-        </p:nvSpPr>
-        <p:spPr>
-          <a:xfrm>
-            <a:off x="593925" y="2700517"/>
-            <a:ext cx="9431818" cy="3634585"/>
-          </a:xfrm>
-          <a:prstGeom prst="rect">
-            <a:avLst/>
-          </a:prstGeom>
-        </p:spPr>
-        <p:txBody>
-          <a:bodyPr wrap="square" lIns="0" tIns="0" rIns="0" bIns="0" numCol="2" anchor="t">
-            <a:spAutoFit/>
-          </a:bodyPr>
-          <a:lstStyle/>
-          <a:p>
-            <a:pPr>
-              <a:lnSpc>
-                <a:spcPts val="1900"/>
-              </a:lnSpc>
-            </a:pPr>
-            <a:endParaRPr lang="en-US" sz="1400" dirty="0">
-              <a:solidFill>
-                <a:schemeClr val="tx1">
-                  <a:lumMod val="75000"/>
-                  <a:lumOff val="25000"/>
-                </a:schemeClr>
-              </a:solidFill>
-              <a:cs typeface="Segoe UI" panose="020B0502040204020203" pitchFamily="34" charset="0"/>
-            </a:endParaRPr>
-          </a:p>
-          <a:p>
-            <a:pPr>
-              <a:lnSpc>
-                <a:spcPts val="1900"/>
-              </a:lnSpc>
-            </a:pPr>
-            <a:r>
-              <a:rPr lang="en-US" sz="1400" dirty="0">
+            <a:r>
+              <a:rPr lang="en-US" sz="1400" b="1" dirty="0">
                 <a:solidFill>
                   <a:schemeClr val="tx1">
                     <a:lumMod val="75000"/>
@@ -14663,7 +14078,7 @@
                 </a:solidFill>
                 <a:cs typeface="Segoe UI" panose="020B0502040204020203" pitchFamily="34" charset="0"/>
               </a:rPr>
-              <a:t>-Python 3.0 – Anaconda</a:t>
+              <a:t>-Pandas</a:t>
             </a:r>
           </a:p>
           <a:p>
@@ -14682,7 +14097,7 @@
                 </a:solidFill>
                 <a:cs typeface="Segoe UI" panose="020B0502040204020203" pitchFamily="34" charset="0"/>
               </a:rPr>
-              <a:t>-Pandas</a:t>
+              <a:t>-Python 3.0 – Anaconda</a:t>
             </a:r>
           </a:p>
           <a:p>
@@ -14691,6 +14106,17 @@
                 <a:spcPts val="1900"/>
               </a:lnSpc>
             </a:pPr>
+            <a:br>
+              <a:rPr lang="en-AU" sz="1400" dirty="0">
+                <a:solidFill>
+                  <a:schemeClr val="tx1">
+                    <a:lumMod val="75000"/>
+                    <a:lumOff val="25000"/>
+                  </a:schemeClr>
+                </a:solidFill>
+                <a:cs typeface="Segoe UI" panose="020B0502040204020203" pitchFamily="34" charset="0"/>
+              </a:rPr>
+            </a:br>
             <a:endParaRPr lang="en-AU" sz="1400" dirty="0">
               <a:solidFill>
                 <a:schemeClr val="tx1">
@@ -14708,6 +14134,47 @@
               </a:lnSpc>
             </a:pPr>
             <a:r>
+              <a:rPr lang="en-AU" sz="1400" b="1" dirty="0">
+                <a:solidFill>
+                  <a:schemeClr val="tx1">
+                    <a:lumMod val="75000"/>
+                    <a:lumOff val="25000"/>
+                  </a:schemeClr>
+                </a:solidFill>
+                <a:cs typeface="Segoe UI" panose="020B0502040204020203" pitchFamily="34" charset="0"/>
+              </a:rPr>
+              <a:t>Libraries &amp; Platforms:</a:t>
+            </a:r>
+          </a:p>
+          <a:p>
+            <a:pPr>
+              <a:lnSpc>
+                <a:spcPts val="1900"/>
+              </a:lnSpc>
+            </a:pPr>
+            <a:r>
+              <a:rPr lang="en-AU" sz="1400" dirty="0">
+                <a:cs typeface="Segoe UI" panose="020B0502040204020203" pitchFamily="34" charset="0"/>
+              </a:rPr>
+              <a:t>-</a:t>
+            </a:r>
+            <a:r>
+              <a:rPr lang="en-AU" sz="1400" dirty="0" err="1">
+                <a:cs typeface="Segoe UI" panose="020B0502040204020203" pitchFamily="34" charset="0"/>
+              </a:rPr>
+              <a:t>FuzzyWuzzy</a:t>
+            </a:r>
+            <a:endParaRPr lang="en-AU" sz="1400" dirty="0">
+              <a:cs typeface="Segoe UI" panose="020B0502040204020203" pitchFamily="34" charset="0"/>
+            </a:endParaRPr>
+          </a:p>
+          <a:p>
+            <a:pPr>
+              <a:lnSpc>
+                <a:spcPts val="1900"/>
+              </a:lnSpc>
+            </a:pPr>
+            <a:r>
               <a:rPr lang="en-AU" sz="1400" dirty="0">
                 <a:solidFill>
                   <a:schemeClr val="tx1">
@@ -14717,8 +14184,30 @@
                 </a:solidFill>
                 <a:cs typeface="Segoe UI" panose="020B0502040204020203" pitchFamily="34" charset="0"/>
               </a:rPr>
-              <a:t>Libraries &amp; Platforms:</a:t>
-            </a:r>
+              <a:t>-GitHub</a:t>
+            </a:r>
+          </a:p>
+          <a:p>
+            <a:pPr>
+              <a:lnSpc>
+                <a:spcPts val="1900"/>
+              </a:lnSpc>
+            </a:pPr>
+            <a:r>
+              <a:rPr lang="en-AU" sz="1400" dirty="0">
+                <a:cs typeface="Segoe UI" panose="020B0502040204020203" pitchFamily="34" charset="0"/>
+              </a:rPr>
+              <a:t>-</a:t>
+            </a:r>
+            <a:r>
+              <a:rPr lang="en-AU" sz="1400" dirty="0" err="1">
+                <a:cs typeface="Segoe UI" panose="020B0502040204020203" pitchFamily="34" charset="0"/>
+              </a:rPr>
+              <a:t>JellyFish</a:t>
+            </a:r>
+            <a:endParaRPr lang="en-AU" sz="1400" dirty="0">
+              <a:cs typeface="Segoe UI" panose="020B0502040204020203" pitchFamily="34" charset="0"/>
+            </a:endParaRPr>
           </a:p>
           <a:p>
             <a:pPr>
@@ -14755,146 +14244,7 @@
                 </a:solidFill>
                 <a:cs typeface="Segoe UI" panose="020B0502040204020203" pitchFamily="34" charset="0"/>
               </a:rPr>
-              <a:t>-</a:t>
-            </a:r>
-            <a:r>
-              <a:rPr lang="en-AU" sz="1400" dirty="0" err="1">
-                <a:solidFill>
-                  <a:schemeClr val="tx1">
-                    <a:lumMod val="75000"/>
-                    <a:lumOff val="25000"/>
-                  </a:schemeClr>
-                </a:solidFill>
-                <a:cs typeface="Segoe UI" panose="020B0502040204020203" pitchFamily="34" charset="0"/>
-              </a:rPr>
-              <a:t>SciPyStats</a:t>
-            </a:r>
-            <a:endParaRPr lang="en-AU" sz="1400" dirty="0">
-              <a:solidFill>
-                <a:schemeClr val="tx1">
-                  <a:lumMod val="75000"/>
-                  <a:lumOff val="25000"/>
-                </a:schemeClr>
-              </a:solidFill>
-              <a:cs typeface="Segoe UI" panose="020B0502040204020203" pitchFamily="34" charset="0"/>
-            </a:endParaRPr>
-          </a:p>
-          <a:p>
-            <a:pPr>
-              <a:lnSpc>
-                <a:spcPts val="1900"/>
-              </a:lnSpc>
-            </a:pPr>
-            <a:r>
-              <a:rPr lang="en-AU" sz="1400" dirty="0">
-                <a:solidFill>
-                  <a:schemeClr val="tx1">
-                    <a:lumMod val="75000"/>
-                    <a:lumOff val="25000"/>
-                  </a:schemeClr>
-                </a:solidFill>
-                <a:cs typeface="Segoe UI" panose="020B0502040204020203" pitchFamily="34" charset="0"/>
-              </a:rPr>
-              <a:t>-NumPy</a:t>
-            </a:r>
-          </a:p>
-          <a:p>
-            <a:pPr>
-              <a:lnSpc>
-                <a:spcPts val="1900"/>
-              </a:lnSpc>
-            </a:pPr>
-            <a:r>
-              <a:rPr lang="en-AU" sz="1400" dirty="0">
-                <a:solidFill>
-                  <a:schemeClr val="tx1">
-                    <a:lumMod val="75000"/>
-                    <a:lumOff val="25000"/>
-                  </a:schemeClr>
-                </a:solidFill>
-                <a:cs typeface="Segoe UI" panose="020B0502040204020203" pitchFamily="34" charset="0"/>
-              </a:rPr>
-              <a:t>-</a:t>
-            </a:r>
-            <a:r>
-              <a:rPr lang="en-AU" sz="1400" dirty="0" err="1">
-                <a:solidFill>
-                  <a:schemeClr val="tx1">
-                    <a:lumMod val="75000"/>
-                    <a:lumOff val="25000"/>
-                  </a:schemeClr>
-                </a:solidFill>
-                <a:cs typeface="Segoe UI" panose="020B0502040204020203" pitchFamily="34" charset="0"/>
-              </a:rPr>
-              <a:t>FuzzyWuzzy</a:t>
-            </a:r>
-            <a:endParaRPr lang="en-AU" sz="1400" dirty="0">
-              <a:solidFill>
-                <a:schemeClr val="tx1">
-                  <a:lumMod val="75000"/>
-                  <a:lumOff val="25000"/>
-                </a:schemeClr>
-              </a:solidFill>
-              <a:cs typeface="Segoe UI" panose="020B0502040204020203" pitchFamily="34" charset="0"/>
-            </a:endParaRPr>
-          </a:p>
-          <a:p>
-            <a:pPr>
-              <a:lnSpc>
-                <a:spcPts val="1900"/>
-              </a:lnSpc>
-            </a:pPr>
-            <a:r>
-              <a:rPr lang="en-AU" sz="1400" dirty="0">
-                <a:solidFill>
-                  <a:schemeClr val="tx1">
-                    <a:lumMod val="75000"/>
-                    <a:lumOff val="25000"/>
-                  </a:schemeClr>
-                </a:solidFill>
-                <a:cs typeface="Segoe UI" panose="020B0502040204020203" pitchFamily="34" charset="0"/>
-              </a:rPr>
-              <a:t>-</a:t>
-            </a:r>
-            <a:r>
-              <a:rPr lang="en-AU" sz="1400" dirty="0" err="1">
-                <a:solidFill>
-                  <a:schemeClr val="tx1">
-                    <a:lumMod val="75000"/>
-                    <a:lumOff val="25000"/>
-                  </a:schemeClr>
-                </a:solidFill>
-                <a:cs typeface="Segoe UI" panose="020B0502040204020203" pitchFamily="34" charset="0"/>
-              </a:rPr>
-              <a:t>JellyFish</a:t>
-            </a:r>
-            <a:endParaRPr lang="en-AU" sz="1400" dirty="0">
-              <a:solidFill>
-                <a:schemeClr val="tx1">
-                  <a:lumMod val="75000"/>
-                  <a:lumOff val="25000"/>
-                </a:schemeClr>
-              </a:solidFill>
-              <a:cs typeface="Segoe UI" panose="020B0502040204020203" pitchFamily="34" charset="0"/>
-            </a:endParaRPr>
-          </a:p>
-          <a:p>
-            <a:pPr>
-              <a:lnSpc>
-                <a:spcPts val="1900"/>
-              </a:lnSpc>
-            </a:pPr>
-            <a:r>
-              <a:rPr lang="en-AU" sz="1400" dirty="0">
-                <a:solidFill>
-                  <a:schemeClr val="tx1">
-                    <a:lumMod val="75000"/>
-                    <a:lumOff val="25000"/>
-                  </a:schemeClr>
-                </a:solidFill>
-                <a:cs typeface="Segoe UI" panose="020B0502040204020203" pitchFamily="34" charset="0"/>
-              </a:rPr>
-              <a:t>-Microsoft Office (Excel, Word, </a:t>
+              <a:t>-Microsoft Office (Excel, </a:t>
             </a:r>
             <a:r>
               <a:rPr lang="en-AU" sz="1400" dirty="0" err="1">
@@ -14918,7 +14268,7 @@
                 </a:solidFill>
                 <a:cs typeface="Segoe UI" panose="020B0502040204020203" pitchFamily="34" charset="0"/>
               </a:rPr>
-              <a:t>)</a:t>
+              <a:t>, Word)</a:t>
             </a:r>
           </a:p>
           <a:p>
@@ -14937,165 +14287,11 @@
                 </a:solidFill>
                 <a:cs typeface="Segoe UI" panose="020B0502040204020203" pitchFamily="34" charset="0"/>
               </a:rPr>
-              <a:t>-GitHub</a:t>
-            </a:r>
-          </a:p>
-          <a:p>
-            <a:pPr>
-              <a:lnSpc>
-                <a:spcPts val="1900"/>
-              </a:lnSpc>
-            </a:pPr>
+              <a:t>-SciPy Stats</a:t>
+            </a:r>
             <a:endParaRPr lang="en-AU" sz="1400" dirty="0">
               <a:solidFill>
-                <a:schemeClr val="tx1">
-                  <a:lumMod val="75000"/>
-                  <a:lumOff val="25000"/>
-                </a:schemeClr>
-              </a:solidFill>
-              <a:cs typeface="Segoe UI" panose="020B0502040204020203" pitchFamily="34" charset="0"/>
-            </a:endParaRPr>
-          </a:p>
-          <a:p>
-            <a:pPr>
-              <a:lnSpc>
-                <a:spcPts val="1900"/>
-              </a:lnSpc>
-            </a:pPr>
-            <a:endParaRPr lang="en-AU" sz="1400" dirty="0">
-              <a:solidFill>
-                <a:schemeClr val="tx1">
-                  <a:lumMod val="75000"/>
-                  <a:lumOff val="25000"/>
-                </a:schemeClr>
-              </a:solidFill>
-              <a:cs typeface="Segoe UI" panose="020B0502040204020203" pitchFamily="34" charset="0"/>
-            </a:endParaRPr>
-          </a:p>
-          <a:p>
-            <a:pPr>
-              <a:lnSpc>
-                <a:spcPts val="1900"/>
-              </a:lnSpc>
-            </a:pPr>
-            <a:endParaRPr lang="en-AU" sz="1400" dirty="0">
-              <a:solidFill>
-                <a:schemeClr val="tx1">
-                  <a:lumMod val="75000"/>
-                  <a:lumOff val="25000"/>
-                </a:schemeClr>
-              </a:solidFill>
-              <a:cs typeface="Segoe UI" panose="020B0502040204020203" pitchFamily="34" charset="0"/>
-            </a:endParaRPr>
-          </a:p>
-          <a:p>
-            <a:pPr>
-              <a:lnSpc>
-                <a:spcPts val="1900"/>
-              </a:lnSpc>
-            </a:pPr>
-            <a:endParaRPr lang="en-AU" sz="1400" dirty="0">
-              <a:solidFill>
-                <a:schemeClr val="tx1">
-                  <a:lumMod val="75000"/>
-                  <a:lumOff val="25000"/>
-                </a:schemeClr>
-              </a:solidFill>
-              <a:cs typeface="Segoe UI" panose="020B0502040204020203" pitchFamily="34" charset="0"/>
-            </a:endParaRPr>
-          </a:p>
-          <a:p>
-            <a:pPr>
-              <a:lnSpc>
-                <a:spcPts val="1900"/>
-              </a:lnSpc>
-            </a:pPr>
-            <a:endParaRPr lang="en-AU" sz="1400" dirty="0">
-              <a:solidFill>
-                <a:schemeClr val="tx1">
-                  <a:lumMod val="75000"/>
-                  <a:lumOff val="25000"/>
-                </a:schemeClr>
-              </a:solidFill>
-              <a:cs typeface="Segoe UI" panose="020B0502040204020203" pitchFamily="34" charset="0"/>
-            </a:endParaRPr>
-          </a:p>
-          <a:p>
-            <a:pPr>
-              <a:lnSpc>
-                <a:spcPts val="1900"/>
-              </a:lnSpc>
-            </a:pPr>
-            <a:endParaRPr lang="en-AU" sz="1400" dirty="0">
-              <a:solidFill>
-                <a:schemeClr val="tx1">
-                  <a:lumMod val="75000"/>
-                  <a:lumOff val="25000"/>
-                </a:schemeClr>
-              </a:solidFill>
-              <a:cs typeface="Segoe UI" panose="020B0502040204020203" pitchFamily="34" charset="0"/>
-            </a:endParaRPr>
-          </a:p>
-          <a:p>
-            <a:pPr>
-              <a:lnSpc>
-                <a:spcPts val="1900"/>
-              </a:lnSpc>
-            </a:pPr>
-            <a:endParaRPr lang="en-AU" sz="1400" dirty="0">
-              <a:solidFill>
-                <a:schemeClr val="tx1">
-                  <a:lumMod val="75000"/>
-                  <a:lumOff val="25000"/>
-                </a:schemeClr>
-              </a:solidFill>
-              <a:cs typeface="Segoe UI" panose="020B0502040204020203" pitchFamily="34" charset="0"/>
-            </a:endParaRPr>
-          </a:p>
-          <a:p>
-            <a:pPr>
-              <a:lnSpc>
-                <a:spcPts val="1900"/>
-              </a:lnSpc>
-            </a:pPr>
-            <a:endParaRPr lang="en-AU" sz="1400" dirty="0">
-              <a:solidFill>
-                <a:schemeClr val="tx1">
-                  <a:lumMod val="75000"/>
-                  <a:lumOff val="25000"/>
-                </a:schemeClr>
-              </a:solidFill>
-              <a:cs typeface="Segoe UI" panose="020B0502040204020203" pitchFamily="34" charset="0"/>
-            </a:endParaRPr>
-          </a:p>
-          <a:p>
-            <a:pPr>
-              <a:lnSpc>
-                <a:spcPts val="1900"/>
-              </a:lnSpc>
-            </a:pPr>
-            <a:endParaRPr lang="en-AU" sz="1400" dirty="0">
-              <a:solidFill>
-                <a:schemeClr val="tx1">
-                  <a:lumMod val="75000"/>
-                  <a:lumOff val="25000"/>
-                </a:schemeClr>
-              </a:solidFill>
-              <a:cs typeface="Segoe UI" panose="020B0502040204020203" pitchFamily="34" charset="0"/>
-            </a:endParaRPr>
-          </a:p>
-          <a:p>
-            <a:pPr algn="ctr">
-              <a:lnSpc>
-                <a:spcPts val="1900"/>
-              </a:lnSpc>
-            </a:pPr>
-            <a:endParaRPr lang="en-US" sz="1400" dirty="0">
-              <a:solidFill>
-                <a:schemeClr val="tx1">
-                  <a:lumMod val="75000"/>
-                  <a:lumOff val="25000"/>
-                </a:schemeClr>
+                <a:srgbClr val="FF0000"/>
               </a:solidFill>
               <a:cs typeface="Segoe UI" panose="020B0502040204020203" pitchFamily="34" charset="0"/>
             </a:endParaRPr>
@@ -15115,7 +14311,7 @@
 </p:sld>
 </file>
 
-<file path=ppt/slides/slide17.xml><?xml version="1.0" encoding="utf-8"?>
+<file path=ppt/slides/slide16.xml><?xml version="1.0" encoding="utf-8"?>
 <p:sld xmlns:a="http://schemas.openxmlformats.org/drawingml/2006/main" xmlns:r="http://schemas.openxmlformats.org/officeDocument/2006/relationships" xmlns:p="http://schemas.openxmlformats.org/presentationml/2006/main">
   <p:cSld>
     <p:bg>
@@ -15458,8 +14654,8 @@
         </p:nvCxnSpPr>
         <p:spPr>
           <a:xfrm>
-            <a:off x="8105775" y="522898"/>
-            <a:ext cx="4086225" cy="0"/>
+            <a:off x="7693025" y="522898"/>
+            <a:ext cx="4498975" cy="0"/>
           </a:xfrm>
           <a:prstGeom prst="line">
             <a:avLst/>
@@ -15504,8 +14700,8 @@
         </p:nvSpPr>
         <p:spPr>
           <a:xfrm>
-            <a:off x="228600" y="190500"/>
-            <a:ext cx="11734800" cy="775597"/>
+            <a:off x="228600" y="238626"/>
+            <a:ext cx="11734800" cy="387798"/>
           </a:xfrm>
           <a:prstGeom prst="rect">
             <a:avLst/>
@@ -15547,16 +14743,6 @@
               </a:rPr>
               <a:t>Introduction</a:t>
             </a:r>
-            <a:br>
-              <a:rPr lang="en-US" sz="2800" dirty="0">
-                <a:solidFill>
-                  <a:schemeClr val="tx1">
-                    <a:lumMod val="75000"/>
-                    <a:lumOff val="25000"/>
-                  </a:schemeClr>
-                </a:solidFill>
-              </a:rPr>
-            </a:br>
             <a:endParaRPr lang="en-US" sz="2800" dirty="0">
               <a:solidFill>
                 <a:schemeClr val="tx1">
@@ -15588,7 +14774,7 @@
         <p:spPr>
           <a:xfrm>
             <a:off x="0" y="522898"/>
-            <a:ext cx="4086225" cy="0"/>
+            <a:ext cx="4498975" cy="0"/>
           </a:xfrm>
           <a:prstGeom prst="line">
             <a:avLst/>
@@ -19256,8 +18442,8 @@
         </p:nvCxnSpPr>
         <p:spPr>
           <a:xfrm>
-            <a:off x="8105775" y="522898"/>
-            <a:ext cx="4086225" cy="0"/>
+            <a:off x="7477125" y="522898"/>
+            <a:ext cx="4714875" cy="0"/>
           </a:xfrm>
           <a:prstGeom prst="line">
             <a:avLst/>
@@ -19302,8 +18488,8 @@
         </p:nvSpPr>
         <p:spPr>
           <a:xfrm>
-            <a:off x="228600" y="190500"/>
-            <a:ext cx="11734800" cy="775597"/>
+            <a:off x="228600" y="238626"/>
+            <a:ext cx="11734800" cy="387798"/>
           </a:xfrm>
           <a:prstGeom prst="rect">
             <a:avLst/>
@@ -19345,16 +18531,6 @@
               </a:rPr>
               <a:t>Questions</a:t>
             </a:r>
-            <a:br>
-              <a:rPr lang="en-US" sz="2800" dirty="0">
-                <a:solidFill>
-                  <a:schemeClr val="tx1">
-                    <a:lumMod val="75000"/>
-                    <a:lumOff val="25000"/>
-                  </a:schemeClr>
-                </a:solidFill>
-              </a:rPr>
-            </a:br>
             <a:endParaRPr lang="en-US" sz="2800" dirty="0">
               <a:solidFill>
                 <a:schemeClr val="tx1">
@@ -19386,7 +18562,7 @@
         <p:spPr>
           <a:xfrm>
             <a:off x="0" y="522898"/>
-            <a:ext cx="4086225" cy="0"/>
+            <a:ext cx="4714875" cy="0"/>
           </a:xfrm>
           <a:prstGeom prst="line">
             <a:avLst/>
@@ -19690,8 +18866,8 @@
         </p:nvSpPr>
         <p:spPr>
           <a:xfrm>
-            <a:off x="1968349" y="1813375"/>
-            <a:ext cx="2428875" cy="974626"/>
+            <a:off x="1301259" y="1813375"/>
+            <a:ext cx="2955286" cy="974626"/>
           </a:xfrm>
           <a:prstGeom prst="rect">
             <a:avLst/>
@@ -19718,7 +18894,7 @@
                 </a:solidFill>
                 <a:cs typeface="Segoe UI" panose="020B0502040204020203" pitchFamily="34" charset="0"/>
               </a:rPr>
-              <a:t>What makes a song a Triple J Top 100 Winner?</a:t>
+              <a:t>What makes a song a Hottest 100 Winner?</a:t>
             </a:r>
           </a:p>
           <a:p>
@@ -19737,7 +18913,7 @@
                 </a:solidFill>
                 <a:cs typeface="Segoe UI" panose="020B0502040204020203" pitchFamily="34" charset="0"/>
               </a:rPr>
-              <a:t>Looking into Valence and Danceability.  </a:t>
+              <a:t>Looking into Valence and Danceability  </a:t>
             </a:r>
           </a:p>
         </p:txBody>
@@ -19756,7 +18932,7 @@
         </p:nvSpPr>
         <p:spPr>
           <a:xfrm>
-            <a:off x="7794776" y="1870467"/>
+            <a:off x="7974533" y="1806896"/>
             <a:ext cx="2428875" cy="1218282"/>
           </a:xfrm>
           <a:prstGeom prst="rect">
@@ -19784,7 +18960,7 @@
                 </a:solidFill>
                 <a:cs typeface="Segoe UI" panose="020B0502040204020203" pitchFamily="34" charset="0"/>
               </a:rPr>
-              <a:t>When are hits released?</a:t>
+              <a:t>When is the perfect time to release a song?</a:t>
             </a:r>
           </a:p>
           <a:p>
@@ -19803,7 +18979,7 @@
                 </a:solidFill>
                 <a:cs typeface="Segoe UI" panose="020B0502040204020203" pitchFamily="34" charset="0"/>
               </a:rPr>
-              <a:t>Research the relation between time of release and Hottest 100 performance</a:t>
+              <a:t>Research the relation between time of release and Hottest 100</a:t>
             </a:r>
           </a:p>
         </p:txBody>
@@ -19822,7 +18998,7 @@
         </p:nvSpPr>
         <p:spPr>
           <a:xfrm>
-            <a:off x="2043112" y="5229137"/>
+            <a:off x="1827670" y="5160062"/>
             <a:ext cx="2428875" cy="1461939"/>
           </a:xfrm>
           <a:prstGeom prst="rect">
@@ -19850,7 +19026,7 @@
                 </a:solidFill>
                 <a:cs typeface="Segoe UI" panose="020B0502040204020203" pitchFamily="34" charset="0"/>
               </a:rPr>
-              <a:t>What Australian songs do Australians vote?</a:t>
+              <a:t>What Australian songs do Australians’ vote?</a:t>
             </a:r>
           </a:p>
           <a:p>
@@ -19860,7 +19036,7 @@
               </a:lnSpc>
             </a:pPr>
             <a:r>
-              <a:rPr lang="en-US" dirty="0" err="1">
+              <a:rPr lang="en-AU" dirty="0">
                 <a:solidFill>
                   <a:schemeClr val="tx1">
                     <a:lumMod val="75000"/>
@@ -19940,7 +19116,7 @@
         </p:nvSpPr>
         <p:spPr>
           <a:xfrm>
-            <a:off x="7721990" y="5229136"/>
+            <a:off x="7965097" y="5150278"/>
             <a:ext cx="2428875" cy="1218282"/>
           </a:xfrm>
           <a:prstGeom prst="rect">
@@ -19968,7 +19144,7 @@
                 </a:solidFill>
                 <a:cs typeface="Segoe UI" panose="020B0502040204020203" pitchFamily="34" charset="0"/>
               </a:rPr>
-              <a:t>Do Australians like long songs?</a:t>
+              <a:t>Do Australians prefer long songs?</a:t>
             </a:r>
           </a:p>
           <a:p>
@@ -19987,7 +19163,7 @@
                 </a:solidFill>
                 <a:cs typeface="Segoe UI" panose="020B0502040204020203" pitchFamily="34" charset="0"/>
               </a:rPr>
-              <a:t>Determine if song length affects ranking performance.</a:t>
+              <a:t>Determine if song length affects ranking performance</a:t>
             </a:r>
           </a:p>
         </p:txBody>
@@ -20229,8 +19405,8 @@
         </p:nvCxnSpPr>
         <p:spPr>
           <a:xfrm>
-            <a:off x="8105775" y="522898"/>
-            <a:ext cx="4086225" cy="0"/>
+            <a:off x="7829550" y="522898"/>
+            <a:ext cx="4362450" cy="0"/>
           </a:xfrm>
           <a:prstGeom prst="line">
             <a:avLst/>
@@ -20275,8 +19451,8 @@
         </p:nvSpPr>
         <p:spPr>
           <a:xfrm>
-            <a:off x="228600" y="190500"/>
-            <a:ext cx="11734800" cy="664797"/>
+            <a:off x="228600" y="238626"/>
+            <a:ext cx="11734800" cy="387798"/>
           </a:xfrm>
           <a:prstGeom prst="rect">
             <a:avLst/>
@@ -20318,27 +19494,6 @@
               </a:rPr>
               <a:t>Data Sources</a:t>
             </a:r>
-            <a:br>
-              <a:rPr lang="en-US" sz="2800" dirty="0">
-                <a:solidFill>
-                  <a:schemeClr val="tx1">
-                    <a:lumMod val="75000"/>
-                    <a:lumOff val="25000"/>
-                  </a:schemeClr>
-                </a:solidFill>
-              </a:rPr>
-            </a:br>
-            <a:r>
-              <a:rPr lang="en-US" sz="2000" dirty="0">
-                <a:solidFill>
-                  <a:schemeClr val="tx1">
-                    <a:lumMod val="75000"/>
-                    <a:lumOff val="25000"/>
-                  </a:schemeClr>
-                </a:solidFill>
-              </a:rPr>
-              <a:t> </a:t>
-            </a:r>
             <a:endParaRPr lang="en-US" sz="2800" dirty="0">
               <a:solidFill>
                 <a:schemeClr val="tx1">
@@ -20370,7 +19525,7 @@
         <p:spPr>
           <a:xfrm>
             <a:off x="0" y="522898"/>
-            <a:ext cx="4086225" cy="0"/>
+            <a:ext cx="4371975" cy="0"/>
           </a:xfrm>
           <a:prstGeom prst="line">
             <a:avLst/>
@@ -20450,7 +19605,7 @@
           <a:p>
             <a:pPr algn="ctr"/>
             <a:r>
-              <a:rPr lang="en-US" b="1" dirty="0">
+              <a:rPr lang="en-US" sz="2000" b="1" dirty="0">
                 <a:latin typeface="+mj-lt"/>
               </a:rPr>
               <a:t>STRENGHTS</a:t>
@@ -20509,7 +19664,7 @@
           <a:p>
             <a:pPr algn="ctr"/>
             <a:r>
-              <a:rPr lang="en-US" b="1" dirty="0">
+              <a:rPr lang="en-US" sz="2000" b="1" dirty="0">
                 <a:latin typeface="+mj-lt"/>
               </a:rPr>
               <a:t>CHALLENGES</a:t>
@@ -20568,7 +19723,7 @@
           <a:p>
             <a:pPr algn="ctr"/>
             <a:r>
-              <a:rPr lang="en-US" b="1" dirty="0">
+              <a:rPr lang="en-US" sz="2000" b="1" dirty="0">
                 <a:latin typeface="+mj-lt"/>
               </a:rPr>
               <a:t>SPOTIFY</a:t>
@@ -20627,7 +19782,7 @@
           <a:p>
             <a:pPr algn="ctr"/>
             <a:r>
-              <a:rPr lang="en-US" b="1" dirty="0">
+              <a:rPr lang="en-US" sz="2000" b="1" dirty="0">
                 <a:latin typeface="+mj-lt"/>
               </a:rPr>
               <a:t>TRIPLE J</a:t>
@@ -20741,8 +19896,8 @@
         </p:nvSpPr>
         <p:spPr>
           <a:xfrm>
-            <a:off x="1632408" y="2604468"/>
-            <a:ext cx="4162870" cy="1169551"/>
+            <a:off x="1597238" y="2639638"/>
+            <a:ext cx="4162870" cy="1538883"/>
           </a:xfrm>
           <a:prstGeom prst="rect">
             <a:avLst/>
@@ -20774,7 +19929,7 @@
                 </a:solidFill>
                 <a:cs typeface="Segoe UI" panose="020B0502040204020203" pitchFamily="34" charset="0"/>
               </a:rPr>
-              <a:t>Reflects Australian tastes in Music</a:t>
+              <a:t>Manageable size for a robust sample (2500 lines/25 years)</a:t>
             </a:r>
           </a:p>
           <a:p>
@@ -20798,7 +19953,7 @@
                 </a:solidFill>
                 <a:cs typeface="Segoe UI" panose="020B0502040204020203" pitchFamily="34" charset="0"/>
               </a:rPr>
-              <a:t>Manageable size for a robust sample (2500 lines/25 years)</a:t>
+              <a:t>Reflects Australian tastes in Music</a:t>
             </a:r>
           </a:p>
           <a:p>
@@ -20822,82 +19977,6 @@
               <a:cs typeface="Segoe UI" panose="020B0502040204020203" pitchFamily="34" charset="0"/>
             </a:endParaRPr>
           </a:p>
-        </p:txBody>
-      </p:sp>
-      <p:sp>
-        <p:nvSpPr>
-          <p:cNvPr id="40" name="Rectangle 39">
-            <a:extLst>
-              <a:ext uri="{FF2B5EF4-FFF2-40B4-BE49-F238E27FC236}">
-                <a16:creationId xmlns:a16="http://schemas.microsoft.com/office/drawing/2014/main" id="{5842CE6B-862D-4B18-B10B-3436A7D24058}"/>
-              </a:ext>
-            </a:extLst>
-          </p:cNvPr>
-          <p:cNvSpPr/>
-          <p:nvPr/>
-        </p:nvSpPr>
-        <p:spPr>
-          <a:xfrm>
-            <a:off x="6716039" y="2604468"/>
-            <a:ext cx="4162870" cy="1169551"/>
-          </a:xfrm>
-          <a:prstGeom prst="rect">
-            <a:avLst/>
-          </a:prstGeom>
-        </p:spPr>
-        <p:txBody>
-          <a:bodyPr wrap="square" lIns="0" tIns="0" rIns="0" bIns="0" anchor="t">
-            <a:spAutoFit/>
-          </a:bodyPr>
-          <a:lstStyle/>
-          <a:p>
-            <a:pPr marL="171450" indent="-171450">
-              <a:spcBef>
-                <a:spcPts val="1200"/>
-              </a:spcBef>
-              <a:buClr>
-                <a:schemeClr val="tx2"/>
-              </a:buClr>
-              <a:buFont typeface="Segoe UI Light" panose="020B0502040204020203" pitchFamily="34" charset="0"/>
-              <a:buChar char="›"/>
-            </a:pPr>
-            <a:r>
-              <a:rPr lang="en-US" sz="1400" dirty="0">
-                <a:solidFill>
-                  <a:schemeClr val="tx1">
-                    <a:lumMod val="75000"/>
-                    <a:lumOff val="25000"/>
-                  </a:schemeClr>
-                </a:solidFill>
-                <a:cs typeface="Segoe UI" panose="020B0502040204020203" pitchFamily="34" charset="0"/>
-              </a:rPr>
-              <a:t>Artist and song titles recorded using own notation.</a:t>
-            </a:r>
-          </a:p>
-          <a:p>
-            <a:pPr marL="171450" indent="-171450">
-              <a:spcBef>
-                <a:spcPts val="1200"/>
-              </a:spcBef>
-              <a:buClr>
-                <a:schemeClr val="tx2"/>
-              </a:buClr>
-              <a:buFont typeface="Segoe UI Light" panose="020B0502040204020203" pitchFamily="34" charset="0"/>
-              <a:buChar char="›"/>
-            </a:pPr>
-            <a:r>
-              <a:rPr lang="en-US" sz="1400" dirty="0">
-                <a:solidFill>
-                  <a:schemeClr val="tx1">
-                    <a:lumMod val="75000"/>
-                    <a:lumOff val="25000"/>
-                  </a:schemeClr>
-                </a:solidFill>
-                <a:cs typeface="Segoe UI" panose="020B0502040204020203" pitchFamily="34" charset="0"/>
-              </a:rPr>
-              <a:t>Heavily biased towards Australian and Alternative artists</a:t>
-            </a:r>
-          </a:p>
           <a:p>
             <a:pPr marL="171450" indent="-171450">
               <a:spcBef>
@@ -20923,10 +20002,10 @@
       </p:sp>
       <p:sp>
         <p:nvSpPr>
-          <p:cNvPr id="41" name="Rectangle 40">
-            <a:extLst>
-              <a:ext uri="{FF2B5EF4-FFF2-40B4-BE49-F238E27FC236}">
-                <a16:creationId xmlns:a16="http://schemas.microsoft.com/office/drawing/2014/main" id="{D130C0AE-B52E-4C65-A461-AD2F7D2362DE}"/>
+          <p:cNvPr id="40" name="Rectangle 39">
+            <a:extLst>
+              <a:ext uri="{FF2B5EF4-FFF2-40B4-BE49-F238E27FC236}">
+                <a16:creationId xmlns:a16="http://schemas.microsoft.com/office/drawing/2014/main" id="{5842CE6B-862D-4B18-B10B-3436A7D24058}"/>
               </a:ext>
             </a:extLst>
           </p:cNvPr>
@@ -20935,8 +20014,8 @@
         </p:nvSpPr>
         <p:spPr>
           <a:xfrm>
-            <a:off x="1632408" y="4710220"/>
-            <a:ext cx="4162870" cy="584775"/>
+            <a:off x="6663284" y="2639638"/>
+            <a:ext cx="4162870" cy="1169551"/>
           </a:xfrm>
           <a:prstGeom prst="rect">
             <a:avLst/>
@@ -20968,7 +20047,7 @@
                 </a:solidFill>
                 <a:cs typeface="Segoe UI" panose="020B0502040204020203" pitchFamily="34" charset="0"/>
               </a:rPr>
-              <a:t>Data for over 170K tracks.</a:t>
+              <a:t>Artist and song titles recorded using own notation</a:t>
             </a:r>
           </a:p>
           <a:p>
@@ -20992,37 +20071,9 @@
                 </a:solidFill>
                 <a:cs typeface="Segoe UI" panose="020B0502040204020203" pitchFamily="34" charset="0"/>
               </a:rPr>
-              <a:t>Technical track analysis – extensive and consistent</a:t>
-            </a:r>
-          </a:p>
-        </p:txBody>
-      </p:sp>
-      <p:sp>
-        <p:nvSpPr>
-          <p:cNvPr id="42" name="Rectangle 41">
-            <a:extLst>
-              <a:ext uri="{FF2B5EF4-FFF2-40B4-BE49-F238E27FC236}">
-                <a16:creationId xmlns:a16="http://schemas.microsoft.com/office/drawing/2014/main" id="{6E783ACB-62DF-4DA3-9240-822BAEA78497}"/>
-              </a:ext>
-            </a:extLst>
-          </p:cNvPr>
-          <p:cNvSpPr/>
-          <p:nvPr/>
-        </p:nvSpPr>
-        <p:spPr>
-          <a:xfrm>
-            <a:off x="6716039" y="4710220"/>
-            <a:ext cx="4162870" cy="584775"/>
-          </a:xfrm>
-          <a:prstGeom prst="rect">
-            <a:avLst/>
-          </a:prstGeom>
-        </p:spPr>
-        <p:txBody>
-          <a:bodyPr wrap="square" lIns="0" tIns="0" rIns="0" bIns="0" anchor="t">
-            <a:spAutoFit/>
-          </a:bodyPr>
-          <a:lstStyle/>
+              <a:t>Heavily biased towards Australian and Alternative artists</a:t>
+            </a:r>
+          </a:p>
           <a:p>
             <a:pPr marL="171450" indent="-171450">
               <a:spcBef>
@@ -21034,6 +20085,131 @@
               <a:buFont typeface="Segoe UI Light" panose="020B0502040204020203" pitchFamily="34" charset="0"/>
               <a:buChar char="›"/>
             </a:pPr>
+            <a:endParaRPr lang="en-US" sz="1400" dirty="0">
+              <a:solidFill>
+                <a:schemeClr val="tx1">
+                  <a:lumMod val="75000"/>
+                  <a:lumOff val="25000"/>
+                </a:schemeClr>
+              </a:solidFill>
+              <a:cs typeface="Segoe UI" panose="020B0502040204020203" pitchFamily="34" charset="0"/>
+            </a:endParaRPr>
+          </a:p>
+        </p:txBody>
+      </p:sp>
+      <p:sp>
+        <p:nvSpPr>
+          <p:cNvPr id="41" name="Rectangle 40">
+            <a:extLst>
+              <a:ext uri="{FF2B5EF4-FFF2-40B4-BE49-F238E27FC236}">
+                <a16:creationId xmlns:a16="http://schemas.microsoft.com/office/drawing/2014/main" id="{D130C0AE-B52E-4C65-A461-AD2F7D2362DE}"/>
+              </a:ext>
+            </a:extLst>
+          </p:cNvPr>
+          <p:cNvSpPr/>
+          <p:nvPr/>
+        </p:nvSpPr>
+        <p:spPr>
+          <a:xfrm>
+            <a:off x="1614823" y="4815730"/>
+            <a:ext cx="4162870" cy="584775"/>
+          </a:xfrm>
+          <a:prstGeom prst="rect">
+            <a:avLst/>
+          </a:prstGeom>
+        </p:spPr>
+        <p:txBody>
+          <a:bodyPr wrap="square" lIns="0" tIns="0" rIns="0" bIns="0" anchor="t">
+            <a:spAutoFit/>
+          </a:bodyPr>
+          <a:lstStyle/>
+          <a:p>
+            <a:pPr marL="171450" indent="-171450">
+              <a:spcBef>
+                <a:spcPts val="1200"/>
+              </a:spcBef>
+              <a:buClr>
+                <a:schemeClr val="tx2"/>
+              </a:buClr>
+              <a:buFont typeface="Segoe UI Light" panose="020B0502040204020203" pitchFamily="34" charset="0"/>
+              <a:buChar char="›"/>
+            </a:pPr>
+            <a:r>
+              <a:rPr lang="en-US" sz="1400" dirty="0">
+                <a:solidFill>
+                  <a:schemeClr val="tx1">
+                    <a:lumMod val="75000"/>
+                    <a:lumOff val="25000"/>
+                  </a:schemeClr>
+                </a:solidFill>
+                <a:cs typeface="Segoe UI" panose="020B0502040204020203" pitchFamily="34" charset="0"/>
+              </a:rPr>
+              <a:t>Data for over 170K tracks</a:t>
+            </a:r>
+          </a:p>
+          <a:p>
+            <a:pPr marL="171450" indent="-171450">
+              <a:spcBef>
+                <a:spcPts val="1200"/>
+              </a:spcBef>
+              <a:buClr>
+                <a:schemeClr val="tx2"/>
+              </a:buClr>
+              <a:buFont typeface="Segoe UI Light" panose="020B0502040204020203" pitchFamily="34" charset="0"/>
+              <a:buChar char="›"/>
+            </a:pPr>
+            <a:r>
+              <a:rPr lang="en-US" sz="1400" dirty="0">
+                <a:solidFill>
+                  <a:schemeClr val="tx1">
+                    <a:lumMod val="75000"/>
+                    <a:lumOff val="25000"/>
+                  </a:schemeClr>
+                </a:solidFill>
+                <a:cs typeface="Segoe UI" panose="020B0502040204020203" pitchFamily="34" charset="0"/>
+              </a:rPr>
+              <a:t>Technical track analysis – extensive and consistent</a:t>
+            </a:r>
+          </a:p>
+        </p:txBody>
+      </p:sp>
+      <p:sp>
+        <p:nvSpPr>
+          <p:cNvPr id="42" name="Rectangle 41">
+            <a:extLst>
+              <a:ext uri="{FF2B5EF4-FFF2-40B4-BE49-F238E27FC236}">
+                <a16:creationId xmlns:a16="http://schemas.microsoft.com/office/drawing/2014/main" id="{6E783ACB-62DF-4DA3-9240-822BAEA78497}"/>
+              </a:ext>
+            </a:extLst>
+          </p:cNvPr>
+          <p:cNvSpPr/>
+          <p:nvPr/>
+        </p:nvSpPr>
+        <p:spPr>
+          <a:xfrm>
+            <a:off x="6663284" y="4798145"/>
+            <a:ext cx="4162870" cy="646331"/>
+          </a:xfrm>
+          <a:prstGeom prst="rect">
+            <a:avLst/>
+          </a:prstGeom>
+        </p:spPr>
+        <p:txBody>
+          <a:bodyPr wrap="square" lIns="0" tIns="0" rIns="0" bIns="0" anchor="t">
+            <a:spAutoFit/>
+          </a:bodyPr>
+          <a:lstStyle/>
+          <a:p>
+            <a:pPr marL="171450" indent="-171450">
+              <a:spcBef>
+                <a:spcPts val="1200"/>
+              </a:spcBef>
+              <a:buClr>
+                <a:schemeClr val="tx2"/>
+              </a:buClr>
+              <a:buFont typeface="Segoe UI Light" panose="020B0502040204020203" pitchFamily="34" charset="0"/>
+              <a:buChar char="›"/>
+            </a:pPr>
             <a:r>
               <a:rPr lang="en-US" sz="1400" dirty="0">
                 <a:solidFill>
@@ -21068,7 +20244,7 @@
                 </a:solidFill>
                 <a:cs typeface="Segoe UI" panose="020B0502040204020203" pitchFamily="34" charset="0"/>
               </a:rPr>
-              <a:t>Some songs are not present.</a:t>
+              <a:t>Some songs from Triple J were not present</a:t>
             </a:r>
           </a:p>
         </p:txBody>
@@ -21129,7 +20305,7 @@
         </p:nvSpPr>
         <p:spPr>
           <a:xfrm>
-            <a:off x="6716039" y="2198171"/>
+            <a:off x="6663282" y="2198666"/>
             <a:ext cx="4162870" cy="246221"/>
           </a:xfrm>
           <a:prstGeom prst="rect">
@@ -21171,7 +20347,7 @@
         </p:nvSpPr>
         <p:spPr>
           <a:xfrm>
-            <a:off x="1632399" y="4303915"/>
+            <a:off x="1632401" y="4381088"/>
             <a:ext cx="4162870" cy="246221"/>
           </a:xfrm>
           <a:prstGeom prst="rect">
@@ -21213,7 +20389,7 @@
         </p:nvSpPr>
         <p:spPr>
           <a:xfrm>
-            <a:off x="6716039" y="4303915"/>
+            <a:off x="6676118" y="4374495"/>
             <a:ext cx="4162870" cy="246221"/>
           </a:xfrm>
           <a:prstGeom prst="rect">
@@ -21311,7 +20487,7 @@
           <a:lstStyle/>
           <a:p>
             <a:pPr algn="ctr"/>
-            <a:endParaRPr lang="en-AU"/>
+            <a:endParaRPr lang="en-AU" dirty="0"/>
           </a:p>
         </p:txBody>
       </p:sp>
@@ -21413,8 +20589,8 @@
         </p:nvSpPr>
         <p:spPr>
           <a:xfrm>
-            <a:off x="228600" y="190500"/>
-            <a:ext cx="11734800" cy="775597"/>
+            <a:off x="228600" y="238626"/>
+            <a:ext cx="11734800" cy="387798"/>
           </a:xfrm>
           <a:prstGeom prst="rect">
             <a:avLst/>
@@ -21456,16 +20632,6 @@
               </a:rPr>
               <a:t>Data Framework</a:t>
             </a:r>
-            <a:br>
-              <a:rPr lang="en-US" sz="2800" dirty="0">
-                <a:solidFill>
-                  <a:schemeClr val="tx1">
-                    <a:lumMod val="75000"/>
-                    <a:lumOff val="25000"/>
-                  </a:schemeClr>
-                </a:solidFill>
-              </a:rPr>
-            </a:br>
             <a:endParaRPr lang="en-US" sz="2800" dirty="0">
               <a:solidFill>
                 <a:schemeClr val="tx1">
@@ -22252,8 +21418,8 @@
         </p:nvSpPr>
         <p:spPr>
           <a:xfrm>
-            <a:off x="8938377" y="5687657"/>
-            <a:ext cx="1371600" cy="492443"/>
+            <a:off x="8962441" y="5600643"/>
+            <a:ext cx="1371600" cy="738664"/>
           </a:xfrm>
           <a:prstGeom prst="rect">
             <a:avLst/>
@@ -22272,7 +21438,7 @@
                   <a:schemeClr val="bg1"/>
                 </a:solidFill>
               </a:rPr>
-              <a:t>Do Australians like long songs?</a:t>
+              <a:t>Do Australians prefer long songs?</a:t>
             </a:r>
           </a:p>
         </p:txBody>
@@ -22291,8 +21457,8 @@
         </p:nvSpPr>
         <p:spPr>
           <a:xfrm>
-            <a:off x="8972342" y="806052"/>
-            <a:ext cx="1371600" cy="984885"/>
+            <a:off x="8972342" y="905100"/>
+            <a:ext cx="1371600" cy="738664"/>
           </a:xfrm>
           <a:prstGeom prst="rect">
             <a:avLst/>
@@ -22312,7 +21478,7 @@
                 </a:solidFill>
                 <a:cs typeface="Segoe UI" panose="020B0502040204020203" pitchFamily="34" charset="0"/>
               </a:rPr>
-              <a:t>What makes a song a Triple J Top 100 Winner?</a:t>
+              <a:t>What makes a song a Hottest 100 Winner?</a:t>
             </a:r>
           </a:p>
         </p:txBody>
@@ -22390,6 +21556,66 @@
                 <a:spcPts val="1900"/>
               </a:lnSpc>
             </a:pPr>
+            <a:r>
+              <a:rPr lang="en-US" sz="1400" dirty="0">
+                <a:cs typeface="Segoe UI" panose="020B0502040204020203" pitchFamily="34" charset="0"/>
+              </a:rPr>
+              <a:t>Data pivoting by artist and song,</a:t>
+            </a:r>
+          </a:p>
+          <a:p>
+            <a:pPr algn="ctr">
+              <a:lnSpc>
+                <a:spcPts val="1900"/>
+              </a:lnSpc>
+            </a:pPr>
+            <a:r>
+              <a:rPr lang="en-US" sz="1400" dirty="0">
+                <a:cs typeface="Segoe UI" panose="020B0502040204020203" pitchFamily="34" charset="0"/>
+              </a:rPr>
+              <a:t>tools, resources and challenges. </a:t>
+            </a:r>
+          </a:p>
+        </p:txBody>
+      </p:sp>
+      <p:sp>
+        <p:nvSpPr>
+          <p:cNvPr id="87" name="Rectangle 86">
+            <a:extLst>
+              <a:ext uri="{FF2B5EF4-FFF2-40B4-BE49-F238E27FC236}">
+                <a16:creationId xmlns:a16="http://schemas.microsoft.com/office/drawing/2014/main" id="{D927301F-4FAD-47A6-987B-1D9C411B7CC1}"/>
+              </a:ext>
+            </a:extLst>
+          </p:cNvPr>
+          <p:cNvSpPr/>
+          <p:nvPr/>
+        </p:nvSpPr>
+        <p:spPr>
+          <a:xfrm>
+            <a:off x="10544632" y="695982"/>
+            <a:ext cx="1348582" cy="1198020"/>
+          </a:xfrm>
+          <a:prstGeom prst="rect">
+            <a:avLst/>
+          </a:prstGeom>
+        </p:spPr>
+        <p:txBody>
+          <a:bodyPr wrap="square" lIns="0" tIns="0" rIns="0" bIns="0" anchor="ctr">
+            <a:spAutoFit/>
+          </a:bodyPr>
+          <a:lstStyle/>
+          <a:p>
+            <a:pPr>
+              <a:lnSpc>
+                <a:spcPts val="1900"/>
+              </a:lnSpc>
+            </a:pPr>
+            <a:r>
+              <a:rPr lang="en-US" sz="1400" dirty="0">
+                <a:cs typeface="Segoe UI" panose="020B0502040204020203" pitchFamily="34" charset="0"/>
+              </a:rPr>
+              <a:t>Plenty of information, so focus on hypothesis to avoid branching</a:t>
+            </a:r>
             <a:r>
               <a:rPr lang="en-US" sz="1400" dirty="0">
                 <a:solidFill>
@@ -22400,30 +21626,17 @@
                 </a:solidFill>
                 <a:cs typeface="Segoe UI" panose="020B0502040204020203" pitchFamily="34" charset="0"/>
               </a:rPr>
-              <a:t>Data pivoting by artist and song.</a:t>
-            </a:r>
-          </a:p>
-          <a:p>
-            <a:pPr algn="ctr">
-              <a:lnSpc>
-                <a:spcPts val="1900"/>
-              </a:lnSpc>
-            </a:pPr>
-            <a:r>
-              <a:rPr lang="en-US" sz="1400" dirty="0">
-                <a:cs typeface="Segoe UI" panose="020B0502040204020203" pitchFamily="34" charset="0"/>
-              </a:rPr>
-              <a:t>Tools, Resources and challenges. </a:t>
+              <a:t>.</a:t>
             </a:r>
           </a:p>
         </p:txBody>
       </p:sp>
       <p:sp>
         <p:nvSpPr>
-          <p:cNvPr id="87" name="Rectangle 86">
-            <a:extLst>
-              <a:ext uri="{FF2B5EF4-FFF2-40B4-BE49-F238E27FC236}">
-                <a16:creationId xmlns:a16="http://schemas.microsoft.com/office/drawing/2014/main" id="{D927301F-4FAD-47A6-987B-1D9C411B7CC1}"/>
+          <p:cNvPr id="88" name="Rectangle 87">
+            <a:extLst>
+              <a:ext uri="{FF2B5EF4-FFF2-40B4-BE49-F238E27FC236}">
+                <a16:creationId xmlns:a16="http://schemas.microsoft.com/office/drawing/2014/main" id="{481D58D3-87D7-4D40-B59F-7F751F117F96}"/>
               </a:ext>
             </a:extLst>
           </p:cNvPr>
@@ -22432,8 +21645,8 @@
         </p:nvSpPr>
         <p:spPr>
           <a:xfrm>
-            <a:off x="10576718" y="679940"/>
-            <a:ext cx="1348582" cy="1198020"/>
+            <a:off x="10550965" y="3944705"/>
+            <a:ext cx="1348582" cy="954364"/>
           </a:xfrm>
           <a:prstGeom prst="rect">
             <a:avLst/>
@@ -22452,25 +21665,19 @@
             </a:pPr>
             <a:r>
               <a:rPr lang="en-US" sz="1400" dirty="0">
-                <a:solidFill>
-                  <a:schemeClr val="tx1">
-                    <a:lumMod val="75000"/>
-                    <a:lumOff val="25000"/>
-                  </a:schemeClr>
-                </a:solidFill>
                 <a:cs typeface="Segoe UI" panose="020B0502040204020203" pitchFamily="34" charset="0"/>
               </a:rPr>
-              <a:t>Plenty of information, so focus on hypothesis to avoid branching.</a:t>
+              <a:t>What sets Australian songs apart from the rest.</a:t>
             </a:r>
           </a:p>
         </p:txBody>
       </p:sp>
       <p:sp>
         <p:nvSpPr>
-          <p:cNvPr id="88" name="Rectangle 87">
-            <a:extLst>
-              <a:ext uri="{FF2B5EF4-FFF2-40B4-BE49-F238E27FC236}">
-                <a16:creationId xmlns:a16="http://schemas.microsoft.com/office/drawing/2014/main" id="{481D58D3-87D7-4D40-B59F-7F751F117F96}"/>
+          <p:cNvPr id="89" name="Rectangle 88">
+            <a:extLst>
+              <a:ext uri="{FF2B5EF4-FFF2-40B4-BE49-F238E27FC236}">
+                <a16:creationId xmlns:a16="http://schemas.microsoft.com/office/drawing/2014/main" id="{AAC2972F-490F-4F2F-8A08-930B8C850374}"/>
               </a:ext>
             </a:extLst>
           </p:cNvPr>
@@ -22479,8 +21686,8 @@
         </p:nvSpPr>
         <p:spPr>
           <a:xfrm>
-            <a:off x="10542945" y="3896577"/>
-            <a:ext cx="1348582" cy="954364"/>
+            <a:off x="10564686" y="5580406"/>
+            <a:ext cx="1348582" cy="710707"/>
           </a:xfrm>
           <a:prstGeom prst="rect">
             <a:avLst/>
@@ -22501,17 +21708,17 @@
               <a:rPr lang="en-US" sz="1400" dirty="0">
                 <a:cs typeface="Segoe UI" panose="020B0502040204020203" pitchFamily="34" charset="0"/>
               </a:rPr>
-              <a:t>What sets Australian songs apart from the rest.</a:t>
+              <a:t>Does song length make a difference?</a:t>
             </a:r>
           </a:p>
         </p:txBody>
       </p:sp>
       <p:sp>
         <p:nvSpPr>
-          <p:cNvPr id="89" name="Rectangle 88">
-            <a:extLst>
-              <a:ext uri="{FF2B5EF4-FFF2-40B4-BE49-F238E27FC236}">
-                <a16:creationId xmlns:a16="http://schemas.microsoft.com/office/drawing/2014/main" id="{AAC2972F-490F-4F2F-8A08-930B8C850374}"/>
+          <p:cNvPr id="92" name="Rectangle 91">
+            <a:extLst>
+              <a:ext uri="{FF2B5EF4-FFF2-40B4-BE49-F238E27FC236}">
+                <a16:creationId xmlns:a16="http://schemas.microsoft.com/office/drawing/2014/main" id="{A69BDC62-882D-49FD-B60A-05F493B04723}"/>
               </a:ext>
             </a:extLst>
           </p:cNvPr>
@@ -22520,8 +21727,8 @@
         </p:nvSpPr>
         <p:spPr>
           <a:xfrm>
-            <a:off x="10576718" y="5468110"/>
-            <a:ext cx="1348582" cy="710707"/>
+            <a:off x="228600" y="2346528"/>
+            <a:ext cx="1386682" cy="467051"/>
           </a:xfrm>
           <a:prstGeom prst="rect">
             <a:avLst/>
@@ -22533,7 +21740,7 @@
           </a:bodyPr>
           <a:lstStyle/>
           <a:p>
-            <a:pPr>
+            <a:pPr algn="r">
               <a:lnSpc>
                 <a:spcPts val="1900"/>
               </a:lnSpc>
@@ -22542,17 +21749,17 @@
               <a:rPr lang="en-US" sz="1400" dirty="0">
                 <a:cs typeface="Segoe UI" panose="020B0502040204020203" pitchFamily="34" charset="0"/>
               </a:rPr>
-              <a:t>Does song length make a difference?</a:t>
+              <a:t>Triple J Hottest 100 data 1993 - 2017</a:t>
             </a:r>
           </a:p>
         </p:txBody>
       </p:sp>
       <p:sp>
         <p:nvSpPr>
-          <p:cNvPr id="92" name="Rectangle 91">
-            <a:extLst>
-              <a:ext uri="{FF2B5EF4-FFF2-40B4-BE49-F238E27FC236}">
-                <a16:creationId xmlns:a16="http://schemas.microsoft.com/office/drawing/2014/main" id="{A69BDC62-882D-49FD-B60A-05F493B04723}"/>
+          <p:cNvPr id="93" name="Rectangle 92">
+            <a:extLst>
+              <a:ext uri="{FF2B5EF4-FFF2-40B4-BE49-F238E27FC236}">
+                <a16:creationId xmlns:a16="http://schemas.microsoft.com/office/drawing/2014/main" id="{FC109BEC-95E0-4EA0-B65C-A8353481F394}"/>
               </a:ext>
             </a:extLst>
           </p:cNvPr>
@@ -22561,8 +21768,8 @@
         </p:nvSpPr>
         <p:spPr>
           <a:xfrm>
-            <a:off x="228600" y="2346528"/>
-            <a:ext cx="1386682" cy="467051"/>
+            <a:off x="266700" y="4387895"/>
+            <a:ext cx="1348582" cy="954364"/>
           </a:xfrm>
           <a:prstGeom prst="rect">
             <a:avLst/>
@@ -22581,62 +21788,9 @@
             </a:pPr>
             <a:r>
               <a:rPr lang="en-US" sz="1400" dirty="0">
-                <a:solidFill>
-                  <a:schemeClr val="tx1">
-                    <a:lumMod val="75000"/>
-                    <a:lumOff val="25000"/>
-                  </a:schemeClr>
-                </a:solidFill>
                 <a:cs typeface="Segoe UI" panose="020B0502040204020203" pitchFamily="34" charset="0"/>
               </a:rPr>
-              <a:t>Triple J Hottest 100 data 1993 - 2017</a:t>
-            </a:r>
-          </a:p>
-        </p:txBody>
-      </p:sp>
-      <p:sp>
-        <p:nvSpPr>
-          <p:cNvPr id="93" name="Rectangle 92">
-            <a:extLst>
-              <a:ext uri="{FF2B5EF4-FFF2-40B4-BE49-F238E27FC236}">
-                <a16:creationId xmlns:a16="http://schemas.microsoft.com/office/drawing/2014/main" id="{FC109BEC-95E0-4EA0-B65C-A8353481F394}"/>
-              </a:ext>
-            </a:extLst>
-          </p:cNvPr>
-          <p:cNvSpPr/>
-          <p:nvPr/>
-        </p:nvSpPr>
-        <p:spPr>
-          <a:xfrm>
-            <a:off x="266700" y="4387895"/>
-            <a:ext cx="1348582" cy="954364"/>
-          </a:xfrm>
-          <a:prstGeom prst="rect">
-            <a:avLst/>
-          </a:prstGeom>
-        </p:spPr>
-        <p:txBody>
-          <a:bodyPr wrap="square" lIns="0" tIns="0" rIns="0" bIns="0" anchor="ctr">
-            <a:spAutoFit/>
-          </a:bodyPr>
-          <a:lstStyle/>
-          <a:p>
-            <a:pPr algn="r">
-              <a:lnSpc>
-                <a:spcPts val="1900"/>
-              </a:lnSpc>
-            </a:pPr>
-            <a:r>
-              <a:rPr lang="en-US" sz="1400" dirty="0">
-                <a:solidFill>
-                  <a:schemeClr val="tx1">
-                    <a:lumMod val="75000"/>
-                    <a:lumOff val="25000"/>
-                  </a:schemeClr>
-                </a:solidFill>
-                <a:cs typeface="Segoe UI" panose="020B0502040204020203" pitchFamily="34" charset="0"/>
-              </a:rPr>
-              <a:t>Spotify database – track level quantitative data 1921 - 2020.</a:t>
+              <a:t>Spotify data – track level quantitative data 1921 - 2020.</a:t>
             </a:r>
           </a:p>
         </p:txBody>
@@ -22801,7 +21955,7 @@
         </p:nvSpPr>
         <p:spPr>
           <a:xfrm>
-            <a:off x="10542945" y="2317240"/>
+            <a:off x="10558987" y="2237029"/>
             <a:ext cx="1348582" cy="1198020"/>
           </a:xfrm>
           <a:prstGeom prst="rect">
@@ -22948,8 +22102,8 @@
         </p:nvSpPr>
         <p:spPr>
           <a:xfrm>
-            <a:off x="8938377" y="2615282"/>
-            <a:ext cx="1371600" cy="492443"/>
+            <a:off x="8938377" y="2456076"/>
+            <a:ext cx="1371600" cy="738664"/>
           </a:xfrm>
           <a:prstGeom prst="rect">
             <a:avLst/>
@@ -22968,7 +22122,7 @@
                   <a:schemeClr val="bg1"/>
                 </a:solidFill>
               </a:rPr>
-              <a:t>When are hits released?</a:t>
+              <a:t>What is the perfect time to release a song?</a:t>
             </a:r>
           </a:p>
         </p:txBody>
@@ -22987,8 +22141,8 @@
         </p:nvSpPr>
         <p:spPr>
           <a:xfrm>
-            <a:off x="8938377" y="4004426"/>
-            <a:ext cx="1371600" cy="738664"/>
+            <a:off x="8938377" y="3977572"/>
+            <a:ext cx="1371600" cy="984885"/>
           </a:xfrm>
           <a:prstGeom prst="rect">
             <a:avLst/>
@@ -23007,7 +22161,7 @@
                   <a:schemeClr val="bg1"/>
                 </a:solidFill>
               </a:rPr>
-              <a:t>What Australian songs do Aussies vote?</a:t>
+              <a:t>What Australian songs do Australians vote for?</a:t>
             </a:r>
           </a:p>
         </p:txBody>
@@ -23140,8 +22294,8 @@
         </p:nvSpPr>
         <p:spPr>
           <a:xfrm>
-            <a:off x="228600" y="190500"/>
-            <a:ext cx="11734800" cy="775597"/>
+            <a:off x="228600" y="238626"/>
+            <a:ext cx="11734800" cy="387798"/>
           </a:xfrm>
           <a:prstGeom prst="rect">
             <a:avLst/>
@@ -23181,18 +22335,8 @@
                   </a:schemeClr>
                 </a:solidFill>
               </a:rPr>
-              <a:t>Data Framework</a:t>
-            </a:r>
-            <a:br>
-              <a:rPr lang="en-US" sz="2800" dirty="0">
-                <a:solidFill>
-                  <a:schemeClr val="tx1">
-                    <a:lumMod val="75000"/>
-                    <a:lumOff val="25000"/>
-                  </a:schemeClr>
-                </a:solidFill>
-              </a:rPr>
-            </a:br>
+              <a:t>Data Cleaning</a:t>
+            </a:r>
             <a:endParaRPr lang="en-US" sz="2800" dirty="0">
               <a:solidFill>
                 <a:schemeClr val="tx1">
@@ -23296,7 +22440,7 @@
         </p:nvSpPr>
         <p:spPr>
           <a:xfrm>
-            <a:off x="3211586" y="1694317"/>
+            <a:off x="3211586" y="1710359"/>
             <a:ext cx="1595309" cy="369332"/>
           </a:xfrm>
           <a:prstGeom prst="rect">
@@ -23360,7 +22504,7 @@
         </p:nvSpPr>
         <p:spPr>
           <a:xfrm>
-            <a:off x="6366329" y="1624792"/>
+            <a:off x="6478623" y="1705002"/>
             <a:ext cx="1615250" cy="369332"/>
           </a:xfrm>
           <a:prstGeom prst="rect">
@@ -23410,6 +22554,11 @@
               <a:alpha val="20000"/>
             </a:schemeClr>
           </a:solidFill>
+          <a:ln>
+            <a:solidFill>
+              <a:schemeClr val="accent6"/>
+            </a:solidFill>
+          </a:ln>
         </p:spPr>
         <p:style>
           <a:lnRef idx="2">
@@ -23465,6 +22614,11 @@
               <a:alpha val="20000"/>
             </a:schemeClr>
           </a:solidFill>
+          <a:ln>
+            <a:solidFill>
+              <a:schemeClr val="accent6"/>
+            </a:solidFill>
+          </a:ln>
         </p:spPr>
         <p:style>
           <a:lnRef idx="2">
@@ -23518,6 +22672,11 @@
               <a:alpha val="20000"/>
             </a:srgbClr>
           </a:solidFill>
+          <a:ln>
+            <a:solidFill>
+              <a:schemeClr val="accent6"/>
+            </a:solidFill>
+          </a:ln>
         </p:spPr>
         <p:style>
           <a:lnRef idx="2">
@@ -23574,6 +22733,11 @@
               <a:alpha val="20000"/>
             </a:srgbClr>
           </a:solidFill>
+          <a:ln>
+            <a:solidFill>
+              <a:schemeClr val="accent6"/>
+            </a:solidFill>
+          </a:ln>
         </p:spPr>
         <p:style>
           <a:lnRef idx="2">
@@ -23612,11 +22776,17 @@
           <p:cNvGraphicFramePr>
             <a:graphicFrameLocks noChangeAspect="1"/>
           </p:cNvGraphicFramePr>
-          <p:nvPr/>
+          <p:nvPr>
+            <p:extLst>
+              <p:ext uri="{D42A27DB-BD31-4B8C-83A1-F6EECF244321}">
+                <p14:modId xmlns:p14="http://schemas.microsoft.com/office/powerpoint/2010/main" val="538913798"/>
+              </p:ext>
+            </p:extLst>
+          </p:nvPr>
         </p:nvGraphicFramePr>
         <p:xfrm>
-          <a:off x="399921" y="3825382"/>
-          <a:ext cx="1817089" cy="1638133"/>
+          <a:off x="400050" y="3825875"/>
+          <a:ext cx="1817688" cy="1638300"/>
         </p:xfrm>
         <a:graphic>
           <a:graphicData uri="http://schemas.openxmlformats.org/presentationml/2006/ole">
@@ -23649,15 +22819,15 @@
                     </p:blipFill>
                     <p:spPr>
                       <a:xfrm>
-                        <a:off x="399921" y="3825382"/>
-                        <a:ext cx="1817089" cy="1638133"/>
+                        <a:off x="400050" y="3825875"/>
+                        <a:ext cx="1817688" cy="1638300"/>
                       </a:xfrm>
                       <a:prstGeom prst="rect">
                         <a:avLst/>
                       </a:prstGeom>
                       <a:ln>
                         <a:solidFill>
-                          <a:schemeClr val="accent1"/>
+                          <a:schemeClr val="accent6"/>
                         </a:solidFill>
                       </a:ln>
                     </p:spPr>
@@ -23680,11 +22850,17 @@
           <p:cNvGraphicFramePr>
             <a:graphicFrameLocks noChangeAspect="1"/>
           </p:cNvGraphicFramePr>
-          <p:nvPr/>
+          <p:nvPr>
+            <p:extLst>
+              <p:ext uri="{D42A27DB-BD31-4B8C-83A1-F6EECF244321}">
+                <p14:modId xmlns:p14="http://schemas.microsoft.com/office/powerpoint/2010/main" val="1892389540"/>
+              </p:ext>
+            </p:extLst>
+          </p:nvPr>
         </p:nvGraphicFramePr>
         <p:xfrm>
-          <a:off x="345737" y="1282259"/>
-          <a:ext cx="1925459" cy="1522600"/>
+          <a:off x="346075" y="1282700"/>
+          <a:ext cx="1925638" cy="1522413"/>
         </p:xfrm>
         <a:graphic>
           <a:graphicData uri="http://schemas.openxmlformats.org/presentationml/2006/ole">
@@ -23717,15 +22893,15 @@
                     </p:blipFill>
                     <p:spPr>
                       <a:xfrm>
-                        <a:off x="345737" y="1282259"/>
-                        <a:ext cx="1925459" cy="1522600"/>
+                        <a:off x="346075" y="1282700"/>
+                        <a:ext cx="1925638" cy="1522413"/>
                       </a:xfrm>
                       <a:prstGeom prst="rect">
                         <a:avLst/>
                       </a:prstGeom>
                       <a:ln>
                         <a:solidFill>
-                          <a:schemeClr val="accent1"/>
+                          <a:schemeClr val="accent6"/>
                         </a:solidFill>
                       </a:ln>
                     </p:spPr>
@@ -23759,6 +22935,9 @@
             <a:avLst/>
           </a:prstGeom>
           <a:ln>
+            <a:solidFill>
+              <a:schemeClr val="accent6"/>
+            </a:solidFill>
             <a:tailEnd type="triangle"/>
           </a:ln>
         </p:spPr>
@@ -23801,6 +22980,9 @@
             <a:avLst/>
           </a:prstGeom>
           <a:ln>
+            <a:solidFill>
+              <a:schemeClr val="accent6"/>
+            </a:solidFill>
             <a:tailEnd type="triangle"/>
           </a:ln>
         </p:spPr>
@@ -23844,6 +23026,9 @@
             <a:avLst/>
           </a:prstGeom>
           <a:ln>
+            <a:solidFill>
+              <a:schemeClr val="accent6"/>
+            </a:solidFill>
             <a:tailEnd type="triangle"/>
           </a:ln>
         </p:spPr>
@@ -23887,6 +23072,9 @@
             <a:avLst/>
           </a:prstGeom>
           <a:ln>
+            <a:solidFill>
+              <a:schemeClr val="accent6"/>
+            </a:solidFill>
             <a:tailEnd type="triangle"/>
           </a:ln>
         </p:spPr>
@@ -23935,7 +23123,7 @@
           </a:prstGeom>
           <a:ln>
             <a:solidFill>
-              <a:schemeClr val="accent1"/>
+              <a:schemeClr val="accent6"/>
             </a:solidFill>
           </a:ln>
         </p:spPr>
@@ -23970,7 +23158,7 @@
           </a:prstGeom>
           <a:ln>
             <a:solidFill>
-              <a:schemeClr val="accent1"/>
+              <a:schemeClr val="accent6"/>
             </a:solidFill>
           </a:ln>
           <a:effectLst>
@@ -24004,6 +23192,9 @@
             </a:avLst>
           </a:prstGeom>
           <a:ln>
+            <a:solidFill>
+              <a:schemeClr val="accent6"/>
+            </a:solidFill>
             <a:headEnd type="triangle"/>
             <a:tailEnd type="triangle"/>
           </a:ln>
@@ -24049,6 +23240,9 @@
             </a:avLst>
           </a:prstGeom>
           <a:ln>
+            <a:solidFill>
+              <a:schemeClr val="accent6"/>
+            </a:solidFill>
             <a:headEnd type="triangle"/>
             <a:tailEnd type="triangle"/>
           </a:ln>
@@ -24112,8 +23306,8 @@
         </p:nvSpPr>
         <p:spPr>
           <a:xfrm>
-            <a:off x="474319" y="2408806"/>
-            <a:ext cx="6679539" cy="2677656"/>
+            <a:off x="1099958" y="3275074"/>
+            <a:ext cx="5268758" cy="1754326"/>
           </a:xfrm>
           <a:prstGeom prst="rect">
             <a:avLst/>
@@ -24129,74 +23323,68 @@
           </a:bodyPr>
           <a:lstStyle/>
           <a:p>
+            <a:r>
+              <a:rPr lang="en-AU" dirty="0">
+                <a:cs typeface="Arial" panose="020B0604020202020204" pitchFamily="34" charset="0"/>
+              </a:rPr>
+              <a:t>1. How to match columns when special characters and symbols appear</a:t>
+            </a:r>
+            <a:r>
+              <a:rPr lang="en-AU" altLang="zh-CN" dirty="0">
+                <a:cs typeface="Arial" panose="020B0604020202020204" pitchFamily="34" charset="0"/>
+              </a:rPr>
+              <a:t>?</a:t>
+            </a:r>
+          </a:p>
+          <a:p>
             <a:pPr marL="514350" indent="-514350">
               <a:buAutoNum type="arabicPeriod"/>
             </a:pPr>
-            <a:r>
-              <a:rPr lang="en-AU" sz="2800" dirty="0">
-                <a:latin typeface="Arial" panose="020B0604020202020204" pitchFamily="34" charset="0"/>
+            <a:endParaRPr lang="en-AU" altLang="zh-CN" dirty="0">
+              <a:cs typeface="Arial" panose="020B0604020202020204" pitchFamily="34" charset="0"/>
+            </a:endParaRPr>
+          </a:p>
+          <a:p>
+            <a:r>
+              <a:rPr lang="en-AU" dirty="0">
                 <a:cs typeface="Arial" panose="020B0604020202020204" pitchFamily="34" charset="0"/>
               </a:rPr>
-              <a:t>How to match columns when special characters and symbols appear</a:t>
-            </a:r>
-            <a:r>
-              <a:rPr lang="en-AU" altLang="zh-CN" sz="2800" dirty="0">
-                <a:latin typeface="Arial" panose="020B0604020202020204" pitchFamily="34" charset="0"/>
+              <a:t>2. How to make sure the matching can be done quickly in such a big data set?</a:t>
+            </a:r>
+          </a:p>
+          <a:p>
+            <a:pPr algn="ctr"/>
+            <a:r>
+              <a:rPr lang="en-AU" dirty="0">
                 <a:cs typeface="Arial" panose="020B0604020202020204" pitchFamily="34" charset="0"/>
               </a:rPr>
-              <a:t>?</a:t>
-            </a:r>
-          </a:p>
-          <a:p>
-            <a:pPr marL="514350" indent="-514350">
-              <a:buAutoNum type="arabicPeriod"/>
-            </a:pPr>
-            <a:r>
-              <a:rPr lang="en-AU" sz="2800" dirty="0">
-                <a:latin typeface="Arial" panose="020B0604020202020204" pitchFamily="34" charset="0"/>
-                <a:cs typeface="Arial" panose="020B0604020202020204" pitchFamily="34" charset="0"/>
-              </a:rPr>
-              <a:t>How to make sure the matching can be done quickly in such a big data set?</a:t>
-            </a:r>
-          </a:p>
-          <a:p>
-            <a:r>
-              <a:rPr lang="en-AU" sz="2800" dirty="0">
-                <a:latin typeface="Arial" panose="020B0604020202020204" pitchFamily="34" charset="0"/>
-                <a:cs typeface="Arial" panose="020B0604020202020204" pitchFamily="34" charset="0"/>
-              </a:rPr>
-              <a:t>	2,501 x</a:t>
-            </a:r>
-            <a:r>
-              <a:rPr lang="zh-CN" altLang="en-US" sz="2800" dirty="0">
-                <a:latin typeface="Arial" panose="020B0604020202020204" pitchFamily="34" charset="0"/>
+              <a:t>2,501 x</a:t>
+            </a:r>
+            <a:r>
+              <a:rPr lang="zh-CN" altLang="en-US" dirty="0">
                 <a:cs typeface="Arial" panose="020B0604020202020204" pitchFamily="34" charset="0"/>
               </a:rPr>
               <a:t> </a:t>
             </a:r>
             <a:r>
-              <a:rPr lang="en-AU" altLang="zh-CN" sz="2800" dirty="0">
-                <a:latin typeface="Arial" panose="020B0604020202020204" pitchFamily="34" charset="0"/>
+              <a:rPr lang="en-AU" altLang="zh-CN" dirty="0">
                 <a:cs typeface="Arial" panose="020B0604020202020204" pitchFamily="34" charset="0"/>
               </a:rPr>
               <a:t>170,665</a:t>
             </a:r>
             <a:r>
-              <a:rPr lang="zh-CN" altLang="en-US" sz="2800" dirty="0">
-                <a:latin typeface="Arial" panose="020B0604020202020204" pitchFamily="34" charset="0"/>
+              <a:rPr lang="zh-CN" altLang="en-US" dirty="0">
                 <a:cs typeface="Arial" panose="020B0604020202020204" pitchFamily="34" charset="0"/>
               </a:rPr>
               <a:t> </a:t>
             </a:r>
             <a:r>
-              <a:rPr lang="en-AU" altLang="zh-CN" sz="2800" dirty="0">
-                <a:latin typeface="Arial" panose="020B0604020202020204" pitchFamily="34" charset="0"/>
+              <a:rPr lang="en-AU" altLang="zh-CN" dirty="0">
                 <a:cs typeface="Arial" panose="020B0604020202020204" pitchFamily="34" charset="0"/>
               </a:rPr>
               <a:t>= 426,833,165 !</a:t>
             </a:r>
-            <a:endParaRPr lang="en-AU" sz="2800" dirty="0">
-              <a:latin typeface="Arial" panose="020B0604020202020204" pitchFamily="34" charset="0"/>
+            <a:endParaRPr lang="en-AU" dirty="0">
               <a:cs typeface="Arial" panose="020B0604020202020204" pitchFamily="34" charset="0"/>
             </a:endParaRPr>
           </a:p>
@@ -24232,7 +23420,7 @@
           </a:prstGeom>
           <a:ln>
             <a:solidFill>
-              <a:schemeClr val="accent1"/>
+              <a:schemeClr val="accent6"/>
             </a:solidFill>
           </a:ln>
         </p:spPr>
@@ -24259,7 +23447,7 @@
         </p:blipFill>
         <p:spPr>
           <a:xfrm>
-            <a:off x="9499809" y="1067269"/>
+            <a:off x="9499809" y="1051227"/>
             <a:ext cx="2347811" cy="5264788"/>
           </a:xfrm>
           <a:prstGeom prst="rect">
@@ -24267,7 +23455,7 @@
           </a:prstGeom>
           <a:ln>
             <a:solidFill>
-              <a:schemeClr val="accent1"/>
+              <a:schemeClr val="accent6"/>
             </a:solidFill>
           </a:ln>
         </p:spPr>
@@ -24288,8 +23476,8 @@
         </p:nvSpPr>
         <p:spPr>
           <a:xfrm>
-            <a:off x="228600" y="190500"/>
-            <a:ext cx="11734800" cy="775597"/>
+            <a:off x="228600" y="238626"/>
+            <a:ext cx="11734800" cy="387798"/>
           </a:xfrm>
           <a:prstGeom prst="rect">
             <a:avLst/>
@@ -24329,18 +23517,8 @@
                   </a:schemeClr>
                 </a:solidFill>
               </a:rPr>
-              <a:t>Data Framework</a:t>
-            </a:r>
-            <a:br>
-              <a:rPr lang="en-US" sz="2800" dirty="0">
-                <a:solidFill>
-                  <a:schemeClr val="tx1">
-                    <a:lumMod val="75000"/>
-                    <a:lumOff val="25000"/>
-                  </a:schemeClr>
-                </a:solidFill>
-              </a:rPr>
-            </a:br>
+              <a:t>Data Cleaning</a:t>
+            </a:r>
             <a:endParaRPr lang="en-US" sz="2800" dirty="0">
               <a:solidFill>
                 <a:schemeClr val="tx1">
@@ -24452,10 +23630,10 @@
       </p:cxnSp>
       <p:sp>
         <p:nvSpPr>
-          <p:cNvPr id="3" name="Oval 2">
-            <a:extLst>
-              <a:ext uri="{FF2B5EF4-FFF2-40B4-BE49-F238E27FC236}">
-                <a16:creationId xmlns:a16="http://schemas.microsoft.com/office/drawing/2014/main" id="{1240ABC3-52BF-416B-86BF-65E75BDBF57D}"/>
+          <p:cNvPr id="10" name="Rectangle: Rounded Corners 9">
+            <a:extLst>
+              <a:ext uri="{FF2B5EF4-FFF2-40B4-BE49-F238E27FC236}">
+                <a16:creationId xmlns:a16="http://schemas.microsoft.com/office/drawing/2014/main" id="{FC86C080-2131-4051-B556-5C4820AAE9EA}"/>
               </a:ext>
             </a:extLst>
           </p:cNvPr>
@@ -24464,25 +23642,35 @@
         </p:nvSpPr>
         <p:spPr>
           <a:xfrm>
-            <a:off x="1351722" y="742654"/>
-            <a:ext cx="4320208" cy="1446397"/>
-          </a:xfrm>
-          <a:prstGeom prst="ellipse">
+            <a:off x="1100039" y="2005282"/>
+            <a:ext cx="4967514" cy="664797"/>
+          </a:xfrm>
+          <a:prstGeom prst="roundRect">
             <a:avLst/>
           </a:prstGeom>
+          <a:solidFill>
+            <a:schemeClr val="accent3">
+              <a:lumMod val="75000"/>
+            </a:schemeClr>
+          </a:solidFill>
+          <a:ln>
+            <a:noFill/>
+          </a:ln>
         </p:spPr>
         <p:style>
-          <a:lnRef idx="1">
-            <a:schemeClr val="accent4"/>
+          <a:lnRef idx="2">
+            <a:schemeClr val="accent1">
+              <a:shade val="50000"/>
+            </a:schemeClr>
           </a:lnRef>
-          <a:fillRef idx="2">
-            <a:schemeClr val="accent4"/>
+          <a:fillRef idx="1">
+            <a:schemeClr val="accent1"/>
           </a:fillRef>
-          <a:effectRef idx="1">
-            <a:schemeClr val="accent4"/>
+          <a:effectRef idx="0">
+            <a:schemeClr val="accent1"/>
           </a:effectRef>
           <a:fontRef idx="minor">
-            <a:schemeClr val="dk1"/>
+            <a:schemeClr val="lt1"/>
           </a:fontRef>
         </p:style>
         <p:txBody>
@@ -24491,9 +23679,14 @@
           <a:p>
             <a:pPr algn="ctr"/>
             <a:r>
-              <a:rPr lang="en-AU" sz="5400" dirty="0"/>
-              <a:t>Challenge</a:t>
-            </a:r>
+              <a:rPr lang="en-US" sz="2000" b="1" dirty="0">
+                <a:latin typeface="+mj-lt"/>
+              </a:rPr>
+              <a:t>CHALLENGES</a:t>
+            </a:r>
+            <a:endParaRPr lang="en-US" b="1" dirty="0">
+              <a:latin typeface="+mj-lt"/>
+            </a:endParaRPr>
           </a:p>
         </p:txBody>
       </p:sp>
@@ -24547,6 +23740,11 @@
           <a:prstGeom prst="roundRect">
             <a:avLst/>
           </a:prstGeom>
+          <a:ln>
+            <a:solidFill>
+              <a:schemeClr val="accent6"/>
+            </a:solidFill>
+          </a:ln>
         </p:spPr>
         <p:style>
           <a:lnRef idx="2">
@@ -24669,8 +23867,8 @@
         </p:nvSpPr>
         <p:spPr>
           <a:xfrm>
-            <a:off x="228600" y="190500"/>
-            <a:ext cx="11734800" cy="775597"/>
+            <a:off x="228600" y="238626"/>
+            <a:ext cx="11734800" cy="387798"/>
           </a:xfrm>
           <a:prstGeom prst="rect">
             <a:avLst/>
@@ -24710,18 +23908,8 @@
                   </a:schemeClr>
                 </a:solidFill>
               </a:rPr>
-              <a:t>Data Framework</a:t>
-            </a:r>
-            <a:br>
-              <a:rPr lang="en-US" sz="2800" dirty="0">
-                <a:solidFill>
-                  <a:schemeClr val="tx1">
-                    <a:lumMod val="75000"/>
-                    <a:lumOff val="25000"/>
-                  </a:schemeClr>
-                </a:solidFill>
-              </a:rPr>
-            </a:br>
+              <a:t>Data Cleaning</a:t>
+            </a:r>
             <a:endParaRPr lang="en-US" sz="2800" dirty="0">
               <a:solidFill>
                 <a:schemeClr val="tx1">
@@ -24826,7 +24014,7 @@
         </p:nvSpPr>
         <p:spPr>
           <a:xfrm>
-            <a:off x="761418" y="2731544"/>
+            <a:off x="676849" y="2731544"/>
             <a:ext cx="1331347" cy="335215"/>
           </a:xfrm>
           <a:prstGeom prst="rect">
@@ -24891,7 +24079,7 @@
         </p:nvSpPr>
         <p:spPr>
           <a:xfrm>
-            <a:off x="3394172" y="2668441"/>
+            <a:off x="3382918" y="2728601"/>
             <a:ext cx="1347988" cy="335215"/>
           </a:xfrm>
           <a:prstGeom prst="rect">
@@ -24939,6 +24127,11 @@
               <a:alpha val="20000"/>
             </a:srgbClr>
           </a:solidFill>
+          <a:ln>
+            <a:solidFill>
+              <a:schemeClr val="accent6"/>
+            </a:solidFill>
+          </a:ln>
         </p:spPr>
         <p:style>
           <a:lnRef idx="2">
@@ -24994,6 +24187,11 @@
               <a:alpha val="20000"/>
             </a:schemeClr>
           </a:solidFill>
+          <a:ln>
+            <a:solidFill>
+              <a:schemeClr val="accent6"/>
+            </a:solidFill>
+          </a:ln>
         </p:spPr>
         <p:style>
           <a:lnRef idx="2">
@@ -25049,6 +24247,11 @@
               <a:alpha val="20000"/>
             </a:schemeClr>
           </a:solidFill>
+          <a:ln>
+            <a:solidFill>
+              <a:schemeClr val="accent6"/>
+            </a:solidFill>
+          </a:ln>
         </p:spPr>
         <p:style>
           <a:lnRef idx="2">
@@ -25102,6 +24305,11 @@
               <a:alpha val="20000"/>
             </a:srgbClr>
           </a:solidFill>
+          <a:ln>
+            <a:solidFill>
+              <a:schemeClr val="accent6"/>
+            </a:solidFill>
+          </a:ln>
         </p:spPr>
         <p:style>
           <a:lnRef idx="2">
@@ -25158,6 +24366,11 @@
               <a:alpha val="20000"/>
             </a:srgbClr>
           </a:solidFill>
+          <a:ln>
+            <a:solidFill>
+              <a:schemeClr val="accent6"/>
+            </a:solidFill>
+          </a:ln>
         </p:spPr>
         <p:style>
           <a:lnRef idx="2">
@@ -25211,6 +24424,11 @@
               <a:alpha val="20000"/>
             </a:srgbClr>
           </a:solidFill>
+          <a:ln>
+            <a:solidFill>
+              <a:schemeClr val="accent6"/>
+            </a:solidFill>
+          </a:ln>
         </p:spPr>
         <p:style>
           <a:lnRef idx="2">
@@ -25264,6 +24482,11 @@
               <a:alpha val="20000"/>
             </a:srgbClr>
           </a:solidFill>
+          <a:ln>
+            <a:solidFill>
+              <a:schemeClr val="accent6"/>
+            </a:solidFill>
+          </a:ln>
         </p:spPr>
         <p:style>
           <a:lnRef idx="2">
@@ -25317,6 +24540,11 @@
               <a:alpha val="20000"/>
             </a:srgbClr>
           </a:solidFill>
+          <a:ln>
+            <a:solidFill>
+              <a:schemeClr val="accent6"/>
+            </a:solidFill>
+          </a:ln>
         </p:spPr>
         <p:style>
           <a:lnRef idx="2">
@@ -25369,6 +24597,9 @@
             </a:avLst>
           </a:prstGeom>
           <a:ln>
+            <a:solidFill>
+              <a:schemeClr val="accent6"/>
+            </a:solidFill>
             <a:tailEnd type="triangle"/>
           </a:ln>
         </p:spPr>
@@ -25413,6 +24644,9 @@
             </a:avLst>
           </a:prstGeom>
           <a:ln>
+            <a:solidFill>
+              <a:schemeClr val="accent6"/>
+            </a:solidFill>
             <a:tailEnd type="triangle"/>
           </a:ln>
         </p:spPr>
@@ -25494,6 +24728,11 @@
           <a:prstGeom prst="bentConnector2">
             <a:avLst/>
           </a:prstGeom>
+          <a:ln>
+            <a:solidFill>
+              <a:schemeClr val="accent6"/>
+            </a:solidFill>
+          </a:ln>
         </p:spPr>
         <p:style>
           <a:lnRef idx="1">
@@ -25573,6 +24812,11 @@
           <a:prstGeom prst="bentConnector2">
             <a:avLst/>
           </a:prstGeom>
+          <a:ln>
+            <a:solidFill>
+              <a:schemeClr val="accent6"/>
+            </a:solidFill>
+          </a:ln>
         </p:spPr>
         <p:style>
           <a:lnRef idx="1">
@@ -25648,39 +24892,35 @@
           <a:lstStyle/>
           <a:p>
             <a:r>
-              <a:rPr lang="en-US" altLang="zh-CN" dirty="0">
-                <a:latin typeface="Arial" panose="020B0604020202020204" pitchFamily="34" charset="0"/>
+              <a:rPr lang="en-US" altLang="zh-CN" b="1" dirty="0">
                 <a:cs typeface="Arial" panose="020B0604020202020204" pitchFamily="34" charset="0"/>
               </a:rPr>
               <a:t>Some other libraries we tried:</a:t>
             </a:r>
           </a:p>
           <a:p>
-            <a:pPr marL="342900" indent="-342900">
-              <a:buAutoNum type="arabicPeriod"/>
-            </a:pPr>
+            <a:r>
+              <a:rPr lang="en-US" altLang="zh-CN" dirty="0">
+                <a:cs typeface="Arial" panose="020B0604020202020204" pitchFamily="34" charset="0"/>
+              </a:rPr>
+              <a:t>1. </a:t>
+            </a:r>
             <a:r>
               <a:rPr lang="en-US" altLang="zh-CN" dirty="0" err="1">
-                <a:latin typeface="Arial" panose="020B0604020202020204" pitchFamily="34" charset="0"/>
                 <a:cs typeface="Arial" panose="020B0604020202020204" pitchFamily="34" charset="0"/>
               </a:rPr>
               <a:t>FuzzyWuzzy</a:t>
             </a:r>
             <a:endParaRPr lang="en-US" altLang="zh-CN" dirty="0">
-              <a:latin typeface="Arial" panose="020B0604020202020204" pitchFamily="34" charset="0"/>
               <a:cs typeface="Arial" panose="020B0604020202020204" pitchFamily="34" charset="0"/>
             </a:endParaRPr>
           </a:p>
           <a:p>
-            <a:pPr marL="342900" indent="-342900">
-              <a:buAutoNum type="arabicPeriod"/>
-            </a:pPr>
             <a:r>
               <a:rPr lang="en-US" altLang="zh-CN" dirty="0">
-                <a:latin typeface="Arial" panose="020B0604020202020204" pitchFamily="34" charset="0"/>
                 <a:cs typeface="Arial" panose="020B0604020202020204" pitchFamily="34" charset="0"/>
               </a:rPr>
-              <a:t>Jellyfish</a:t>
+              <a:t>2. Jellyfish</a:t>
             </a:r>
           </a:p>
           <a:p>
@@ -25688,27 +24928,29 @@
               <a:buAutoNum type="arabicPeriod"/>
             </a:pPr>
             <a:endParaRPr lang="en-US" altLang="zh-CN" dirty="0">
-              <a:latin typeface="Arial" panose="020B0604020202020204" pitchFamily="34" charset="0"/>
               <a:cs typeface="Arial" panose="020B0604020202020204" pitchFamily="34" charset="0"/>
             </a:endParaRPr>
           </a:p>
           <a:p>
             <a:r>
-              <a:rPr lang="en-US" altLang="zh-CN" dirty="0">
-                <a:latin typeface="Arial" panose="020B0604020202020204" pitchFamily="34" charset="0"/>
+              <a:rPr lang="en-US" altLang="zh-CN" b="1" dirty="0">
                 <a:cs typeface="Arial" panose="020B0604020202020204" pitchFamily="34" charset="0"/>
               </a:rPr>
-              <a:t>Problem: 2500 rows in Triple J dataset and 170k rows in Spotify dataset</a:t>
-            </a:r>
-            <a:r>
-              <a:rPr lang="en-AU" altLang="zh-CN" dirty="0">
-                <a:latin typeface="Arial" panose="020B0604020202020204" pitchFamily="34" charset="0"/>
+              <a:t>Problem: </a:t>
+            </a:r>
+            <a:r>
+              <a:rPr lang="en-US" altLang="zh-CN" dirty="0">
                 <a:cs typeface="Arial" panose="020B0604020202020204" pitchFamily="34" charset="0"/>
               </a:rPr>
-              <a:t>, using these libraries will do the full table scan which will be very slow.</a:t>
+              <a:t>2500 rows in Triple J dataset and 170k rows in Spotify dataset</a:t>
+            </a:r>
+            <a:r>
+              <a:rPr lang="en-AU" altLang="zh-CN" dirty="0">
+                <a:cs typeface="Arial" panose="020B0604020202020204" pitchFamily="34" charset="0"/>
+              </a:rPr>
+              <a:t>, using these libraries to run a full table scan would be very slow.</a:t>
             </a:r>
             <a:endParaRPr lang="en-US" altLang="zh-CN" dirty="0">
-              <a:latin typeface="Arial" panose="020B0604020202020204" pitchFamily="34" charset="0"/>
               <a:cs typeface="Arial" panose="020B0604020202020204" pitchFamily="34" charset="0"/>
             </a:endParaRPr>
           </a:p>
@@ -25738,6 +24980,9 @@
             <a:avLst/>
           </a:prstGeom>
           <a:ln>
+            <a:solidFill>
+              <a:schemeClr val="accent6"/>
+            </a:solidFill>
             <a:headEnd type="triangle"/>
             <a:tailEnd type="triangle"/>
           </a:ln>
@@ -25781,6 +25026,9 @@
             <a:avLst/>
           </a:prstGeom>
           <a:ln>
+            <a:solidFill>
+              <a:schemeClr val="accent6"/>
+            </a:solidFill>
             <a:headEnd type="triangle"/>
             <a:tailEnd type="triangle"/>
           </a:ln>
@@ -25830,94 +25078,125 @@
           <a:chExt cx="0" cy="0"/>
         </a:xfrm>
       </p:grpSpPr>
-      <p:sp>
-        <p:nvSpPr>
-          <p:cNvPr id="7" name="Title 6" hidden="1">
-            <a:extLst>
-              <a:ext uri="{FF2B5EF4-FFF2-40B4-BE49-F238E27FC236}">
-                <a16:creationId xmlns:a16="http://schemas.microsoft.com/office/drawing/2014/main" id="{ED2F5393-91A3-4102-A584-E902285C507A}"/>
-              </a:ext>
-            </a:extLst>
-          </p:cNvPr>
-          <p:cNvSpPr>
-            <a:spLocks noGrp="1"/>
-          </p:cNvSpPr>
-          <p:nvPr>
-            <p:ph type="title" idx="4294967295"/>
-          </p:nvPr>
-        </p:nvSpPr>
+      <p:pic>
+        <p:nvPicPr>
+          <p:cNvPr id="3" name="Picture 2">
+            <a:extLst>
+              <a:ext uri="{FF2B5EF4-FFF2-40B4-BE49-F238E27FC236}">
+                <a16:creationId xmlns:a16="http://schemas.microsoft.com/office/drawing/2014/main" id="{C5D88466-D485-411F-A7C7-7E8FF9748BB4}"/>
+              </a:ext>
+            </a:extLst>
+          </p:cNvPr>
+          <p:cNvPicPr>
+            <a:picLocks noChangeAspect="1"/>
+          </p:cNvPicPr>
+          <p:nvPr/>
+        </p:nvPicPr>
+        <p:blipFill>
+          <a:blip r:embed="rId3"/>
+          <a:stretch>
+            <a:fillRect/>
+          </a:stretch>
+        </p:blipFill>
         <p:spPr>
           <a:xfrm>
-            <a:off x="0" y="365125"/>
-            <a:ext cx="10515600" cy="1325563"/>
-          </a:xfrm>
-        </p:spPr>
-        <p:txBody>
-          <a:bodyPr/>
-          <a:lstStyle/>
-          <a:p>
-            <a:r>
-              <a:rPr lang="en-US" dirty="0"/>
-              <a:t>Project analysis slide 4</a:t>
-            </a:r>
-          </a:p>
-        </p:txBody>
-      </p:sp>
-      <p:cxnSp>
-        <p:nvCxnSpPr>
-          <p:cNvPr id="8" name="Straight Connector 7">
-            <a:extLst>
-              <a:ext uri="{FF2B5EF4-FFF2-40B4-BE49-F238E27FC236}">
-                <a16:creationId xmlns:a16="http://schemas.microsoft.com/office/drawing/2014/main" id="{D0986099-F5F2-4E8B-BE17-81194861A00C}"/>
-              </a:ext>
-              <a:ext uri="{C183D7F6-B498-43B3-948B-1728B52AA6E4}">
-                <adec:decorative xmlns:adec="http://schemas.microsoft.com/office/drawing/2017/decorative" val="1"/>
-              </a:ext>
-            </a:extLst>
-          </p:cNvPr>
-          <p:cNvCxnSpPr>
-            <a:cxnSpLocks/>
-          </p:cNvCxnSpPr>
-          <p:nvPr/>
-        </p:nvCxnSpPr>
-        <p:spPr>
-          <a:xfrm>
-            <a:off x="8105775" y="522898"/>
-            <a:ext cx="4086225" cy="0"/>
-          </a:xfrm>
-          <a:prstGeom prst="line">
+            <a:off x="8818472" y="786915"/>
+            <a:ext cx="2827093" cy="5832470"/>
+          </a:xfrm>
+          <a:prstGeom prst="rect">
             <a:avLst/>
           </a:prstGeom>
-          <a:ln>
-            <a:solidFill>
-              <a:schemeClr val="accent3">
-                <a:lumMod val="50000"/>
-              </a:schemeClr>
-            </a:solidFill>
-            <a:headEnd type="oval"/>
-          </a:ln>
-        </p:spPr>
-        <p:style>
-          <a:lnRef idx="1">
-            <a:schemeClr val="accent1"/>
-          </a:lnRef>
-          <a:fillRef idx="0">
-            <a:schemeClr val="accent1"/>
-          </a:fillRef>
-          <a:effectRef idx="0">
-            <a:schemeClr val="accent1"/>
-          </a:effectRef>
-          <a:fontRef idx="minor">
-            <a:schemeClr val="tx1"/>
-          </a:fontRef>
-        </p:style>
-      </p:cxnSp>
-      <p:sp>
-        <p:nvSpPr>
-          <p:cNvPr id="11" name="Title 1">
-            <a:extLst>
-              <a:ext uri="{FF2B5EF4-FFF2-40B4-BE49-F238E27FC236}">
-                <a16:creationId xmlns:a16="http://schemas.microsoft.com/office/drawing/2014/main" id="{4E3F5479-058B-4FA8-92E9-18CAB8CDC5C5}"/>
+        </p:spPr>
+      </p:pic>
+      <p:sp>
+        <p:nvSpPr>
+          <p:cNvPr id="4" name="TextBox 3">
+            <a:extLst>
+              <a:ext uri="{FF2B5EF4-FFF2-40B4-BE49-F238E27FC236}">
+                <a16:creationId xmlns:a16="http://schemas.microsoft.com/office/drawing/2014/main" id="{6A2A4443-B5D2-4D89-9EBB-848EA7D7B9F2}"/>
+              </a:ext>
+            </a:extLst>
+          </p:cNvPr>
+          <p:cNvSpPr txBox="1"/>
+          <p:nvPr/>
+        </p:nvSpPr>
+        <p:spPr>
+          <a:xfrm>
+            <a:off x="1351800" y="4477535"/>
+            <a:ext cx="6639125" cy="1477328"/>
+          </a:xfrm>
+          <a:prstGeom prst="rect">
+            <a:avLst/>
+          </a:prstGeom>
+          <a:noFill/>
+        </p:spPr>
+        <p:txBody>
+          <a:bodyPr wrap="none" rtlCol="0">
+            <a:spAutoFit/>
+          </a:bodyPr>
+          <a:lstStyle/>
+          <a:p>
+            <a:r>
+              <a:rPr lang="en-AU" dirty="0"/>
+              <a:t>1. 1148 rows out of the 2501 rows, nearly half of the original dataset.</a:t>
+            </a:r>
+          </a:p>
+          <a:p>
+            <a:endParaRPr lang="en-AU" dirty="0"/>
+          </a:p>
+          <a:p>
+            <a:r>
+              <a:rPr lang="en-AU" dirty="0"/>
+              <a:t>2. Included every year’s 1st place song.</a:t>
+            </a:r>
+          </a:p>
+          <a:p>
+            <a:endParaRPr lang="en-AU" dirty="0"/>
+          </a:p>
+          <a:p>
+            <a:r>
+              <a:rPr lang="en-AU" dirty="0"/>
+              <a:t>3. Obtained all the columns we needed for our hypothesis.</a:t>
+            </a:r>
+          </a:p>
+        </p:txBody>
+      </p:sp>
+      <p:pic>
+        <p:nvPicPr>
+          <p:cNvPr id="6" name="Picture 5">
+            <a:extLst>
+              <a:ext uri="{FF2B5EF4-FFF2-40B4-BE49-F238E27FC236}">
+                <a16:creationId xmlns:a16="http://schemas.microsoft.com/office/drawing/2014/main" id="{3FB494BD-64AC-4586-8389-459C5FC6F910}"/>
+              </a:ext>
+            </a:extLst>
+          </p:cNvPr>
+          <p:cNvPicPr>
+            <a:picLocks noChangeAspect="1"/>
+          </p:cNvPicPr>
+          <p:nvPr/>
+        </p:nvPicPr>
+        <p:blipFill>
+          <a:blip r:embed="rId4"/>
+          <a:stretch>
+            <a:fillRect/>
+          </a:stretch>
+        </p:blipFill>
+        <p:spPr>
+          <a:xfrm>
+            <a:off x="370450" y="1014079"/>
+            <a:ext cx="8229600" cy="2105025"/>
+          </a:xfrm>
+          <a:prstGeom prst="rect">
+            <a:avLst/>
+          </a:prstGeom>
+        </p:spPr>
+      </p:pic>
+      <p:sp>
+        <p:nvSpPr>
+          <p:cNvPr id="5" name="Title 1">
+            <a:extLst>
+              <a:ext uri="{FF2B5EF4-FFF2-40B4-BE49-F238E27FC236}">
+                <a16:creationId xmlns:a16="http://schemas.microsoft.com/office/drawing/2014/main" id="{6D548429-1707-44C0-8814-08C54B45B259}"/>
               </a:ext>
             </a:extLst>
           </p:cNvPr>
@@ -25928,8 +25207,8 @@
         </p:nvSpPr>
         <p:spPr>
           <a:xfrm>
-            <a:off x="228600" y="190500"/>
-            <a:ext cx="11734800" cy="775597"/>
+            <a:off x="228600" y="238626"/>
+            <a:ext cx="11734800" cy="387798"/>
           </a:xfrm>
           <a:prstGeom prst="rect">
             <a:avLst/>
@@ -25971,16 +25250,6 @@
               </a:rPr>
               <a:t>Data Framework</a:t>
             </a:r>
-            <a:br>
-              <a:rPr lang="en-US" sz="2800" dirty="0">
-                <a:solidFill>
-                  <a:schemeClr val="tx1">
-                    <a:lumMod val="75000"/>
-                    <a:lumOff val="25000"/>
-                  </a:schemeClr>
-                </a:solidFill>
-              </a:rPr>
-            </a:br>
             <a:endParaRPr lang="en-US" sz="2800" dirty="0">
               <a:solidFill>
                 <a:schemeClr val="tx1">
@@ -25994,10 +25263,10 @@
       </p:sp>
       <p:cxnSp>
         <p:nvCxnSpPr>
-          <p:cNvPr id="14" name="Straight Connector 13">
-            <a:extLst>
-              <a:ext uri="{FF2B5EF4-FFF2-40B4-BE49-F238E27FC236}">
-                <a16:creationId xmlns:a16="http://schemas.microsoft.com/office/drawing/2014/main" id="{83E690F4-843A-47A5-8620-4FB01C0D8E68}"/>
+          <p:cNvPr id="7" name="Straight Connector 6">
+            <a:extLst>
+              <a:ext uri="{FF2B5EF4-FFF2-40B4-BE49-F238E27FC236}">
+                <a16:creationId xmlns:a16="http://schemas.microsoft.com/office/drawing/2014/main" id="{377EB928-A959-4E04-A6BB-39E1D78C1A12}"/>
               </a:ext>
               <a:ext uri="{C183D7F6-B498-43B3-948B-1728B52AA6E4}">
                 <adec:decorative xmlns:adec="http://schemas.microsoft.com/office/drawing/2017/decorative" val="1"/>
@@ -26041,202 +25310,118 @@
           </a:fontRef>
         </p:style>
       </p:cxnSp>
-      <p:pic>
-        <p:nvPicPr>
-          <p:cNvPr id="3" name="Picture 2">
-            <a:extLst>
-              <a:ext uri="{FF2B5EF4-FFF2-40B4-BE49-F238E27FC236}">
-                <a16:creationId xmlns:a16="http://schemas.microsoft.com/office/drawing/2014/main" id="{5A77DB38-1353-47B8-8A48-5C30F12EBDC3}"/>
-              </a:ext>
-            </a:extLst>
-          </p:cNvPr>
-          <p:cNvPicPr>
-            <a:picLocks noChangeAspect="1"/>
-          </p:cNvPicPr>
+      <p:cxnSp>
+        <p:nvCxnSpPr>
+          <p:cNvPr id="9" name="Straight Connector 8">
+            <a:extLst>
+              <a:ext uri="{FF2B5EF4-FFF2-40B4-BE49-F238E27FC236}">
+                <a16:creationId xmlns:a16="http://schemas.microsoft.com/office/drawing/2014/main" id="{34F0DE95-F521-4F83-9392-76E317A016ED}"/>
+              </a:ext>
+              <a:ext uri="{C183D7F6-B498-43B3-948B-1728B52AA6E4}">
+                <adec:decorative xmlns:adec="http://schemas.microsoft.com/office/drawing/2017/decorative" val="1"/>
+              </a:ext>
+            </a:extLst>
+          </p:cNvPr>
+          <p:cNvCxnSpPr>
+            <a:cxnSpLocks/>
+          </p:cNvCxnSpPr>
           <p:nvPr/>
-        </p:nvPicPr>
-        <p:blipFill>
-          <a:blip r:embed="rId3"/>
-          <a:stretch>
-            <a:fillRect/>
-          </a:stretch>
-        </p:blipFill>
+        </p:nvCxnSpPr>
         <p:spPr>
           <a:xfrm>
-            <a:off x="549958" y="1704759"/>
-            <a:ext cx="10191750" cy="2771775"/>
-          </a:xfrm>
-          <a:prstGeom prst="rect">
+            <a:off x="8105775" y="522898"/>
+            <a:ext cx="4086225" cy="0"/>
+          </a:xfrm>
+          <a:prstGeom prst="line">
             <a:avLst/>
           </a:prstGeom>
-        </p:spPr>
-      </p:pic>
-      <p:sp>
-        <p:nvSpPr>
-          <p:cNvPr id="4" name="TextBox 3">
-            <a:extLst>
-              <a:ext uri="{FF2B5EF4-FFF2-40B4-BE49-F238E27FC236}">
-                <a16:creationId xmlns:a16="http://schemas.microsoft.com/office/drawing/2014/main" id="{F411CE10-6F28-4B96-AB35-B39B1C6BB467}"/>
-              </a:ext>
-            </a:extLst>
-          </p:cNvPr>
-          <p:cNvSpPr txBox="1"/>
+          <a:ln>
+            <a:solidFill>
+              <a:schemeClr val="accent3">
+                <a:lumMod val="50000"/>
+              </a:schemeClr>
+            </a:solidFill>
+            <a:headEnd type="oval"/>
+          </a:ln>
+        </p:spPr>
+        <p:style>
+          <a:lnRef idx="1">
+            <a:schemeClr val="accent1"/>
+          </a:lnRef>
+          <a:fillRef idx="0">
+            <a:schemeClr val="accent1"/>
+          </a:fillRef>
+          <a:effectRef idx="0">
+            <a:schemeClr val="accent1"/>
+          </a:effectRef>
+          <a:fontRef idx="minor">
+            <a:schemeClr val="tx1"/>
+          </a:fontRef>
+        </p:style>
+      </p:cxnSp>
+      <p:sp>
+        <p:nvSpPr>
+          <p:cNvPr id="10" name="Rectangle: Rounded Corners 9">
+            <a:extLst>
+              <a:ext uri="{FF2B5EF4-FFF2-40B4-BE49-F238E27FC236}">
+                <a16:creationId xmlns:a16="http://schemas.microsoft.com/office/drawing/2014/main" id="{D04E9D3D-890E-4781-9531-CE8D2EF3D040}"/>
+              </a:ext>
+            </a:extLst>
+          </p:cNvPr>
+          <p:cNvSpPr/>
           <p:nvPr/>
         </p:nvSpPr>
         <p:spPr>
           <a:xfrm>
-            <a:off x="549958" y="929163"/>
-            <a:ext cx="9849171" cy="400110"/>
-          </a:xfrm>
-          <a:prstGeom prst="rect">
+            <a:off x="2727156" y="3561372"/>
+            <a:ext cx="3678989" cy="664797"/>
+          </a:xfrm>
+          <a:prstGeom prst="roundRect">
             <a:avLst/>
           </a:prstGeom>
-          <a:noFill/>
-        </p:spPr>
+          <a:solidFill>
+            <a:schemeClr val="accent3">
+              <a:lumMod val="75000"/>
+            </a:schemeClr>
+          </a:solidFill>
+          <a:ln>
+            <a:noFill/>
+          </a:ln>
+        </p:spPr>
+        <p:style>
+          <a:lnRef idx="2">
+            <a:schemeClr val="accent1">
+              <a:shade val="50000"/>
+            </a:schemeClr>
+          </a:lnRef>
+          <a:fillRef idx="1">
+            <a:schemeClr val="accent1"/>
+          </a:fillRef>
+          <a:effectRef idx="0">
+            <a:schemeClr val="accent1"/>
+          </a:effectRef>
+          <a:fontRef idx="minor">
+            <a:schemeClr val="lt1"/>
+          </a:fontRef>
+        </p:style>
         <p:txBody>
-          <a:bodyPr wrap="none" rtlCol="0">
-            <a:spAutoFit/>
-          </a:bodyPr>
+          <a:bodyPr rtlCol="0" anchor="ctr"/>
           <a:lstStyle/>
           <a:p>
-            <a:r>
-              <a:rPr lang="en-AU" sz="2000" b="1" dirty="0">
-                <a:latin typeface="Arial" panose="020B0604020202020204" pitchFamily="34" charset="0"/>
-                <a:cs typeface="Arial" panose="020B0604020202020204" pitchFamily="34" charset="0"/>
+            <a:pPr algn="ctr"/>
+            <a:r>
+              <a:rPr lang="en-US" sz="2000" b="1" dirty="0">
+                <a:latin typeface="+mj-lt"/>
               </a:rPr>
-              <a:t>Problem found after merge</a:t>
-            </a:r>
-            <a:r>
-              <a:rPr lang="en-AU" sz="2000" dirty="0">
-                <a:latin typeface="Arial" panose="020B0604020202020204" pitchFamily="34" charset="0"/>
-                <a:cs typeface="Arial" panose="020B0604020202020204" pitchFamily="34" charset="0"/>
-              </a:rPr>
-              <a:t>: about half songs can not find a match in </a:t>
-            </a:r>
-            <a:r>
-              <a:rPr lang="en-AU" sz="2000" dirty="0" err="1">
-                <a:latin typeface="Arial" panose="020B0604020202020204" pitchFamily="34" charset="0"/>
-                <a:cs typeface="Arial" panose="020B0604020202020204" pitchFamily="34" charset="0"/>
-              </a:rPr>
-              <a:t>spotify</a:t>
-            </a:r>
-            <a:r>
-              <a:rPr lang="en-AU" sz="2000" dirty="0">
-                <a:latin typeface="Arial" panose="020B0604020202020204" pitchFamily="34" charset="0"/>
-                <a:cs typeface="Arial" panose="020B0604020202020204" pitchFamily="34" charset="0"/>
-              </a:rPr>
-              <a:t> dataset</a:t>
+              <a:t>MERGED DATASET</a:t>
             </a:r>
           </a:p>
         </p:txBody>
       </p:sp>
-      <p:sp>
-        <p:nvSpPr>
-          <p:cNvPr id="32" name="TextBox 31">
-            <a:extLst>
-              <a:ext uri="{FF2B5EF4-FFF2-40B4-BE49-F238E27FC236}">
-                <a16:creationId xmlns:a16="http://schemas.microsoft.com/office/drawing/2014/main" id="{BD6EDF75-409D-444F-B4FE-42FFE3BA1C64}"/>
-              </a:ext>
-            </a:extLst>
-          </p:cNvPr>
-          <p:cNvSpPr txBox="1"/>
-          <p:nvPr/>
-        </p:nvSpPr>
-        <p:spPr>
-          <a:xfrm>
-            <a:off x="549958" y="4780731"/>
-            <a:ext cx="9698489" cy="461665"/>
-          </a:xfrm>
-          <a:prstGeom prst="rect">
-            <a:avLst/>
-          </a:prstGeom>
-          <a:noFill/>
-        </p:spPr>
-        <p:txBody>
-          <a:bodyPr wrap="none" rtlCol="0">
-            <a:spAutoFit/>
-          </a:bodyPr>
-          <a:lstStyle/>
-          <a:p>
-            <a:r>
-              <a:rPr lang="en-AU" sz="2400" b="1" dirty="0">
-                <a:latin typeface="Arial" panose="020B0604020202020204" pitchFamily="34" charset="0"/>
-                <a:cs typeface="Arial" panose="020B0604020202020204" pitchFamily="34" charset="0"/>
-              </a:rPr>
-              <a:t>Good point</a:t>
-            </a:r>
-            <a:r>
-              <a:rPr lang="en-AU" sz="2400" dirty="0">
-                <a:latin typeface="Arial" panose="020B0604020202020204" pitchFamily="34" charset="0"/>
-                <a:cs typeface="Arial" panose="020B0604020202020204" pitchFamily="34" charset="0"/>
-              </a:rPr>
-              <a:t>: all the 1</a:t>
-            </a:r>
-            <a:r>
-              <a:rPr lang="en-AU" sz="2400" baseline="30000" dirty="0">
-                <a:latin typeface="Arial" panose="020B0604020202020204" pitchFamily="34" charset="0"/>
-                <a:cs typeface="Arial" panose="020B0604020202020204" pitchFamily="34" charset="0"/>
-              </a:rPr>
-              <a:t>st</a:t>
-            </a:r>
-            <a:r>
-              <a:rPr lang="en-AU" sz="2400" dirty="0">
-                <a:latin typeface="Arial" panose="020B0604020202020204" pitchFamily="34" charset="0"/>
-                <a:cs typeface="Arial" panose="020B0604020202020204" pitchFamily="34" charset="0"/>
-              </a:rPr>
-              <a:t> place songs can find a match in </a:t>
-            </a:r>
-            <a:r>
-              <a:rPr lang="en-AU" sz="2400" dirty="0" err="1">
-                <a:latin typeface="Arial" panose="020B0604020202020204" pitchFamily="34" charset="0"/>
-                <a:cs typeface="Arial" panose="020B0604020202020204" pitchFamily="34" charset="0"/>
-              </a:rPr>
-              <a:t>spotify</a:t>
-            </a:r>
-            <a:r>
-              <a:rPr lang="en-AU" sz="2400" dirty="0">
-                <a:latin typeface="Arial" panose="020B0604020202020204" pitchFamily="34" charset="0"/>
-                <a:cs typeface="Arial" panose="020B0604020202020204" pitchFamily="34" charset="0"/>
-              </a:rPr>
-              <a:t> dataset</a:t>
-            </a:r>
-          </a:p>
-        </p:txBody>
-      </p:sp>
-      <p:pic>
-        <p:nvPicPr>
-          <p:cNvPr id="6" name="Picture 5">
-            <a:extLst>
-              <a:ext uri="{FF2B5EF4-FFF2-40B4-BE49-F238E27FC236}">
-                <a16:creationId xmlns:a16="http://schemas.microsoft.com/office/drawing/2014/main" id="{95ADFA27-ADF7-48E4-8DFD-E14B552B2076}"/>
-              </a:ext>
-            </a:extLst>
-          </p:cNvPr>
-          <p:cNvPicPr>
-            <a:picLocks noChangeAspect="1"/>
-          </p:cNvPicPr>
-          <p:nvPr/>
-        </p:nvPicPr>
-        <p:blipFill>
-          <a:blip r:embed="rId4"/>
-          <a:stretch>
-            <a:fillRect/>
-          </a:stretch>
-        </p:blipFill>
-        <p:spPr>
-          <a:xfrm>
-            <a:off x="893877" y="5334977"/>
-            <a:ext cx="9010650" cy="1000125"/>
-          </a:xfrm>
-          <a:prstGeom prst="rect">
-            <a:avLst/>
-          </a:prstGeom>
-        </p:spPr>
-      </p:pic>
     </p:spTree>
     <p:extLst>
       <p:ext uri="{BB962C8B-B14F-4D97-AF65-F5344CB8AC3E}">
-        <p14:creationId xmlns:p14="http://schemas.microsoft.com/office/powerpoint/2010/main" val="458664723"/>
+        <p14:creationId xmlns:p14="http://schemas.microsoft.com/office/powerpoint/2010/main" val="2976079044"/>
       </p:ext>
     </p:extLst>
   </p:cSld>
@@ -27038,6 +26223,14 @@
 </file>
 
 <file path=customXml/item1.xml><?xml version="1.0" encoding="utf-8"?>
+<p:properties xmlns:p="http://schemas.microsoft.com/office/2006/metadata/properties" xmlns:xsi="http://www.w3.org/2001/XMLSchema-instance" xmlns:pc="http://schemas.microsoft.com/office/infopath/2007/PartnerControls">
+  <documentManagement>
+    <MediaServiceKeyPoints xmlns="71af3243-3dd4-4a8d-8c0d-dd76da1f02a5" xsi:nil="true"/>
+  </documentManagement>
+</p:properties>
+</file>
+
+<file path=customXml/item2.xml><?xml version="1.0" encoding="utf-8"?>
 <ct:contentTypeSchema xmlns:ct="http://schemas.microsoft.com/office/2006/metadata/contentType" xmlns:ma="http://schemas.microsoft.com/office/2006/metadata/properties/metaAttributes" ct:_="" ma:_="" ma:contentTypeName="Document" ma:contentTypeID="0x01010079F111ED35F8CC479449609E8A0923A6" ma:contentTypeVersion="11" ma:contentTypeDescription="Create a new document." ma:contentTypeScope="" ma:versionID="9677210f24a1be23c92c90fd886aa0aa">
   <xsd:schema xmlns:xsd="http://www.w3.org/2001/XMLSchema" xmlns:xs="http://www.w3.org/2001/XMLSchema" xmlns:p="http://schemas.microsoft.com/office/2006/metadata/properties" xmlns:ns2="71af3243-3dd4-4a8d-8c0d-dd76da1f02a5" xmlns:ns3="16c05727-aa75-4e4a-9b5f-8a80a1165891" targetNamespace="http://schemas.microsoft.com/office/2006/metadata/properties" ma:root="true" ma:fieldsID="60e05723c5c1908df1a1a4ebf11d344e" ns2:_="" ns3:_="">
     <xsd:import namespace="71af3243-3dd4-4a8d-8c0d-dd76da1f02a5"/>
@@ -27248,7 +26441,7 @@
 </ct:contentTypeSchema>
 </file>
 
-<file path=customXml/item2.xml><?xml version="1.0" encoding="utf-8"?>
+<file path=customXml/item3.xml><?xml version="1.0" encoding="utf-8"?>
 <?mso-contentType ?>
 <FormTemplates xmlns="http://schemas.microsoft.com/sharepoint/v3/contenttype/forms">
   <Display>DocumentLibraryForm</Display>
@@ -27257,15 +26450,17 @@
 </FormTemplates>
 </file>
 
-<file path=customXml/item3.xml><?xml version="1.0" encoding="utf-8"?>
-<p:properties xmlns:p="http://schemas.microsoft.com/office/2006/metadata/properties" xmlns:xsi="http://www.w3.org/2001/XMLSchema-instance" xmlns:pc="http://schemas.microsoft.com/office/infopath/2007/PartnerControls">
-  <documentManagement>
-    <MediaServiceKeyPoints xmlns="71af3243-3dd4-4a8d-8c0d-dd76da1f02a5" xsi:nil="true"/>
-  </documentManagement>
-</p:properties>
+<file path=customXml/itemProps1.xml><?xml version="1.0" encoding="utf-8"?>
+<ds:datastoreItem xmlns:ds="http://schemas.openxmlformats.org/officeDocument/2006/customXml" ds:itemID="{EF609EDA-869E-4BE5-AE5D-B898C584B6FF}">
+  <ds:schemaRefs>
+    <ds:schemaRef ds:uri="http://schemas.microsoft.com/office/2006/metadata/properties"/>
+    <ds:schemaRef ds:uri="http://schemas.microsoft.com/office/infopath/2007/PartnerControls"/>
+    <ds:schemaRef ds:uri="71af3243-3dd4-4a8d-8c0d-dd76da1f02a5"/>
+  </ds:schemaRefs>
+</ds:datastoreItem>
 </file>
 
-<file path=customXml/itemProps1.xml><?xml version="1.0" encoding="utf-8"?>
+<file path=customXml/itemProps2.xml><?xml version="1.0" encoding="utf-8"?>
 <ds:datastoreItem xmlns:ds="http://schemas.openxmlformats.org/officeDocument/2006/customXml" ds:itemID="{61A00BBF-EEBB-4E18-B8CB-F926EAAC48F7}">
   <ds:schemaRefs>
     <ds:schemaRef ds:uri="http://schemas.microsoft.com/office/2006/metadata/contentType"/>
@@ -27284,20 +26479,10 @@
 </ds:datastoreItem>
 </file>
 
-<file path=customXml/itemProps2.xml><?xml version="1.0" encoding="utf-8"?>
+<file path=customXml/itemProps3.xml><?xml version="1.0" encoding="utf-8"?>
 <ds:datastoreItem xmlns:ds="http://schemas.openxmlformats.org/officeDocument/2006/customXml" ds:itemID="{2FD05317-60D6-4B3A-8545-888496D1A8EC}">
   <ds:schemaRefs>
     <ds:schemaRef ds:uri="http://schemas.microsoft.com/sharepoint/v3/contenttype/forms"/>
   </ds:schemaRefs>
 </ds:datastoreItem>
-</file>
-
-<file path=customXml/itemProps3.xml><?xml version="1.0" encoding="utf-8"?>
-<ds:datastoreItem xmlns:ds="http://schemas.openxmlformats.org/officeDocument/2006/customXml" ds:itemID="{EF609EDA-869E-4BE5-AE5D-B898C584B6FF}">
-  <ds:schemaRefs>
-    <ds:schemaRef ds:uri="http://schemas.microsoft.com/office/2006/metadata/properties"/>
-    <ds:schemaRef ds:uri="http://schemas.microsoft.com/office/infopath/2007/PartnerControls"/>
-    <ds:schemaRef ds:uri="71af3243-3dd4-4a8d-8c0d-dd76da1f02a5"/>
-  </ds:schemaRefs>
-</ds:datastoreItem>
 </file>